--- a/主禱文(請教導我們禱告)_同心圓.pptx
+++ b/主禱文(請教導我們禱告)_同心圓.pptx
@@ -16,7 +16,7 @@
     <p:sldId id="264" r:id="rId10"/>
     <p:sldId id="265" r:id="rId11"/>
   </p:sldIdLst>
-  <p:sldSz cx="9144000" cy="6858000" type="screen4x3"/>
+  <p:sldSz cx="12192000" cy="6858000"/>
   <p:notesSz cx="6858000" cy="9144000"/>
   <p:defaultTextStyle>
     <a:defPPr>
@@ -113,6 +113,22 @@
       </a:defRPr>
     </a:lvl9pPr>
   </p:defaultTextStyle>
+  <p:extLst>
+    <p:ext uri="{EFAFB233-063F-42B5-8137-9DF3F51BA10A}">
+      <p15:sldGuideLst xmlns:p15="http://schemas.microsoft.com/office/powerpoint/2012/main">
+        <p15:guide id="1" orient="horz" pos="2160" userDrawn="1">
+          <p15:clr>
+            <a:srgbClr val="A4A3A4"/>
+          </p15:clr>
+        </p15:guide>
+        <p15:guide id="2" pos="3840" userDrawn="1">
+          <p15:clr>
+            <a:srgbClr val="A4A3A4"/>
+          </p15:clr>
+        </p15:guide>
+      </p15:sldGuideLst>
+    </p:ext>
+  </p:extLst>
 </p:presentation>
 </file>
 
@@ -145,8 +161,8 @@
         </p:nvSpPr>
         <p:spPr>
           <a:xfrm>
-            <a:off x="685800" y="2130425"/>
-            <a:ext cx="7772400" cy="1470025"/>
+            <a:off x="914400" y="2130426"/>
+            <a:ext cx="10363200" cy="1470025"/>
           </a:xfrm>
         </p:spPr>
         <p:txBody>
@@ -173,8 +189,8 @@
         </p:nvSpPr>
         <p:spPr>
           <a:xfrm>
-            <a:off x="1371600" y="3886200"/>
-            <a:ext cx="6400800" cy="1752600"/>
+            <a:off x="1828800" y="3886200"/>
+            <a:ext cx="8534400" cy="1752600"/>
           </a:xfrm>
         </p:spPr>
         <p:txBody>
@@ -298,7 +314,7 @@
             <a:fld id="{717735A9-F327-42F6-AD64-78B6A63FD8E3}" type="datetimeFigureOut">
               <a:rPr lang="en-US" smtClean="0"/>
               <a:pPr/>
-              <a:t>8/29/2017</a:t>
+              <a:t>5/30/2020</a:t>
             </a:fld>
             <a:endParaRPr lang="en-US"/>
           </a:p>
@@ -465,7 +481,7 @@
             <a:fld id="{717735A9-F327-42F6-AD64-78B6A63FD8E3}" type="datetimeFigureOut">
               <a:rPr lang="en-US" smtClean="0"/>
               <a:pPr/>
-              <a:t>8/29/2017</a:t>
+              <a:t>5/30/2020</a:t>
             </a:fld>
             <a:endParaRPr lang="en-US"/>
           </a:p>
@@ -551,8 +567,8 @@
         </p:nvSpPr>
         <p:spPr>
           <a:xfrm>
-            <a:off x="6629400" y="274638"/>
-            <a:ext cx="2057400" cy="5851525"/>
+            <a:off x="8839200" y="274639"/>
+            <a:ext cx="2743200" cy="5851525"/>
           </a:xfrm>
         </p:spPr>
         <p:txBody>
@@ -579,8 +595,8 @@
         </p:nvSpPr>
         <p:spPr>
           <a:xfrm>
-            <a:off x="457200" y="274638"/>
-            <a:ext cx="6019800" cy="5851525"/>
+            <a:off x="609600" y="274639"/>
+            <a:ext cx="8026400" cy="5851525"/>
           </a:xfrm>
         </p:spPr>
         <p:txBody>
@@ -642,7 +658,7 @@
             <a:fld id="{717735A9-F327-42F6-AD64-78B6A63FD8E3}" type="datetimeFigureOut">
               <a:rPr lang="en-US" smtClean="0"/>
               <a:pPr/>
-              <a:t>8/29/2017</a:t>
+              <a:t>5/30/2020</a:t>
             </a:fld>
             <a:endParaRPr lang="en-US"/>
           </a:p>
@@ -809,7 +825,7 @@
             <a:fld id="{717735A9-F327-42F6-AD64-78B6A63FD8E3}" type="datetimeFigureOut">
               <a:rPr lang="en-US" smtClean="0"/>
               <a:pPr/>
-              <a:t>8/29/2017</a:t>
+              <a:t>5/30/2020</a:t>
             </a:fld>
             <a:endParaRPr lang="en-US"/>
           </a:p>
@@ -895,8 +911,8 @@
         </p:nvSpPr>
         <p:spPr>
           <a:xfrm>
-            <a:off x="722313" y="4406900"/>
-            <a:ext cx="7772400" cy="1362075"/>
+            <a:off x="963084" y="4406901"/>
+            <a:ext cx="10363200" cy="1362075"/>
           </a:xfrm>
         </p:spPr>
         <p:txBody>
@@ -927,8 +943,8 @@
         </p:nvSpPr>
         <p:spPr>
           <a:xfrm>
-            <a:off x="722313" y="2906713"/>
-            <a:ext cx="7772400" cy="1500187"/>
+            <a:off x="963084" y="2906713"/>
+            <a:ext cx="10363200" cy="1500187"/>
           </a:xfrm>
         </p:spPr>
         <p:txBody>
@@ -1052,7 +1068,7 @@
             <a:fld id="{717735A9-F327-42F6-AD64-78B6A63FD8E3}" type="datetimeFigureOut">
               <a:rPr lang="en-US" smtClean="0"/>
               <a:pPr/>
-              <a:t>8/29/2017</a:t>
+              <a:t>5/30/2020</a:t>
             </a:fld>
             <a:endParaRPr lang="en-US"/>
           </a:p>
@@ -1161,8 +1177,8 @@
         </p:nvSpPr>
         <p:spPr>
           <a:xfrm>
-            <a:off x="457200" y="1600200"/>
-            <a:ext cx="4038600" cy="4525963"/>
+            <a:off x="609600" y="1600201"/>
+            <a:ext cx="5384800" cy="4525963"/>
           </a:xfrm>
         </p:spPr>
         <p:txBody>
@@ -1246,8 +1262,8 @@
         </p:nvSpPr>
         <p:spPr>
           <a:xfrm>
-            <a:off x="4648200" y="1600200"/>
-            <a:ext cx="4038600" cy="4525963"/>
+            <a:off x="6197600" y="1600201"/>
+            <a:ext cx="5384800" cy="4525963"/>
           </a:xfrm>
         </p:spPr>
         <p:txBody>
@@ -1337,7 +1353,7 @@
             <a:fld id="{717735A9-F327-42F6-AD64-78B6A63FD8E3}" type="datetimeFigureOut">
               <a:rPr lang="en-US" smtClean="0"/>
               <a:pPr/>
-              <a:t>8/29/2017</a:t>
+              <a:t>5/30/2020</a:t>
             </a:fld>
             <a:endParaRPr lang="en-US"/>
           </a:p>
@@ -1450,8 +1466,8 @@
         </p:nvSpPr>
         <p:spPr>
           <a:xfrm>
-            <a:off x="457200" y="1535113"/>
-            <a:ext cx="4040188" cy="639762"/>
+            <a:off x="609600" y="1535113"/>
+            <a:ext cx="5386917" cy="639762"/>
           </a:xfrm>
         </p:spPr>
         <p:txBody>
@@ -1515,8 +1531,8 @@
         </p:nvSpPr>
         <p:spPr>
           <a:xfrm>
-            <a:off x="457200" y="2174875"/>
-            <a:ext cx="4040188" cy="3951288"/>
+            <a:off x="609600" y="2174875"/>
+            <a:ext cx="5386917" cy="3951288"/>
           </a:xfrm>
         </p:spPr>
         <p:txBody>
@@ -1600,8 +1616,8 @@
         </p:nvSpPr>
         <p:spPr>
           <a:xfrm>
-            <a:off x="4645025" y="1535113"/>
-            <a:ext cx="4041775" cy="639762"/>
+            <a:off x="6193368" y="1535113"/>
+            <a:ext cx="5389033" cy="639762"/>
           </a:xfrm>
         </p:spPr>
         <p:txBody>
@@ -1665,8 +1681,8 @@
         </p:nvSpPr>
         <p:spPr>
           <a:xfrm>
-            <a:off x="4645025" y="2174875"/>
-            <a:ext cx="4041775" cy="3951288"/>
+            <a:off x="6193368" y="2174875"/>
+            <a:ext cx="5389033" cy="3951288"/>
           </a:xfrm>
         </p:spPr>
         <p:txBody>
@@ -1756,7 +1772,7 @@
             <a:fld id="{717735A9-F327-42F6-AD64-78B6A63FD8E3}" type="datetimeFigureOut">
               <a:rPr lang="en-US" smtClean="0"/>
               <a:pPr/>
-              <a:t>8/29/2017</a:t>
+              <a:t>5/30/2020</a:t>
             </a:fld>
             <a:endParaRPr lang="en-US"/>
           </a:p>
@@ -1871,7 +1887,7 @@
             <a:fld id="{717735A9-F327-42F6-AD64-78B6A63FD8E3}" type="datetimeFigureOut">
               <a:rPr lang="en-US" smtClean="0"/>
               <a:pPr/>
-              <a:t>8/29/2017</a:t>
+              <a:t>5/30/2020</a:t>
             </a:fld>
             <a:endParaRPr lang="en-US"/>
           </a:p>
@@ -1963,7 +1979,7 @@
             <a:fld id="{717735A9-F327-42F6-AD64-78B6A63FD8E3}" type="datetimeFigureOut">
               <a:rPr lang="en-US" smtClean="0"/>
               <a:pPr/>
-              <a:t>8/29/2017</a:t>
+              <a:t>5/30/2020</a:t>
             </a:fld>
             <a:endParaRPr lang="en-US"/>
           </a:p>
@@ -2049,8 +2065,8 @@
         </p:nvSpPr>
         <p:spPr>
           <a:xfrm>
-            <a:off x="457200" y="273050"/>
-            <a:ext cx="3008313" cy="1162050"/>
+            <a:off x="609601" y="273050"/>
+            <a:ext cx="4011084" cy="1162050"/>
           </a:xfrm>
         </p:spPr>
         <p:txBody>
@@ -2081,8 +2097,8 @@
         </p:nvSpPr>
         <p:spPr>
           <a:xfrm>
-            <a:off x="3575050" y="273050"/>
-            <a:ext cx="5111750" cy="5853113"/>
+            <a:off x="4766733" y="273051"/>
+            <a:ext cx="6815667" cy="5853113"/>
           </a:xfrm>
         </p:spPr>
         <p:txBody>
@@ -2166,8 +2182,8 @@
         </p:nvSpPr>
         <p:spPr>
           <a:xfrm>
-            <a:off x="457200" y="1435100"/>
-            <a:ext cx="3008313" cy="4691063"/>
+            <a:off x="609601" y="1435101"/>
+            <a:ext cx="4011084" cy="4691063"/>
           </a:xfrm>
         </p:spPr>
         <p:txBody>
@@ -2237,7 +2253,7 @@
             <a:fld id="{717735A9-F327-42F6-AD64-78B6A63FD8E3}" type="datetimeFigureOut">
               <a:rPr lang="en-US" smtClean="0"/>
               <a:pPr/>
-              <a:t>8/29/2017</a:t>
+              <a:t>5/30/2020</a:t>
             </a:fld>
             <a:endParaRPr lang="en-US"/>
           </a:p>
@@ -2323,8 +2339,8 @@
         </p:nvSpPr>
         <p:spPr>
           <a:xfrm>
-            <a:off x="1792288" y="4800600"/>
-            <a:ext cx="5486400" cy="566738"/>
+            <a:off x="2389717" y="4800600"/>
+            <a:ext cx="7315200" cy="566738"/>
           </a:xfrm>
         </p:spPr>
         <p:txBody>
@@ -2355,8 +2371,8 @@
         </p:nvSpPr>
         <p:spPr>
           <a:xfrm>
-            <a:off x="1792288" y="612775"/>
-            <a:ext cx="5486400" cy="4114800"/>
+            <a:off x="2389717" y="612775"/>
+            <a:ext cx="7315200" cy="4114800"/>
           </a:xfrm>
         </p:spPr>
         <p:txBody>
@@ -2420,8 +2436,8 @@
         </p:nvSpPr>
         <p:spPr>
           <a:xfrm>
-            <a:off x="1792288" y="5367338"/>
-            <a:ext cx="5486400" cy="804862"/>
+            <a:off x="2389717" y="5367338"/>
+            <a:ext cx="7315200" cy="804862"/>
           </a:xfrm>
         </p:spPr>
         <p:txBody>
@@ -2491,7 +2507,7 @@
             <a:fld id="{717735A9-F327-42F6-AD64-78B6A63FD8E3}" type="datetimeFigureOut">
               <a:rPr lang="en-US" smtClean="0"/>
               <a:pPr/>
-              <a:t>8/29/2017</a:t>
+              <a:t>5/30/2020</a:t>
             </a:fld>
             <a:endParaRPr lang="en-US"/>
           </a:p>
@@ -2587,8 +2603,8 @@
         </p:nvSpPr>
         <p:spPr>
           <a:xfrm>
-            <a:off x="457200" y="274638"/>
-            <a:ext cx="8229600" cy="1143000"/>
+            <a:off x="609600" y="274638"/>
+            <a:ext cx="10972800" cy="1143000"/>
           </a:xfrm>
           <a:prstGeom prst="rect">
             <a:avLst/>
@@ -2620,8 +2636,8 @@
         </p:nvSpPr>
         <p:spPr>
           <a:xfrm>
-            <a:off x="457200" y="1600200"/>
-            <a:ext cx="8229600" cy="4525963"/>
+            <a:off x="609600" y="1600201"/>
+            <a:ext cx="10972800" cy="4525963"/>
           </a:xfrm>
           <a:prstGeom prst="rect">
             <a:avLst/>
@@ -2682,8 +2698,8 @@
         </p:nvSpPr>
         <p:spPr>
           <a:xfrm>
-            <a:off x="457200" y="6356350"/>
-            <a:ext cx="2133600" cy="365125"/>
+            <a:off x="609600" y="6356351"/>
+            <a:ext cx="2844800" cy="365125"/>
           </a:xfrm>
           <a:prstGeom prst="rect">
             <a:avLst/>
@@ -2706,7 +2722,7 @@
             <a:fld id="{717735A9-F327-42F6-AD64-78B6A63FD8E3}" type="datetimeFigureOut">
               <a:rPr lang="en-US" smtClean="0"/>
               <a:pPr/>
-              <a:t>8/29/2017</a:t>
+              <a:t>5/30/2020</a:t>
             </a:fld>
             <a:endParaRPr lang="en-US"/>
           </a:p>
@@ -2724,8 +2740,8 @@
         </p:nvSpPr>
         <p:spPr>
           <a:xfrm>
-            <a:off x="3124200" y="6356350"/>
-            <a:ext cx="2895600" cy="365125"/>
+            <a:off x="4165600" y="6356351"/>
+            <a:ext cx="3860800" cy="365125"/>
           </a:xfrm>
           <a:prstGeom prst="rect">
             <a:avLst/>
@@ -2761,8 +2777,8 @@
         </p:nvSpPr>
         <p:spPr>
           <a:xfrm>
-            <a:off x="6553200" y="6356350"/>
-            <a:ext cx="2133600" cy="365125"/>
+            <a:off x="8737600" y="6356351"/>
+            <a:ext cx="2844800" cy="365125"/>
           </a:xfrm>
           <a:prstGeom prst="rect">
             <a:avLst/>
@@ -3095,26 +3111,7 @@
           <a:lstStyle/>
           <a:p>
             <a:r>
-              <a:rPr lang="en-US" altLang="zh-TW" sz="5000" b="1" dirty="0" smtClean="0">
-                <a:solidFill>
-                  <a:srgbClr val="660033"/>
-                </a:solidFill>
-                <a:latin typeface="微軟正黑體" pitchFamily="34" charset="-120"/>
-                <a:ea typeface="微軟正黑體" pitchFamily="34" charset="-120"/>
-              </a:rPr>
-              <a:t/>
-            </a:r>
-            <a:br>
-              <a:rPr lang="en-US" altLang="zh-TW" sz="5000" b="1" dirty="0" smtClean="0">
-                <a:solidFill>
-                  <a:srgbClr val="660033"/>
-                </a:solidFill>
-                <a:latin typeface="微軟正黑體" pitchFamily="34" charset="-120"/>
-                <a:ea typeface="微軟正黑體" pitchFamily="34" charset="-120"/>
-              </a:rPr>
-            </a:br>
-            <a:r>
-              <a:rPr lang="zh-TW" altLang="en-US" sz="5000" b="1" dirty="0" smtClean="0">
+              <a:rPr lang="zh-TW" altLang="en-US" sz="4800" b="1" dirty="0" smtClean="0">
                 <a:solidFill>
                   <a:srgbClr val="660033"/>
                 </a:solidFill>
@@ -3124,35 +3121,26 @@
               <a:t>主</a:t>
             </a:r>
             <a:r>
-              <a:rPr lang="zh-TW" altLang="en-US" sz="5000" b="1" dirty="0">
-                <a:solidFill>
-                  <a:srgbClr val="660033"/>
-                </a:solidFill>
-                <a:latin typeface="微軟正黑體" pitchFamily="34" charset="-120"/>
-                <a:ea typeface="微軟正黑體" pitchFamily="34" charset="-120"/>
-              </a:rPr>
-              <a:t>禱文</a:t>
-            </a:r>
-            <a:r>
-              <a:rPr lang="en-US" sz="5000" b="1" dirty="0">
-                <a:solidFill>
-                  <a:srgbClr val="660033"/>
-                </a:solidFill>
-                <a:latin typeface="微軟正黑體" pitchFamily="34" charset="-120"/>
-                <a:ea typeface="微軟正黑體" pitchFamily="34" charset="-120"/>
-              </a:rPr>
-              <a:t/>
-            </a:r>
-            <a:br>
-              <a:rPr lang="en-US" sz="5000" b="1" dirty="0">
-                <a:solidFill>
-                  <a:srgbClr val="660033"/>
-                </a:solidFill>
-                <a:latin typeface="微軟正黑體" pitchFamily="34" charset="-120"/>
-                <a:ea typeface="微軟正黑體" pitchFamily="34" charset="-120"/>
-              </a:rPr>
-            </a:br>
-            <a:endParaRPr lang="en-US" sz="5000" b="1" dirty="0">
+              <a:rPr lang="zh-TW" altLang="en-US" sz="4800" b="1" dirty="0">
+                <a:solidFill>
+                  <a:srgbClr val="660033"/>
+                </a:solidFill>
+                <a:latin typeface="微軟正黑體" pitchFamily="34" charset="-120"/>
+                <a:ea typeface="微軟正黑體" pitchFamily="34" charset="-120"/>
+              </a:rPr>
+              <a:t>禱</a:t>
+            </a:r>
+            <a:r>
+              <a:rPr lang="zh-TW" altLang="en-US" sz="4800" b="1" dirty="0" smtClean="0">
+                <a:solidFill>
+                  <a:srgbClr val="660033"/>
+                </a:solidFill>
+                <a:latin typeface="微軟正黑體" pitchFamily="34" charset="-120"/>
+                <a:ea typeface="微軟正黑體" pitchFamily="34" charset="-120"/>
+              </a:rPr>
+              <a:t>文</a:t>
+            </a:r>
+            <a:endParaRPr lang="en-US" sz="4800" b="1" dirty="0">
               <a:solidFill>
                 <a:srgbClr val="660033"/>
               </a:solidFill>
@@ -3192,7 +3180,7 @@
               </a:rPr>
               <a:t>天父祢名是多麼美 </a:t>
             </a:r>
-            <a:endParaRPr lang="en-US" altLang="zh-TW" sz="5400" b="1" dirty="0" smtClean="0">
+            <a:endParaRPr lang="en-US" altLang="zh-TW" sz="5400" b="1" dirty="0">
               <a:solidFill>
                 <a:srgbClr val="660033"/>
               </a:solidFill>
@@ -3205,7 +3193,7 @@
               <a:buNone/>
             </a:pPr>
             <a:r>
-              <a:rPr lang="zh-TW" altLang="en-US" sz="5400" b="1" dirty="0" smtClean="0">
+              <a:rPr lang="zh-TW" altLang="en-US" sz="5400" b="1" dirty="0">
                 <a:solidFill>
                   <a:srgbClr val="660033"/>
                 </a:solidFill>
@@ -3297,7 +3285,7 @@
               </a:rPr>
             </a:br>
             <a:r>
-              <a:rPr lang="en-US" sz="1600" b="1" dirty="0" smtClean="0">
+              <a:rPr lang="en-US" sz="1600" b="1" dirty="0">
                 <a:solidFill>
                   <a:srgbClr val="660033"/>
                 </a:solidFill>
@@ -3312,7 +3300,7 @@
               <a:buNone/>
             </a:pPr>
             <a:r>
-              <a:rPr lang="en-US" sz="2000" b="1" dirty="0" smtClean="0">
+              <a:rPr lang="en-US" sz="2000" b="1" dirty="0">
                 <a:solidFill>
                   <a:srgbClr val="660033"/>
                 </a:solidFill>
@@ -3393,7 +3381,7 @@
           <a:lstStyle/>
           <a:p>
             <a:r>
-              <a:rPr lang="en-US" altLang="zh-TW" sz="5000" b="1" dirty="0" smtClean="0">
+              <a:rPr lang="en-US" altLang="zh-TW" sz="5000" b="1" dirty="0">
                 <a:solidFill>
                   <a:srgbClr val="660033"/>
                 </a:solidFill>
@@ -3403,7 +3391,7 @@
               <a:t/>
             </a:r>
             <a:br>
-              <a:rPr lang="en-US" altLang="zh-TW" sz="5000" b="1" dirty="0" smtClean="0">
+              <a:rPr lang="en-US" altLang="zh-TW" sz="5000" b="1" dirty="0">
                 <a:solidFill>
                   <a:srgbClr val="660033"/>
                 </a:solidFill>
@@ -3412,7 +3400,7 @@
               </a:rPr>
             </a:br>
             <a:r>
-              <a:rPr lang="zh-TW" altLang="en-US" sz="5000" b="1" dirty="0" smtClean="0">
+              <a:rPr lang="zh-TW" altLang="en-US" sz="5000" b="1" dirty="0">
                 <a:solidFill>
                   <a:srgbClr val="660033"/>
                 </a:solidFill>
@@ -3481,25 +3469,6 @@
               <a:buNone/>
             </a:pPr>
             <a:r>
-              <a:rPr lang="en-US" sz="5400" b="1" dirty="0" smtClean="0">
-                <a:solidFill>
-                  <a:srgbClr val="660033"/>
-                </a:solidFill>
-                <a:latin typeface="微軟正黑體" pitchFamily="34" charset="-120"/>
-                <a:ea typeface="微軟正黑體" pitchFamily="34" charset="-120"/>
-              </a:rPr>
-              <a:t/>
-            </a:r>
-            <a:br>
-              <a:rPr lang="en-US" sz="5400" b="1" dirty="0" smtClean="0">
-                <a:solidFill>
-                  <a:srgbClr val="660033"/>
-                </a:solidFill>
-                <a:latin typeface="微軟正黑體" pitchFamily="34" charset="-120"/>
-                <a:ea typeface="微軟正黑體" pitchFamily="34" charset="-120"/>
-              </a:rPr>
-            </a:br>
-            <a:r>
               <a:rPr lang="zh-TW" altLang="en-US" sz="5400" b="1" dirty="0" smtClean="0">
                 <a:solidFill>
                   <a:srgbClr val="660033"/>
@@ -3507,9 +3476,19 @@
                 <a:latin typeface="微軟正黑體" pitchFamily="34" charset="-120"/>
                 <a:ea typeface="微軟正黑體" pitchFamily="34" charset="-120"/>
               </a:rPr>
-              <a:t>我們在天上的父</a:t>
-            </a:r>
-            <a:br>
+              <a:t>我</a:t>
+            </a:r>
+            <a:r>
+              <a:rPr lang="zh-TW" altLang="en-US" sz="5400" b="1" dirty="0">
+                <a:solidFill>
+                  <a:srgbClr val="660033"/>
+                </a:solidFill>
+                <a:latin typeface="微軟正黑體" pitchFamily="34" charset="-120"/>
+                <a:ea typeface="微軟正黑體" pitchFamily="34" charset="-120"/>
+              </a:rPr>
+              <a:t>們在天上的</a:t>
+            </a:r>
+            <a:r>
               <a:rPr lang="zh-TW" altLang="en-US" sz="5400" b="1" dirty="0" smtClean="0">
                 <a:solidFill>
                   <a:srgbClr val="660033"/>
@@ -3517,18 +3496,9 @@
                 <a:latin typeface="微軟正黑體" pitchFamily="34" charset="-120"/>
                 <a:ea typeface="微軟正黑體" pitchFamily="34" charset="-120"/>
               </a:rPr>
-            </a:br>
-            <a:r>
-              <a:rPr lang="zh-TW" altLang="en-US" sz="5400" b="1" dirty="0" smtClean="0">
-                <a:solidFill>
-                  <a:srgbClr val="660033"/>
-                </a:solidFill>
-                <a:latin typeface="微軟正黑體" pitchFamily="34" charset="-120"/>
-                <a:ea typeface="微軟正黑體" pitchFamily="34" charset="-120"/>
-              </a:rPr>
-              <a:t>願人都尊祢名為聖</a:t>
-            </a:r>
-            <a:endParaRPr lang="en-US" sz="2800" b="1" dirty="0" smtClean="0">
+              <a:t>父</a:t>
+            </a:r>
+            <a:endParaRPr lang="en-US" altLang="zh-TW" sz="5400" b="1" dirty="0" smtClean="0">
               <a:solidFill>
                 <a:srgbClr val="660033"/>
               </a:solidFill>
@@ -3540,7 +3510,27 @@
             <a:pPr algn="ctr">
               <a:buNone/>
             </a:pPr>
-            <a:endParaRPr lang="en-US" sz="2800" b="1" dirty="0" smtClean="0">
+            <a:r>
+              <a:rPr lang="zh-TW" altLang="en-US" sz="5400" b="1" dirty="0" smtClean="0">
+                <a:solidFill>
+                  <a:srgbClr val="660033"/>
+                </a:solidFill>
+                <a:latin typeface="微軟正黑體" pitchFamily="34" charset="-120"/>
+                <a:ea typeface="微軟正黑體" pitchFamily="34" charset="-120"/>
+              </a:rPr>
+              <a:t>願</a:t>
+            </a:r>
+            <a:r>
+              <a:rPr lang="zh-TW" altLang="en-US" sz="5400" b="1" dirty="0">
+                <a:solidFill>
+                  <a:srgbClr val="660033"/>
+                </a:solidFill>
+                <a:latin typeface="微軟正黑體" pitchFamily="34" charset="-120"/>
+                <a:ea typeface="微軟正黑體" pitchFamily="34" charset="-120"/>
+              </a:rPr>
+              <a:t>人都尊祢名為聖</a:t>
+            </a:r>
+            <a:endParaRPr lang="en-US" sz="2800" b="1" dirty="0">
               <a:solidFill>
                 <a:srgbClr val="660033"/>
               </a:solidFill>
@@ -3552,8 +3542,20 @@
             <a:pPr algn="ctr">
               <a:buNone/>
             </a:pPr>
-            <a:r>
-              <a:rPr lang="en-US" sz="2800" b="1" dirty="0" smtClean="0">
+            <a:endParaRPr lang="en-US" sz="2800" b="1" dirty="0">
+              <a:solidFill>
+                <a:srgbClr val="660033"/>
+              </a:solidFill>
+              <a:latin typeface="微軟正黑體" pitchFamily="34" charset="-120"/>
+              <a:ea typeface="微軟正黑體" pitchFamily="34" charset="-120"/>
+            </a:endParaRPr>
+          </a:p>
+          <a:p>
+            <a:pPr algn="ctr">
+              <a:buNone/>
+            </a:pPr>
+            <a:r>
+              <a:rPr lang="en-US" sz="2800" b="1" dirty="0">
                 <a:solidFill>
                   <a:srgbClr val="660033"/>
                 </a:solidFill>
@@ -3563,7 +3565,7 @@
               <a:t>[Last]</a:t>
             </a:r>
             <a:r>
-              <a:rPr lang="en-US" sz="5400" b="1" dirty="0" smtClean="0">
+              <a:rPr lang="en-US" sz="5400" b="1" dirty="0">
                 <a:solidFill>
                   <a:srgbClr val="660033"/>
                 </a:solidFill>
@@ -3573,7 +3575,7 @@
               <a:t/>
             </a:r>
             <a:br>
-              <a:rPr lang="en-US" sz="5400" b="1" dirty="0" smtClean="0">
+              <a:rPr lang="en-US" sz="5400" b="1" dirty="0">
                 <a:solidFill>
                   <a:srgbClr val="660033"/>
                 </a:solidFill>
@@ -3672,25 +3674,6 @@
           <a:lstStyle/>
           <a:p>
             <a:r>
-              <a:rPr lang="en-US" altLang="zh-TW" sz="5000" b="1" dirty="0" smtClean="0">
-                <a:solidFill>
-                  <a:srgbClr val="660033"/>
-                </a:solidFill>
-                <a:latin typeface="微軟正黑體" pitchFamily="34" charset="-120"/>
-                <a:ea typeface="微軟正黑體" pitchFamily="34" charset="-120"/>
-              </a:rPr>
-              <a:t/>
-            </a:r>
-            <a:br>
-              <a:rPr lang="en-US" altLang="zh-TW" sz="5000" b="1" dirty="0" smtClean="0">
-                <a:solidFill>
-                  <a:srgbClr val="660033"/>
-                </a:solidFill>
-                <a:latin typeface="微軟正黑體" pitchFamily="34" charset="-120"/>
-                <a:ea typeface="微軟正黑體" pitchFamily="34" charset="-120"/>
-              </a:rPr>
-            </a:br>
-            <a:r>
               <a:rPr lang="zh-TW" altLang="en-US" sz="5000" b="1" dirty="0" smtClean="0">
                 <a:solidFill>
                   <a:srgbClr val="660033"/>
@@ -3698,27 +3681,28 @@
                 <a:latin typeface="微軟正黑體" pitchFamily="34" charset="-120"/>
                 <a:ea typeface="微軟正黑體" pitchFamily="34" charset="-120"/>
               </a:rPr>
-              <a:t>主禱文</a:t>
-            </a:r>
-            <a:r>
-              <a:rPr lang="en-US" sz="5000" b="1" dirty="0" smtClean="0">
-                <a:solidFill>
-                  <a:srgbClr val="660033"/>
-                </a:solidFill>
-                <a:latin typeface="微軟正黑體" pitchFamily="34" charset="-120"/>
-                <a:ea typeface="微軟正黑體" pitchFamily="34" charset="-120"/>
-              </a:rPr>
-              <a:t/>
-            </a:r>
-            <a:br>
-              <a:rPr lang="en-US" sz="5000" b="1" dirty="0" smtClean="0">
-                <a:solidFill>
-                  <a:srgbClr val="660033"/>
-                </a:solidFill>
-                <a:latin typeface="微軟正黑體" pitchFamily="34" charset="-120"/>
-                <a:ea typeface="微軟正黑體" pitchFamily="34" charset="-120"/>
-              </a:rPr>
-            </a:br>
+              <a:t>主</a:t>
+            </a:r>
+            <a:r>
+              <a:rPr lang="zh-TW" altLang="en-US" sz="5000" b="1" dirty="0">
+                <a:solidFill>
+                  <a:srgbClr val="660033"/>
+                </a:solidFill>
+                <a:latin typeface="微軟正黑體" pitchFamily="34" charset="-120"/>
+                <a:ea typeface="微軟正黑體" pitchFamily="34" charset="-120"/>
+              </a:rPr>
+              <a:t>禱</a:t>
+            </a:r>
+            <a:r>
+              <a:rPr lang="zh-TW" altLang="en-US" sz="5000" b="1" dirty="0" smtClean="0">
+                <a:solidFill>
+                  <a:srgbClr val="660033"/>
+                </a:solidFill>
+                <a:latin typeface="微軟正黑體" pitchFamily="34" charset="-120"/>
+                <a:ea typeface="微軟正黑體" pitchFamily="34" charset="-120"/>
+              </a:rPr>
+              <a:t>文</a:t>
+            </a:r>
             <a:endParaRPr lang="en-US" sz="5000" b="1" dirty="0">
               <a:solidFill>
                 <a:srgbClr val="660033"/>
@@ -3750,7 +3734,7 @@
               <a:buNone/>
             </a:pPr>
             <a:r>
-              <a:rPr lang="zh-TW" altLang="en-US" sz="5400" b="1" dirty="0" smtClean="0">
+              <a:rPr lang="zh-TW" altLang="en-US" sz="5400" b="1" dirty="0">
                 <a:solidFill>
                   <a:srgbClr val="660033"/>
                 </a:solidFill>
@@ -3769,7 +3753,7 @@
               </a:rPr>
               <a:t>我沈默主座前 </a:t>
             </a:r>
-            <a:endParaRPr lang="en-US" altLang="zh-TW" sz="5400" b="1" dirty="0" smtClean="0">
+            <a:endParaRPr lang="en-US" altLang="zh-TW" sz="5400" b="1" dirty="0">
               <a:solidFill>
                 <a:srgbClr val="660033"/>
               </a:solidFill>
@@ -3782,7 +3766,7 @@
               <a:buNone/>
             </a:pPr>
             <a:r>
-              <a:rPr lang="zh-TW" altLang="en-US" sz="5400" b="1" dirty="0" smtClean="0">
+              <a:rPr lang="zh-TW" altLang="en-US" sz="5400" b="1" dirty="0">
                 <a:solidFill>
                   <a:srgbClr val="660033"/>
                 </a:solidFill>
@@ -3802,7 +3786,7 @@
               <a:t>用多片</a:t>
             </a:r>
             <a:r>
-              <a:rPr lang="zh-TW" altLang="en-US" sz="5400" b="1" dirty="0" smtClean="0">
+              <a:rPr lang="zh-TW" altLang="en-US" sz="5400" b="1" dirty="0">
                 <a:solidFill>
                   <a:srgbClr val="660033"/>
                 </a:solidFill>
@@ -3811,7 +3795,7 @@
               </a:rPr>
               <a:t>言</a:t>
             </a:r>
-            <a:endParaRPr lang="en-US" altLang="zh-TW" sz="5400" b="1" dirty="0" smtClean="0">
+            <a:endParaRPr lang="en-US" altLang="zh-TW" sz="5400" b="1" dirty="0">
               <a:solidFill>
                 <a:srgbClr val="660033"/>
               </a:solidFill>
@@ -3824,7 +3808,7 @@
               <a:buNone/>
             </a:pPr>
             <a:r>
-              <a:rPr lang="zh-TW" altLang="en-US" sz="5400" b="1" dirty="0" smtClean="0">
+              <a:rPr lang="zh-TW" altLang="en-US" sz="5400" b="1" dirty="0">
                 <a:solidFill>
                   <a:srgbClr val="660033"/>
                 </a:solidFill>
@@ -3863,7 +3847,7 @@
               </a:rPr>
             </a:br>
             <a:r>
-              <a:rPr lang="en-US" sz="5400" b="1" dirty="0" smtClean="0">
+              <a:rPr lang="en-US" sz="5400" b="1" dirty="0">
                 <a:solidFill>
                   <a:srgbClr val="660033"/>
                 </a:solidFill>
@@ -3878,7 +3862,7 @@
               <a:buNone/>
             </a:pPr>
             <a:r>
-              <a:rPr lang="en-US" sz="5400" b="1" dirty="0" smtClean="0">
+              <a:rPr lang="en-US" sz="1600" b="1" dirty="0">
                 <a:solidFill>
                   <a:srgbClr val="660033"/>
                 </a:solidFill>
@@ -3893,22 +3877,7 @@
               <a:buNone/>
             </a:pPr>
             <a:r>
-              <a:rPr lang="en-US" sz="1600" b="1" dirty="0" smtClean="0">
-                <a:solidFill>
-                  <a:srgbClr val="660033"/>
-                </a:solidFill>
-                <a:latin typeface="微軟正黑體" pitchFamily="34" charset="-120"/>
-                <a:ea typeface="微軟正黑體" pitchFamily="34" charset="-120"/>
-              </a:rPr>
-              <a:t>	</a:t>
-            </a:r>
-          </a:p>
-          <a:p>
-            <a:pPr algn="ctr">
-              <a:buNone/>
-            </a:pPr>
-            <a:r>
-              <a:rPr lang="en-US" sz="1600" b="1" dirty="0" smtClean="0">
+              <a:rPr lang="en-US" sz="1600" b="1" dirty="0">
                 <a:solidFill>
                   <a:srgbClr val="660033"/>
                 </a:solidFill>
@@ -3989,7 +3958,7 @@
           <a:lstStyle/>
           <a:p>
             <a:r>
-              <a:rPr lang="en-US" altLang="zh-TW" sz="5000" b="1" dirty="0" smtClean="0">
+              <a:rPr lang="en-US" altLang="zh-TW" sz="5000" b="1" dirty="0">
                 <a:solidFill>
                   <a:srgbClr val="660033"/>
                 </a:solidFill>
@@ -3999,7 +3968,7 @@
               <a:t/>
             </a:r>
             <a:br>
-              <a:rPr lang="en-US" altLang="zh-TW" sz="5000" b="1" dirty="0" smtClean="0">
+              <a:rPr lang="en-US" altLang="zh-TW" sz="5000" b="1" dirty="0">
                 <a:solidFill>
                   <a:srgbClr val="660033"/>
                 </a:solidFill>
@@ -4008,7 +3977,7 @@
               </a:rPr>
             </a:br>
             <a:r>
-              <a:rPr lang="zh-TW" altLang="en-US" sz="5000" b="1" dirty="0" smtClean="0">
+              <a:rPr lang="zh-TW" altLang="en-US" sz="5000" b="1" dirty="0">
                 <a:solidFill>
                   <a:srgbClr val="660033"/>
                 </a:solidFill>
@@ -4068,7 +4037,7 @@
         </p:nvSpPr>
         <p:spPr>
           <a:xfrm>
-            <a:off x="457200" y="1600200"/>
+            <a:off x="1981200" y="1600200"/>
             <a:ext cx="8229600" cy="4900634"/>
           </a:xfrm>
         </p:spPr>
@@ -4158,7 +4127,7 @@
               <a:t>由祢全權來帶</a:t>
             </a:r>
             <a:r>
-              <a:rPr lang="zh-TW" altLang="en-US" sz="5400" b="1" dirty="0" smtClean="0">
+              <a:rPr lang="zh-TW" altLang="en-US" sz="5400" b="1" dirty="0">
                 <a:solidFill>
                   <a:srgbClr val="660033"/>
                 </a:solidFill>
@@ -4186,7 +4155,7 @@
                 <a:ea typeface="微軟正黑體" pitchFamily="34" charset="-120"/>
               </a:rPr>
             </a:br>
-            <a:endParaRPr lang="en-US" sz="4800" b="1" dirty="0" smtClean="0">
+            <a:endParaRPr lang="en-US" sz="4800" b="1" dirty="0">
               <a:solidFill>
                 <a:srgbClr val="660033"/>
               </a:solidFill>
@@ -4199,7 +4168,7 @@
               <a:buNone/>
             </a:pPr>
             <a:r>
-              <a:rPr lang="en-US" sz="1800" b="1" dirty="0" smtClean="0">
+              <a:rPr lang="en-US" sz="1800" b="1" dirty="0">
                 <a:solidFill>
                   <a:srgbClr val="660033"/>
                 </a:solidFill>
@@ -4261,7 +4230,7 @@
           <a:lstStyle/>
           <a:p>
             <a:r>
-              <a:rPr lang="en-US" altLang="zh-TW" sz="5000" b="1" dirty="0" smtClean="0">
+              <a:rPr lang="en-US" altLang="zh-TW" sz="5000" b="1" dirty="0">
                 <a:solidFill>
                   <a:srgbClr val="660033"/>
                 </a:solidFill>
@@ -4271,7 +4240,7 @@
               <a:t/>
             </a:r>
             <a:br>
-              <a:rPr lang="en-US" altLang="zh-TW" sz="5000" b="1" dirty="0" smtClean="0">
+              <a:rPr lang="en-US" altLang="zh-TW" sz="5000" b="1" dirty="0">
                 <a:solidFill>
                   <a:srgbClr val="660033"/>
                 </a:solidFill>
@@ -4280,7 +4249,7 @@
               </a:rPr>
             </a:br>
             <a:r>
-              <a:rPr lang="zh-TW" altLang="en-US" sz="5000" b="1" dirty="0" smtClean="0">
+              <a:rPr lang="zh-TW" altLang="en-US" sz="5000" b="1" dirty="0">
                 <a:solidFill>
                   <a:srgbClr val="660033"/>
                 </a:solidFill>
@@ -4349,7 +4318,7 @@
               <a:buNone/>
             </a:pPr>
             <a:r>
-              <a:rPr lang="zh-TW" altLang="en-US" sz="5400" b="1" dirty="0" smtClean="0">
+              <a:rPr lang="zh-TW" altLang="en-US" sz="5400" b="1" dirty="0">
                 <a:solidFill>
                   <a:srgbClr val="660033"/>
                 </a:solidFill>
@@ -4435,7 +4404,7 @@
               <a:t>如同行在天</a:t>
             </a:r>
             <a:r>
-              <a:rPr lang="zh-TW" altLang="en-US" sz="5400" b="1" dirty="0" smtClean="0">
+              <a:rPr lang="zh-TW" altLang="en-US" sz="5400" b="1" dirty="0">
                 <a:solidFill>
                   <a:srgbClr val="660033"/>
                 </a:solidFill>
@@ -4444,7 +4413,7 @@
               </a:rPr>
               <a:t>上</a:t>
             </a:r>
-            <a:endParaRPr lang="en-US" altLang="zh-TW" sz="5400" b="1" dirty="0" smtClean="0">
+            <a:endParaRPr lang="en-US" altLang="zh-TW" sz="5400" b="1" dirty="0">
               <a:solidFill>
                 <a:srgbClr val="660033"/>
               </a:solidFill>
@@ -4456,7 +4425,7 @@
             <a:pPr algn="ctr">
               <a:buNone/>
             </a:pPr>
-            <a:endParaRPr lang="en-US" altLang="zh-TW" sz="2800" b="1" dirty="0" smtClean="0">
+            <a:endParaRPr lang="en-US" altLang="zh-TW" sz="2800" b="1" dirty="0">
               <a:solidFill>
                 <a:srgbClr val="660033"/>
               </a:solidFill>
@@ -4469,7 +4438,7 @@
               <a:buNone/>
             </a:pPr>
             <a:r>
-              <a:rPr lang="en-US" altLang="zh-TW" sz="2000" b="1" dirty="0" smtClean="0">
+              <a:rPr lang="en-US" altLang="zh-TW" sz="2000" b="1" dirty="0">
                 <a:solidFill>
                   <a:srgbClr val="660033"/>
                 </a:solidFill>
@@ -4574,7 +4543,7 @@
           <a:lstStyle/>
           <a:p>
             <a:r>
-              <a:rPr lang="en-US" altLang="zh-TW" sz="5000" b="1" dirty="0" smtClean="0">
+              <a:rPr lang="en-US" altLang="zh-TW" sz="5000" b="1" dirty="0">
                 <a:solidFill>
                   <a:srgbClr val="660033"/>
                 </a:solidFill>
@@ -4584,7 +4553,7 @@
               <a:t/>
             </a:r>
             <a:br>
-              <a:rPr lang="en-US" altLang="zh-TW" sz="5000" b="1" dirty="0" smtClean="0">
+              <a:rPr lang="en-US" altLang="zh-TW" sz="5000" b="1" dirty="0">
                 <a:solidFill>
                   <a:srgbClr val="660033"/>
                 </a:solidFill>
@@ -4593,7 +4562,7 @@
               </a:rPr>
             </a:br>
             <a:r>
-              <a:rPr lang="zh-TW" altLang="en-US" sz="5000" b="1" dirty="0" smtClean="0">
+              <a:rPr lang="zh-TW" altLang="en-US" sz="5000" b="1" dirty="0">
                 <a:solidFill>
                   <a:srgbClr val="660033"/>
                 </a:solidFill>
@@ -4662,7 +4631,7 @@
               <a:buNone/>
             </a:pPr>
             <a:r>
-              <a:rPr lang="zh-TW" altLang="en-US" sz="5400" b="1" dirty="0" smtClean="0">
+              <a:rPr lang="zh-TW" altLang="en-US" sz="5400" b="1" dirty="0">
                 <a:solidFill>
                   <a:srgbClr val="660033"/>
                 </a:solidFill>
@@ -4671,7 +4640,7 @@
               </a:rPr>
               <a:t>我們當天所需要的食物</a:t>
             </a:r>
-            <a:endParaRPr lang="en-US" sz="5400" b="1" dirty="0" smtClean="0">
+            <a:endParaRPr lang="en-US" sz="5400" b="1" dirty="0">
               <a:solidFill>
                 <a:srgbClr val="660033"/>
               </a:solidFill>
@@ -4684,7 +4653,7 @@
               <a:buNone/>
             </a:pPr>
             <a:r>
-              <a:rPr lang="zh-TW" altLang="en-US" sz="5400" b="1" dirty="0" smtClean="0">
+              <a:rPr lang="zh-TW" altLang="en-US" sz="5400" b="1" dirty="0">
                 <a:solidFill>
                   <a:srgbClr val="660033"/>
                 </a:solidFill>
@@ -4693,7 +4662,7 @@
               </a:rPr>
               <a:t>求祢賜給我們</a:t>
             </a:r>
-            <a:endParaRPr lang="en-US" sz="5400" b="1" dirty="0" smtClean="0">
+            <a:endParaRPr lang="en-US" sz="5400" b="1" dirty="0">
               <a:solidFill>
                 <a:srgbClr val="660033"/>
               </a:solidFill>
@@ -4706,7 +4675,7 @@
               <a:buNone/>
             </a:pPr>
             <a:r>
-              <a:rPr lang="zh-TW" altLang="en-US" sz="5400" b="1" dirty="0" smtClean="0">
+              <a:rPr lang="zh-TW" altLang="en-US" sz="5400" b="1" dirty="0">
                 <a:solidFill>
                   <a:srgbClr val="660033"/>
                 </a:solidFill>
@@ -4715,7 +4684,7 @@
               </a:rPr>
               <a:t>免我們的債</a:t>
             </a:r>
-            <a:endParaRPr lang="en-US" sz="5400" b="1" dirty="0" smtClean="0">
+            <a:endParaRPr lang="en-US" sz="5400" b="1" dirty="0">
               <a:solidFill>
                 <a:srgbClr val="660033"/>
               </a:solidFill>
@@ -4728,7 +4697,7 @@
               <a:buNone/>
             </a:pPr>
             <a:r>
-              <a:rPr lang="zh-TW" altLang="en-US" sz="5400" b="1" dirty="0" smtClean="0">
+              <a:rPr lang="zh-TW" altLang="en-US" sz="5400" b="1" dirty="0">
                 <a:solidFill>
                   <a:srgbClr val="660033"/>
                 </a:solidFill>
@@ -4737,7 +4706,7 @@
               </a:rPr>
               <a:t>如同我們免去人的債</a:t>
             </a:r>
-            <a:endParaRPr lang="en-US" altLang="zh-TW" sz="5400" b="1" dirty="0" smtClean="0">
+            <a:endParaRPr lang="en-US" altLang="zh-TW" sz="5400" b="1" dirty="0">
               <a:solidFill>
                 <a:srgbClr val="660033"/>
               </a:solidFill>
@@ -4749,7 +4718,7 @@
             <a:pPr algn="ctr">
               <a:buNone/>
             </a:pPr>
-            <a:endParaRPr lang="en-US" sz="2800" b="1" dirty="0" smtClean="0">
+            <a:endParaRPr lang="en-US" sz="2800" b="1" dirty="0">
               <a:solidFill>
                 <a:srgbClr val="660033"/>
               </a:solidFill>
@@ -4762,7 +4731,7 @@
               <a:buNone/>
             </a:pPr>
             <a:r>
-              <a:rPr lang="en-US" sz="2800" b="1" dirty="0" smtClean="0">
+              <a:rPr lang="en-US" sz="2800" b="1" dirty="0">
                 <a:solidFill>
                   <a:srgbClr val="660033"/>
                 </a:solidFill>
@@ -4772,7 +4741,7 @@
               <a:t>[Chorus]</a:t>
             </a:r>
             <a:r>
-              <a:rPr lang="en-US" sz="5400" b="1" dirty="0" smtClean="0">
+              <a:rPr lang="en-US" sz="5400" b="1" dirty="0">
                 <a:solidFill>
                   <a:srgbClr val="660033"/>
                 </a:solidFill>
@@ -4782,7 +4751,7 @@
               <a:t/>
             </a:r>
             <a:br>
-              <a:rPr lang="en-US" sz="5400" b="1" dirty="0" smtClean="0">
+              <a:rPr lang="en-US" sz="5400" b="1" dirty="0">
                 <a:solidFill>
                   <a:srgbClr val="660033"/>
                 </a:solidFill>
@@ -4881,7 +4850,7 @@
           <a:lstStyle/>
           <a:p>
             <a:r>
-              <a:rPr lang="en-US" altLang="zh-TW" sz="5000" b="1" dirty="0" smtClean="0">
+              <a:rPr lang="en-US" altLang="zh-TW" sz="5000" b="1" dirty="0">
                 <a:solidFill>
                   <a:srgbClr val="660033"/>
                 </a:solidFill>
@@ -4891,7 +4860,7 @@
               <a:t/>
             </a:r>
             <a:br>
-              <a:rPr lang="en-US" altLang="zh-TW" sz="5000" b="1" dirty="0" smtClean="0">
+              <a:rPr lang="en-US" altLang="zh-TW" sz="5000" b="1" dirty="0">
                 <a:solidFill>
                   <a:srgbClr val="660033"/>
                 </a:solidFill>
@@ -4900,7 +4869,7 @@
               </a:rPr>
             </a:br>
             <a:r>
-              <a:rPr lang="zh-TW" altLang="en-US" sz="5000" b="1" dirty="0" smtClean="0">
+              <a:rPr lang="zh-TW" altLang="en-US" sz="5000" b="1" dirty="0">
                 <a:solidFill>
                   <a:srgbClr val="660033"/>
                 </a:solidFill>
@@ -4968,7 +4937,7 @@
             <a:pPr algn="ctr">
               <a:buNone/>
             </a:pPr>
-            <a:endParaRPr lang="en-US" altLang="zh-TW" sz="4400" dirty="0" smtClean="0">
+            <a:endParaRPr lang="en-US" altLang="zh-TW" sz="4400" dirty="0">
               <a:solidFill>
                 <a:srgbClr val="660033"/>
               </a:solidFill>
@@ -4981,7 +4950,7 @@
               <a:buNone/>
             </a:pPr>
             <a:r>
-              <a:rPr lang="zh-TW" altLang="en-US" sz="5800" b="1" dirty="0" smtClean="0">
+              <a:rPr lang="zh-TW" altLang="en-US" sz="5800" b="1" dirty="0">
                 <a:solidFill>
                   <a:srgbClr val="660033"/>
                 </a:solidFill>
@@ -5000,7 +4969,7 @@
               </a:rPr>
               <a:t>日 我求問主的國 </a:t>
             </a:r>
-            <a:endParaRPr lang="en-US" altLang="zh-TW" sz="5800" b="1" dirty="0" smtClean="0">
+            <a:endParaRPr lang="en-US" altLang="zh-TW" sz="5800" b="1" dirty="0">
               <a:solidFill>
                 <a:srgbClr val="660033"/>
               </a:solidFill>
@@ -5013,7 +4982,7 @@
               <a:buNone/>
             </a:pPr>
             <a:r>
-              <a:rPr lang="zh-TW" altLang="en-US" sz="5800" b="1" dirty="0" smtClean="0">
+              <a:rPr lang="zh-TW" altLang="en-US" sz="5800" b="1" dirty="0">
                 <a:solidFill>
                   <a:srgbClr val="660033"/>
                 </a:solidFill>
@@ -5055,7 +5024,7 @@
               <a:t>王的旨意 如陽光遍地彰</a:t>
             </a:r>
             <a:r>
-              <a:rPr lang="zh-TW" altLang="en-US" sz="5800" b="1" dirty="0" smtClean="0">
+              <a:rPr lang="zh-TW" altLang="en-US" sz="5800" b="1" dirty="0">
                 <a:solidFill>
                   <a:srgbClr val="660033"/>
                 </a:solidFill>
@@ -5064,7 +5033,7 @@
               </a:rPr>
               <a:t>顯</a:t>
             </a:r>
-            <a:endParaRPr lang="en-US" altLang="zh-TW" sz="5800" b="1" dirty="0" smtClean="0">
+            <a:endParaRPr lang="en-US" altLang="zh-TW" sz="5800" b="1" dirty="0">
               <a:solidFill>
                 <a:srgbClr val="660033"/>
               </a:solidFill>
@@ -5076,7 +5045,7 @@
             <a:pPr algn="ctr">
               <a:buNone/>
             </a:pPr>
-            <a:endParaRPr lang="en-US" sz="4400" b="1" dirty="0" smtClean="0">
+            <a:endParaRPr lang="en-US" sz="4400" b="1" dirty="0">
               <a:solidFill>
                 <a:srgbClr val="660033"/>
               </a:solidFill>
@@ -5089,7 +5058,7 @@
               <a:buNone/>
             </a:pPr>
             <a:r>
-              <a:rPr lang="en-US" sz="2000" b="1" dirty="0" smtClean="0">
+              <a:rPr lang="en-US" sz="2000" b="1" dirty="0">
                 <a:solidFill>
                   <a:srgbClr val="660033"/>
                 </a:solidFill>
@@ -5170,7 +5139,7 @@
           <a:lstStyle/>
           <a:p>
             <a:r>
-              <a:rPr lang="en-US" altLang="zh-TW" sz="5000" b="1" dirty="0" smtClean="0">
+              <a:rPr lang="en-US" altLang="zh-TW" sz="5000" b="1" dirty="0">
                 <a:solidFill>
                   <a:srgbClr val="660033"/>
                 </a:solidFill>
@@ -5180,7 +5149,7 @@
               <a:t/>
             </a:r>
             <a:br>
-              <a:rPr lang="en-US" altLang="zh-TW" sz="5000" b="1" dirty="0" smtClean="0">
+              <a:rPr lang="en-US" altLang="zh-TW" sz="5000" b="1" dirty="0">
                 <a:solidFill>
                   <a:srgbClr val="660033"/>
                 </a:solidFill>
@@ -5189,7 +5158,7 @@
               </a:rPr>
             </a:br>
             <a:r>
-              <a:rPr lang="zh-TW" altLang="en-US" sz="5000" b="1" dirty="0" smtClean="0">
+              <a:rPr lang="zh-TW" altLang="en-US" sz="5000" b="1" dirty="0">
                 <a:solidFill>
                   <a:srgbClr val="660033"/>
                 </a:solidFill>
@@ -5258,7 +5227,7 @@
               <a:buNone/>
             </a:pPr>
             <a:r>
-              <a:rPr lang="zh-TW" altLang="en-US" sz="5400" b="1" dirty="0" smtClean="0">
+              <a:rPr lang="zh-TW" altLang="en-US" sz="5400" b="1" dirty="0">
                 <a:solidFill>
                   <a:srgbClr val="660033"/>
                 </a:solidFill>
@@ -5344,7 +5313,7 @@
               <a:t>如同行在天</a:t>
             </a:r>
             <a:r>
-              <a:rPr lang="zh-TW" altLang="en-US" sz="5400" b="1" dirty="0" smtClean="0">
+              <a:rPr lang="zh-TW" altLang="en-US" sz="5400" b="1" dirty="0">
                 <a:solidFill>
                   <a:srgbClr val="660033"/>
                 </a:solidFill>
@@ -5353,7 +5322,7 @@
               </a:rPr>
               <a:t>上</a:t>
             </a:r>
-            <a:endParaRPr lang="en-US" altLang="zh-TW" sz="5400" b="1" dirty="0" smtClean="0">
+            <a:endParaRPr lang="en-US" altLang="zh-TW" sz="5400" b="1" dirty="0">
               <a:solidFill>
                 <a:srgbClr val="660033"/>
               </a:solidFill>
@@ -5365,7 +5334,7 @@
             <a:pPr algn="ctr">
               <a:buNone/>
             </a:pPr>
-            <a:endParaRPr lang="en-US" altLang="zh-TW" sz="2800" b="1" dirty="0" smtClean="0">
+            <a:endParaRPr lang="en-US" altLang="zh-TW" sz="2800" b="1" dirty="0">
               <a:solidFill>
                 <a:srgbClr val="660033"/>
               </a:solidFill>
@@ -5378,7 +5347,7 @@
               <a:buNone/>
             </a:pPr>
             <a:r>
-              <a:rPr lang="en-US" altLang="zh-TW" sz="2000" b="1" dirty="0" smtClean="0">
+              <a:rPr lang="en-US" altLang="zh-TW" sz="2000" b="1" dirty="0">
                 <a:solidFill>
                   <a:srgbClr val="660033"/>
                 </a:solidFill>
@@ -5483,7 +5452,7 @@
           <a:lstStyle/>
           <a:p>
             <a:r>
-              <a:rPr lang="en-US" altLang="zh-TW" sz="5000" b="1" dirty="0" smtClean="0">
+              <a:rPr lang="en-US" altLang="zh-TW" sz="5000" b="1" dirty="0">
                 <a:solidFill>
                   <a:srgbClr val="660033"/>
                 </a:solidFill>
@@ -5493,7 +5462,7 @@
               <a:t/>
             </a:r>
             <a:br>
-              <a:rPr lang="en-US" altLang="zh-TW" sz="5000" b="1" dirty="0" smtClean="0">
+              <a:rPr lang="en-US" altLang="zh-TW" sz="5000" b="1" dirty="0">
                 <a:solidFill>
                   <a:srgbClr val="660033"/>
                 </a:solidFill>
@@ -5502,7 +5471,7 @@
               </a:rPr>
             </a:br>
             <a:r>
-              <a:rPr lang="zh-TW" altLang="en-US" sz="5000" b="1" dirty="0" smtClean="0">
+              <a:rPr lang="zh-TW" altLang="en-US" sz="5000" b="1" dirty="0">
                 <a:solidFill>
                   <a:srgbClr val="660033"/>
                 </a:solidFill>
@@ -5571,7 +5540,7 @@
               <a:buNone/>
             </a:pPr>
             <a:r>
-              <a:rPr lang="zh-TW" altLang="en-US" sz="5400" b="1" dirty="0" smtClean="0">
+              <a:rPr lang="zh-TW" altLang="en-US" sz="5400" b="1" dirty="0">
                 <a:solidFill>
                   <a:srgbClr val="660033"/>
                 </a:solidFill>
@@ -5580,7 +5549,7 @@
               </a:rPr>
               <a:t>我們當天所需要的食物</a:t>
             </a:r>
-            <a:endParaRPr lang="en-US" sz="5400" b="1" dirty="0" smtClean="0">
+            <a:endParaRPr lang="en-US" sz="5400" b="1" dirty="0">
               <a:solidFill>
                 <a:srgbClr val="660033"/>
               </a:solidFill>
@@ -5593,7 +5562,7 @@
               <a:buNone/>
             </a:pPr>
             <a:r>
-              <a:rPr lang="zh-TW" altLang="en-US" sz="5400" b="1" dirty="0" smtClean="0">
+              <a:rPr lang="zh-TW" altLang="en-US" sz="5400" b="1" dirty="0">
                 <a:solidFill>
                   <a:srgbClr val="660033"/>
                 </a:solidFill>
@@ -5602,7 +5571,7 @@
               </a:rPr>
               <a:t>求祢賜給我們</a:t>
             </a:r>
-            <a:endParaRPr lang="en-US" sz="5400" b="1" dirty="0" smtClean="0">
+            <a:endParaRPr lang="en-US" sz="5400" b="1" dirty="0">
               <a:solidFill>
                 <a:srgbClr val="660033"/>
               </a:solidFill>
@@ -5615,7 +5584,7 @@
               <a:buNone/>
             </a:pPr>
             <a:r>
-              <a:rPr lang="zh-TW" altLang="en-US" sz="5400" b="1" dirty="0" smtClean="0">
+              <a:rPr lang="zh-TW" altLang="en-US" sz="5400" b="1" dirty="0">
                 <a:solidFill>
                   <a:srgbClr val="660033"/>
                 </a:solidFill>
@@ -5624,7 +5593,7 @@
               </a:rPr>
               <a:t>免我們的債</a:t>
             </a:r>
-            <a:endParaRPr lang="en-US" sz="5400" b="1" dirty="0" smtClean="0">
+            <a:endParaRPr lang="en-US" sz="5400" b="1" dirty="0">
               <a:solidFill>
                 <a:srgbClr val="660033"/>
               </a:solidFill>
@@ -5637,7 +5606,7 @@
               <a:buNone/>
             </a:pPr>
             <a:r>
-              <a:rPr lang="zh-TW" altLang="en-US" sz="5400" b="1" dirty="0" smtClean="0">
+              <a:rPr lang="zh-TW" altLang="en-US" sz="5400" b="1" dirty="0">
                 <a:solidFill>
                   <a:srgbClr val="660033"/>
                 </a:solidFill>
@@ -5646,7 +5615,7 @@
               </a:rPr>
               <a:t>如同我們免去人的債</a:t>
             </a:r>
-            <a:endParaRPr lang="en-US" altLang="zh-TW" sz="5400" b="1" dirty="0" smtClean="0">
+            <a:endParaRPr lang="en-US" altLang="zh-TW" sz="5400" b="1" dirty="0">
               <a:solidFill>
                 <a:srgbClr val="660033"/>
               </a:solidFill>
@@ -5658,7 +5627,7 @@
             <a:pPr algn="ctr">
               <a:buNone/>
             </a:pPr>
-            <a:endParaRPr lang="en-US" sz="2800" b="1" dirty="0" smtClean="0">
+            <a:endParaRPr lang="en-US" sz="2800" b="1" dirty="0">
               <a:solidFill>
                 <a:srgbClr val="660033"/>
               </a:solidFill>
@@ -5671,7 +5640,7 @@
               <a:buNone/>
             </a:pPr>
             <a:r>
-              <a:rPr lang="en-US" sz="2800" b="1" dirty="0" smtClean="0">
+              <a:rPr lang="en-US" sz="2800" b="1" dirty="0">
                 <a:solidFill>
                   <a:srgbClr val="660033"/>
                 </a:solidFill>
@@ -5681,7 +5650,7 @@
               <a:t>[Chorus]</a:t>
             </a:r>
             <a:r>
-              <a:rPr lang="en-US" sz="5400" b="1" dirty="0" smtClean="0">
+              <a:rPr lang="en-US" sz="5400" b="1" dirty="0">
                 <a:solidFill>
                   <a:srgbClr val="660033"/>
                 </a:solidFill>
@@ -5691,7 +5660,7 @@
               <a:t/>
             </a:r>
             <a:br>
-              <a:rPr lang="en-US" sz="5400" b="1" dirty="0" smtClean="0">
+              <a:rPr lang="en-US" sz="5400" b="1" dirty="0">
                 <a:solidFill>
                   <a:srgbClr val="660033"/>
                 </a:solidFill>
@@ -5790,7 +5759,7 @@
           <a:lstStyle/>
           <a:p>
             <a:r>
-              <a:rPr lang="en-US" altLang="zh-TW" sz="5000" b="1" dirty="0" smtClean="0">
+              <a:rPr lang="en-US" altLang="zh-TW" sz="5000" b="1" dirty="0">
                 <a:solidFill>
                   <a:srgbClr val="660033"/>
                 </a:solidFill>
@@ -5800,7 +5769,7 @@
               <a:t/>
             </a:r>
             <a:br>
-              <a:rPr lang="en-US" altLang="zh-TW" sz="5000" b="1" dirty="0" smtClean="0">
+              <a:rPr lang="en-US" altLang="zh-TW" sz="5000" b="1" dirty="0">
                 <a:solidFill>
                   <a:srgbClr val="660033"/>
                 </a:solidFill>
@@ -5809,7 +5778,7 @@
               </a:rPr>
             </a:br>
             <a:r>
-              <a:rPr lang="zh-TW" altLang="en-US" sz="5000" b="1" dirty="0" smtClean="0">
+              <a:rPr lang="zh-TW" altLang="en-US" sz="5000" b="1" dirty="0">
                 <a:solidFill>
                   <a:srgbClr val="660033"/>
                 </a:solidFill>
@@ -5878,7 +5847,7 @@
               <a:buNone/>
             </a:pPr>
             <a:r>
-              <a:rPr lang="zh-TW" altLang="en-US" sz="5400" b="1" dirty="0" smtClean="0">
+              <a:rPr lang="zh-TW" altLang="en-US" sz="5400" b="1" dirty="0">
                 <a:solidFill>
                   <a:srgbClr val="660033"/>
                 </a:solidFill>
@@ -5887,7 +5856,7 @@
               </a:rPr>
               <a:t>不叫我們遇見試探 </a:t>
             </a:r>
-            <a:endParaRPr lang="en-US" altLang="zh-TW" sz="5400" b="1" dirty="0" smtClean="0">
+            <a:endParaRPr lang="en-US" altLang="zh-TW" sz="5400" b="1" dirty="0">
               <a:solidFill>
                 <a:srgbClr val="660033"/>
               </a:solidFill>
@@ -5900,7 +5869,7 @@
               <a:buNone/>
             </a:pPr>
             <a:r>
-              <a:rPr lang="zh-TW" altLang="en-US" sz="5400" b="1" dirty="0" smtClean="0">
+              <a:rPr lang="zh-TW" altLang="en-US" sz="5400" b="1" dirty="0">
                 <a:solidFill>
                   <a:srgbClr val="660033"/>
                 </a:solidFill>
@@ -5909,7 +5878,7 @@
               </a:rPr>
               <a:t>救我們脫離凶惡</a:t>
             </a:r>
-            <a:endParaRPr lang="en-US" altLang="zh-TW" sz="5400" b="1" dirty="0" smtClean="0">
+            <a:endParaRPr lang="en-US" altLang="zh-TW" sz="5400" b="1" dirty="0">
               <a:solidFill>
                 <a:srgbClr val="660033"/>
               </a:solidFill>
@@ -5922,7 +5891,7 @@
               <a:buNone/>
             </a:pPr>
             <a:r>
-              <a:rPr lang="zh-TW" altLang="en-US" sz="5400" b="1" dirty="0" smtClean="0">
+              <a:rPr lang="zh-TW" altLang="en-US" sz="5400" b="1" dirty="0">
                 <a:solidFill>
                   <a:srgbClr val="660033"/>
                 </a:solidFill>
@@ -5931,7 +5900,7 @@
               </a:rPr>
               <a:t>因國度權柄榮耀 </a:t>
             </a:r>
-            <a:endParaRPr lang="en-US" altLang="zh-TW" sz="5400" b="1" dirty="0" smtClean="0">
+            <a:endParaRPr lang="en-US" altLang="zh-TW" sz="5400" b="1" dirty="0">
               <a:solidFill>
                 <a:srgbClr val="660033"/>
               </a:solidFill>
@@ -5944,7 +5913,7 @@
               <a:buNone/>
             </a:pPr>
             <a:r>
-              <a:rPr lang="zh-TW" altLang="en-US" sz="5400" b="1" dirty="0" smtClean="0">
+              <a:rPr lang="zh-TW" altLang="en-US" sz="5400" b="1" dirty="0">
                 <a:solidFill>
                   <a:srgbClr val="660033"/>
                 </a:solidFill>
@@ -5953,7 +5922,7 @@
               </a:rPr>
               <a:t>全屬祢直到永遠</a:t>
             </a:r>
-            <a:endParaRPr lang="en-US" altLang="zh-TW" sz="5400" b="1" dirty="0" smtClean="0">
+            <a:endParaRPr lang="en-US" altLang="zh-TW" sz="5400" b="1" dirty="0">
               <a:solidFill>
                 <a:srgbClr val="660033"/>
               </a:solidFill>
@@ -5965,7 +5934,7 @@
             <a:pPr algn="ctr">
               <a:buNone/>
             </a:pPr>
-            <a:endParaRPr lang="en-US" sz="2800" b="1" dirty="0" smtClean="0">
+            <a:endParaRPr lang="en-US" sz="2800" b="1" dirty="0">
               <a:solidFill>
                 <a:srgbClr val="660033"/>
               </a:solidFill>
@@ -5978,7 +5947,7 @@
               <a:buNone/>
             </a:pPr>
             <a:r>
-              <a:rPr lang="en-US" sz="2800" b="1" dirty="0" smtClean="0">
+              <a:rPr lang="en-US" sz="2800" b="1" dirty="0">
                 <a:solidFill>
                   <a:srgbClr val="660033"/>
                 </a:solidFill>
@@ -5988,7 +5957,7 @@
               <a:t>[</a:t>
             </a:r>
             <a:r>
-              <a:rPr lang="en-US" altLang="zh-CN" sz="2800" b="1" dirty="0" smtClean="0">
+              <a:rPr lang="en-US" altLang="zh-CN" sz="2800" b="1" dirty="0">
                 <a:solidFill>
                   <a:srgbClr val="660033"/>
                 </a:solidFill>
@@ -5998,7 +5967,7 @@
               <a:t>Bridge</a:t>
             </a:r>
             <a:r>
-              <a:rPr lang="en-US" sz="2800" b="1" dirty="0" smtClean="0">
+              <a:rPr lang="en-US" sz="2800" b="1" dirty="0">
                 <a:solidFill>
                   <a:srgbClr val="660033"/>
                 </a:solidFill>
@@ -6008,7 +5977,7 @@
               <a:t>]</a:t>
             </a:r>
             <a:r>
-              <a:rPr lang="en-US" sz="5400" b="1" dirty="0" smtClean="0">
+              <a:rPr lang="en-US" sz="5400" b="1" dirty="0">
                 <a:solidFill>
                   <a:srgbClr val="660033"/>
                 </a:solidFill>
@@ -6018,7 +5987,7 @@
               <a:t/>
             </a:r>
             <a:br>
-              <a:rPr lang="en-US" sz="5400" b="1" dirty="0" smtClean="0">
+              <a:rPr lang="en-US" sz="5400" b="1" dirty="0">
                 <a:solidFill>
                   <a:srgbClr val="660033"/>
                 </a:solidFill>

--- a/主禱文(請教導我們禱告)_同心圓.pptx
+++ b/主禱文(請教導我們禱告)_同心圓.pptx
@@ -314,7 +314,7 @@
             <a:fld id="{717735A9-F327-42F6-AD64-78B6A63FD8E3}" type="datetimeFigureOut">
               <a:rPr lang="en-US" smtClean="0"/>
               <a:pPr/>
-              <a:t>5/30/2020</a:t>
+              <a:t>3/8/2021</a:t>
             </a:fld>
             <a:endParaRPr lang="en-US"/>
           </a:p>
@@ -481,7 +481,7 @@
             <a:fld id="{717735A9-F327-42F6-AD64-78B6A63FD8E3}" type="datetimeFigureOut">
               <a:rPr lang="en-US" smtClean="0"/>
               <a:pPr/>
-              <a:t>5/30/2020</a:t>
+              <a:t>3/8/2021</a:t>
             </a:fld>
             <a:endParaRPr lang="en-US"/>
           </a:p>
@@ -658,7 +658,7 @@
             <a:fld id="{717735A9-F327-42F6-AD64-78B6A63FD8E3}" type="datetimeFigureOut">
               <a:rPr lang="en-US" smtClean="0"/>
               <a:pPr/>
-              <a:t>5/30/2020</a:t>
+              <a:t>3/8/2021</a:t>
             </a:fld>
             <a:endParaRPr lang="en-US"/>
           </a:p>
@@ -825,7 +825,7 @@
             <a:fld id="{717735A9-F327-42F6-AD64-78B6A63FD8E3}" type="datetimeFigureOut">
               <a:rPr lang="en-US" smtClean="0"/>
               <a:pPr/>
-              <a:t>5/30/2020</a:t>
+              <a:t>3/8/2021</a:t>
             </a:fld>
             <a:endParaRPr lang="en-US"/>
           </a:p>
@@ -1068,7 +1068,7 @@
             <a:fld id="{717735A9-F327-42F6-AD64-78B6A63FD8E3}" type="datetimeFigureOut">
               <a:rPr lang="en-US" smtClean="0"/>
               <a:pPr/>
-              <a:t>5/30/2020</a:t>
+              <a:t>3/8/2021</a:t>
             </a:fld>
             <a:endParaRPr lang="en-US"/>
           </a:p>
@@ -1353,7 +1353,7 @@
             <a:fld id="{717735A9-F327-42F6-AD64-78B6A63FD8E3}" type="datetimeFigureOut">
               <a:rPr lang="en-US" smtClean="0"/>
               <a:pPr/>
-              <a:t>5/30/2020</a:t>
+              <a:t>3/8/2021</a:t>
             </a:fld>
             <a:endParaRPr lang="en-US"/>
           </a:p>
@@ -1772,7 +1772,7 @@
             <a:fld id="{717735A9-F327-42F6-AD64-78B6A63FD8E3}" type="datetimeFigureOut">
               <a:rPr lang="en-US" smtClean="0"/>
               <a:pPr/>
-              <a:t>5/30/2020</a:t>
+              <a:t>3/8/2021</a:t>
             </a:fld>
             <a:endParaRPr lang="en-US"/>
           </a:p>
@@ -1887,7 +1887,7 @@
             <a:fld id="{717735A9-F327-42F6-AD64-78B6A63FD8E3}" type="datetimeFigureOut">
               <a:rPr lang="en-US" smtClean="0"/>
               <a:pPr/>
-              <a:t>5/30/2020</a:t>
+              <a:t>3/8/2021</a:t>
             </a:fld>
             <a:endParaRPr lang="en-US"/>
           </a:p>
@@ -1979,7 +1979,7 @@
             <a:fld id="{717735A9-F327-42F6-AD64-78B6A63FD8E3}" type="datetimeFigureOut">
               <a:rPr lang="en-US" smtClean="0"/>
               <a:pPr/>
-              <a:t>5/30/2020</a:t>
+              <a:t>3/8/2021</a:t>
             </a:fld>
             <a:endParaRPr lang="en-US"/>
           </a:p>
@@ -2253,7 +2253,7 @@
             <a:fld id="{717735A9-F327-42F6-AD64-78B6A63FD8E3}" type="datetimeFigureOut">
               <a:rPr lang="en-US" smtClean="0"/>
               <a:pPr/>
-              <a:t>5/30/2020</a:t>
+              <a:t>3/8/2021</a:t>
             </a:fld>
             <a:endParaRPr lang="en-US"/>
           </a:p>
@@ -2507,7 +2507,7 @@
             <a:fld id="{717735A9-F327-42F6-AD64-78B6A63FD8E3}" type="datetimeFigureOut">
               <a:rPr lang="en-US" smtClean="0"/>
               <a:pPr/>
-              <a:t>5/30/2020</a:t>
+              <a:t>3/8/2021</a:t>
             </a:fld>
             <a:endParaRPr lang="en-US"/>
           </a:p>
@@ -2722,7 +2722,7 @@
             <a:fld id="{717735A9-F327-42F6-AD64-78B6A63FD8E3}" type="datetimeFigureOut">
               <a:rPr lang="en-US" smtClean="0"/>
               <a:pPr/>
-              <a:t>5/30/2020</a:t>
+              <a:t>3/8/2021</a:t>
             </a:fld>
             <a:endParaRPr lang="en-US"/>
           </a:p>
@@ -3200,17 +3200,7 @@
                 <a:latin typeface="微軟正黑體" pitchFamily="34" charset="-120"/>
                 <a:ea typeface="微軟正黑體" pitchFamily="34" charset="-120"/>
               </a:rPr>
-              <a:t>榮耀</a:t>
-            </a:r>
-            <a:r>
-              <a:rPr lang="zh-TW" altLang="en-US" sz="5400" b="1" dirty="0">
-                <a:solidFill>
-                  <a:srgbClr val="660033"/>
-                </a:solidFill>
-                <a:latin typeface="微軟正黑體" pitchFamily="34" charset="-120"/>
-                <a:ea typeface="微軟正黑體" pitchFamily="34" charset="-120"/>
-              </a:rPr>
-              <a:t>遍全地</a:t>
+              <a:t>榮耀遍全地</a:t>
             </a:r>
             <a:endParaRPr lang="en-US" sz="5400" b="1" dirty="0">
               <a:solidFill>
@@ -3407,17 +3397,7 @@
                 <a:latin typeface="微軟正黑體" pitchFamily="34" charset="-120"/>
                 <a:ea typeface="微軟正黑體" pitchFamily="34" charset="-120"/>
               </a:rPr>
-              <a:t>主</a:t>
-            </a:r>
-            <a:r>
-              <a:rPr lang="zh-TW" altLang="en-US" sz="5000" b="1" dirty="0">
-                <a:solidFill>
-                  <a:srgbClr val="660033"/>
-                </a:solidFill>
-                <a:latin typeface="微軟正黑體" pitchFamily="34" charset="-120"/>
-                <a:ea typeface="微軟正黑體" pitchFamily="34" charset="-120"/>
-              </a:rPr>
-              <a:t>禱文</a:t>
+              <a:t>主禱文</a:t>
             </a:r>
             <a:r>
               <a:rPr lang="en-US" sz="5000" b="1" dirty="0">
@@ -3741,17 +3721,7 @@
                 <a:latin typeface="微軟正黑體" pitchFamily="34" charset="-120"/>
                 <a:ea typeface="微軟正黑體" pitchFamily="34" charset="-120"/>
               </a:rPr>
-              <a:t>恬靜 </a:t>
-            </a:r>
-            <a:r>
-              <a:rPr lang="zh-TW" altLang="en-US" sz="5400" b="1" dirty="0">
-                <a:solidFill>
-                  <a:srgbClr val="660033"/>
-                </a:solidFill>
-                <a:latin typeface="微軟正黑體" pitchFamily="34" charset="-120"/>
-                <a:ea typeface="微軟正黑體" pitchFamily="34" charset="-120"/>
-              </a:rPr>
-              <a:t>我沈默主座前 </a:t>
+              <a:t>恬靜 我沈默主座前 </a:t>
             </a:r>
             <a:endParaRPr lang="en-US" altLang="zh-TW" sz="5400" b="1" dirty="0">
               <a:solidFill>
@@ -3773,27 +3743,7 @@
                 <a:latin typeface="微軟正黑體" pitchFamily="34" charset="-120"/>
                 <a:ea typeface="微軟正黑體" pitchFamily="34" charset="-120"/>
               </a:rPr>
-              <a:t>毋</a:t>
-            </a:r>
-            <a:r>
-              <a:rPr lang="zh-TW" altLang="en-US" sz="5400" b="1" dirty="0">
-                <a:solidFill>
-                  <a:srgbClr val="660033"/>
-                </a:solidFill>
-                <a:latin typeface="微軟正黑體" pitchFamily="34" charset="-120"/>
-                <a:ea typeface="微軟正黑體" pitchFamily="34" charset="-120"/>
-              </a:rPr>
-              <a:t>用多片</a:t>
-            </a:r>
-            <a:r>
-              <a:rPr lang="zh-TW" altLang="en-US" sz="5400" b="1" dirty="0">
-                <a:solidFill>
-                  <a:srgbClr val="660033"/>
-                </a:solidFill>
-                <a:latin typeface="微軟正黑體" pitchFamily="34" charset="-120"/>
-                <a:ea typeface="微軟正黑體" pitchFamily="34" charset="-120"/>
-              </a:rPr>
-              <a:t>言</a:t>
+              <a:t>毋用多片言</a:t>
             </a:r>
             <a:endParaRPr lang="en-US" altLang="zh-TW" sz="5400" b="1" dirty="0">
               <a:solidFill>
@@ -3815,17 +3765,7 @@
                 <a:latin typeface="微軟正黑體" pitchFamily="34" charset="-120"/>
                 <a:ea typeface="微軟正黑體" pitchFamily="34" charset="-120"/>
               </a:rPr>
-              <a:t>在</a:t>
-            </a:r>
-            <a:r>
-              <a:rPr lang="zh-TW" altLang="en-US" sz="5400" b="1" dirty="0">
-                <a:solidFill>
-                  <a:srgbClr val="660033"/>
-                </a:solidFill>
-                <a:latin typeface="微軟正黑體" pitchFamily="34" charset="-120"/>
-                <a:ea typeface="微軟正黑體" pitchFamily="34" charset="-120"/>
-              </a:rPr>
-              <a:t>禱告前 祢已清楚我需要</a:t>
+              <a:t>在禱告前 祢已清楚我需要</a:t>
             </a:r>
             <a:r>
               <a:rPr lang="en-US" sz="5400" b="1" dirty="0">
@@ -3984,17 +3924,7 @@
                 <a:latin typeface="微軟正黑體" pitchFamily="34" charset="-120"/>
                 <a:ea typeface="微軟正黑體" pitchFamily="34" charset="-120"/>
               </a:rPr>
-              <a:t>主</a:t>
-            </a:r>
-            <a:r>
-              <a:rPr lang="zh-TW" altLang="en-US" sz="5000" b="1" dirty="0">
-                <a:solidFill>
-                  <a:srgbClr val="660033"/>
-                </a:solidFill>
-                <a:latin typeface="微軟正黑體" pitchFamily="34" charset="-120"/>
-                <a:ea typeface="微軟正黑體" pitchFamily="34" charset="-120"/>
-              </a:rPr>
-              <a:t>禱文</a:t>
+              <a:t>主禱文</a:t>
             </a:r>
             <a:r>
               <a:rPr lang="en-US" sz="5000" b="1" dirty="0">
@@ -4124,17 +4054,7 @@
                 <a:latin typeface="微軟正黑體" pitchFamily="34" charset="-120"/>
                 <a:ea typeface="微軟正黑體" pitchFamily="34" charset="-120"/>
               </a:rPr>
-              <a:t>由祢全權來帶</a:t>
-            </a:r>
-            <a:r>
-              <a:rPr lang="zh-TW" altLang="en-US" sz="5400" b="1" dirty="0">
-                <a:solidFill>
-                  <a:srgbClr val="660033"/>
-                </a:solidFill>
-                <a:latin typeface="微軟正黑體" pitchFamily="34" charset="-120"/>
-                <a:ea typeface="微軟正黑體" pitchFamily="34" charset="-120"/>
-              </a:rPr>
-              <a:t>領</a:t>
+              <a:t>由祢全權來帶領</a:t>
             </a:r>
             <a:r>
               <a:rPr lang="en-US" sz="4800" b="1" dirty="0">
@@ -4177,13 +4097,6 @@
               </a:rPr>
               <a:t>[Pre-chorus]</a:t>
             </a:r>
-            <a:endParaRPr lang="en-US" sz="1800" b="1" dirty="0">
-              <a:solidFill>
-                <a:srgbClr val="660033"/>
-              </a:solidFill>
-              <a:latin typeface="微軟正黑體" pitchFamily="34" charset="-120"/>
-              <a:ea typeface="微軟正黑體" pitchFamily="34" charset="-120"/>
-            </a:endParaRPr>
           </a:p>
         </p:txBody>
       </p:sp>
@@ -4256,17 +4169,7 @@
                 <a:latin typeface="微軟正黑體" pitchFamily="34" charset="-120"/>
                 <a:ea typeface="微軟正黑體" pitchFamily="34" charset="-120"/>
               </a:rPr>
-              <a:t>主</a:t>
-            </a:r>
-            <a:r>
-              <a:rPr lang="zh-TW" altLang="en-US" sz="5000" b="1" dirty="0">
-                <a:solidFill>
-                  <a:srgbClr val="660033"/>
-                </a:solidFill>
-                <a:latin typeface="微軟正黑體" pitchFamily="34" charset="-120"/>
-                <a:ea typeface="微軟正黑體" pitchFamily="34" charset="-120"/>
-              </a:rPr>
-              <a:t>禱文</a:t>
+              <a:t>主禱文</a:t>
             </a:r>
             <a:r>
               <a:rPr lang="en-US" sz="5000" b="1" dirty="0">
@@ -4325,17 +4228,7 @@
                 <a:latin typeface="微軟正黑體" pitchFamily="34" charset="-120"/>
                 <a:ea typeface="微軟正黑體" pitchFamily="34" charset="-120"/>
               </a:rPr>
-              <a:t>願</a:t>
-            </a:r>
-            <a:r>
-              <a:rPr lang="zh-TW" altLang="en-US" sz="5400" b="1" dirty="0">
-                <a:solidFill>
-                  <a:srgbClr val="660033"/>
-                </a:solidFill>
-                <a:latin typeface="微軟正黑體" pitchFamily="34" charset="-120"/>
-                <a:ea typeface="微軟正黑體" pitchFamily="34" charset="-120"/>
-              </a:rPr>
-              <a:t>人都尊祢名為聖</a:t>
+              <a:t>願人都尊祢名為聖</a:t>
             </a:r>
             <a:endParaRPr lang="en-US" sz="5400" b="1" dirty="0">
               <a:solidFill>
@@ -4401,17 +4294,7 @@
                 <a:latin typeface="微軟正黑體" pitchFamily="34" charset="-120"/>
                 <a:ea typeface="微軟正黑體" pitchFamily="34" charset="-120"/>
               </a:rPr>
-              <a:t>如同行在天</a:t>
-            </a:r>
-            <a:r>
-              <a:rPr lang="zh-TW" altLang="en-US" sz="5400" b="1" dirty="0">
-                <a:solidFill>
-                  <a:srgbClr val="660033"/>
-                </a:solidFill>
-                <a:latin typeface="微軟正黑體" pitchFamily="34" charset="-120"/>
-                <a:ea typeface="微軟正黑體" pitchFamily="34" charset="-120"/>
-              </a:rPr>
-              <a:t>上</a:t>
+              <a:t>如同行在天上</a:t>
             </a:r>
             <a:endParaRPr lang="en-US" altLang="zh-TW" sz="5400" b="1" dirty="0">
               <a:solidFill>
@@ -4569,17 +4452,7 @@
                 <a:latin typeface="微軟正黑體" pitchFamily="34" charset="-120"/>
                 <a:ea typeface="微軟正黑體" pitchFamily="34" charset="-120"/>
               </a:rPr>
-              <a:t>主</a:t>
-            </a:r>
-            <a:r>
-              <a:rPr lang="zh-TW" altLang="en-US" sz="5000" b="1" dirty="0">
-                <a:solidFill>
-                  <a:srgbClr val="660033"/>
-                </a:solidFill>
-                <a:latin typeface="微軟正黑體" pitchFamily="34" charset="-120"/>
-                <a:ea typeface="微軟正黑體" pitchFamily="34" charset="-120"/>
-              </a:rPr>
-              <a:t>禱文</a:t>
+              <a:t>主禱文</a:t>
             </a:r>
             <a:r>
               <a:rPr lang="en-US" sz="5000" b="1" dirty="0">
@@ -4876,17 +4749,7 @@
                 <a:latin typeface="微軟正黑體" pitchFamily="34" charset="-120"/>
                 <a:ea typeface="微軟正黑體" pitchFamily="34" charset="-120"/>
               </a:rPr>
-              <a:t>主</a:t>
-            </a:r>
-            <a:r>
-              <a:rPr lang="zh-TW" altLang="en-US" sz="5000" b="1" dirty="0">
-                <a:solidFill>
-                  <a:srgbClr val="660033"/>
-                </a:solidFill>
-                <a:latin typeface="微軟正黑體" pitchFamily="34" charset="-120"/>
-                <a:ea typeface="微軟正黑體" pitchFamily="34" charset="-120"/>
-              </a:rPr>
-              <a:t>禱文</a:t>
+              <a:t>主禱文</a:t>
             </a:r>
             <a:r>
               <a:rPr lang="en-US" sz="5000" b="1" dirty="0">
@@ -4927,17 +4790,62 @@
             <p:ph idx="1"/>
           </p:nvPr>
         </p:nvSpPr>
-        <p:spPr/>
+        <p:spPr>
+          <a:xfrm>
+            <a:off x="609600" y="1600201"/>
+            <a:ext cx="10972800" cy="5257799"/>
+          </a:xfrm>
+        </p:spPr>
         <p:txBody>
           <a:bodyPr>
-            <a:normAutofit fontScale="92500" lnSpcReduction="20000"/>
+            <a:normAutofit/>
           </a:bodyPr>
           <a:lstStyle/>
           <a:p>
             <a:pPr algn="ctr">
               <a:buNone/>
             </a:pPr>
-            <a:endParaRPr lang="en-US" altLang="zh-TW" sz="4400" dirty="0">
+            <a:r>
+              <a:rPr lang="zh-TW" altLang="en-US" sz="5800" b="1" dirty="0" smtClean="0">
+                <a:solidFill>
+                  <a:srgbClr val="660033"/>
+                </a:solidFill>
+                <a:latin typeface="微軟正黑體" pitchFamily="34" charset="-120"/>
+                <a:ea typeface="微軟正黑體" pitchFamily="34" charset="-120"/>
+              </a:rPr>
+              <a:t>今</a:t>
+            </a:r>
+            <a:r>
+              <a:rPr lang="zh-TW" altLang="en-US" sz="5800" b="1" dirty="0">
+                <a:solidFill>
+                  <a:srgbClr val="660033"/>
+                </a:solidFill>
+                <a:latin typeface="微軟正黑體" pitchFamily="34" charset="-120"/>
+                <a:ea typeface="微軟正黑體" pitchFamily="34" charset="-120"/>
+              </a:rPr>
+              <a:t>日 </a:t>
+            </a:r>
+            <a:r>
+              <a:rPr lang="zh-TW" altLang="en-US" sz="5800" b="1" dirty="0" smtClean="0">
+                <a:solidFill>
+                  <a:srgbClr val="660033"/>
+                </a:solidFill>
+                <a:latin typeface="微軟正黑體" pitchFamily="34" charset="-120"/>
+                <a:ea typeface="微軟正黑體" pitchFamily="34" charset="-120"/>
+              </a:rPr>
+              <a:t> 我</a:t>
+            </a:r>
+            <a:r>
+              <a:rPr lang="zh-TW" altLang="en-US" sz="5800" b="1" dirty="0">
+                <a:solidFill>
+                  <a:srgbClr val="660033"/>
+                </a:solidFill>
+                <a:latin typeface="微軟正黑體" pitchFamily="34" charset="-120"/>
+                <a:ea typeface="微軟正黑體" pitchFamily="34" charset="-120"/>
+              </a:rPr>
+              <a:t>求問主的國 </a:t>
+            </a:r>
+            <a:endParaRPr lang="en-US" altLang="zh-TW" sz="5800" b="1" dirty="0" smtClean="0">
               <a:solidFill>
                 <a:srgbClr val="660033"/>
               </a:solidFill>
@@ -4950,39 +4858,7 @@
               <a:buNone/>
             </a:pPr>
             <a:r>
-              <a:rPr lang="zh-TW" altLang="en-US" sz="5800" b="1" dirty="0">
-                <a:solidFill>
-                  <a:srgbClr val="660033"/>
-                </a:solidFill>
-                <a:latin typeface="微軟正黑體" pitchFamily="34" charset="-120"/>
-                <a:ea typeface="微軟正黑體" pitchFamily="34" charset="-120"/>
-              </a:rPr>
-              <a:t>今</a:t>
-            </a:r>
-            <a:r>
-              <a:rPr lang="zh-TW" altLang="en-US" sz="5800" b="1" dirty="0">
-                <a:solidFill>
-                  <a:srgbClr val="660033"/>
-                </a:solidFill>
-                <a:latin typeface="微軟正黑體" pitchFamily="34" charset="-120"/>
-                <a:ea typeface="微軟正黑體" pitchFamily="34" charset="-120"/>
-              </a:rPr>
-              <a:t>日 我求問主的國 </a:t>
-            </a:r>
-            <a:endParaRPr lang="en-US" altLang="zh-TW" sz="5800" b="1" dirty="0">
-              <a:solidFill>
-                <a:srgbClr val="660033"/>
-              </a:solidFill>
-              <a:latin typeface="微軟正黑體" pitchFamily="34" charset="-120"/>
-              <a:ea typeface="微軟正黑體" pitchFamily="34" charset="-120"/>
-            </a:endParaRPr>
-          </a:p>
-          <a:p>
-            <a:pPr algn="ctr">
-              <a:buNone/>
-            </a:pPr>
-            <a:r>
-              <a:rPr lang="zh-TW" altLang="en-US" sz="5800" b="1" dirty="0">
+              <a:rPr lang="zh-TW" altLang="en-US" sz="5800" b="1" dirty="0" smtClean="0">
                 <a:solidFill>
                   <a:srgbClr val="660033"/>
                 </a:solidFill>
@@ -5021,7 +4897,27 @@
                 <a:latin typeface="微軟正黑體" pitchFamily="34" charset="-120"/>
                 <a:ea typeface="微軟正黑體" pitchFamily="34" charset="-120"/>
               </a:rPr>
-              <a:t>王的旨意 如陽光遍地彰</a:t>
+              <a:t>王的旨</a:t>
+            </a:r>
+            <a:r>
+              <a:rPr lang="zh-TW" altLang="en-US" sz="5800" b="1">
+                <a:solidFill>
+                  <a:srgbClr val="660033"/>
+                </a:solidFill>
+                <a:latin typeface="微軟正黑體" pitchFamily="34" charset="-120"/>
+                <a:ea typeface="微軟正黑體" pitchFamily="34" charset="-120"/>
+              </a:rPr>
+              <a:t>意 </a:t>
+            </a:r>
+            <a:r>
+              <a:rPr lang="zh-TW" altLang="en-US" sz="5800" b="1" smtClean="0">
+                <a:solidFill>
+                  <a:srgbClr val="660033"/>
+                </a:solidFill>
+                <a:latin typeface="微軟正黑體" pitchFamily="34" charset="-120"/>
+                <a:ea typeface="微軟正黑體" pitchFamily="34" charset="-120"/>
+              </a:rPr>
+              <a:t> 如</a:t>
             </a:r>
             <a:r>
               <a:rPr lang="zh-TW" altLang="en-US" sz="5800" b="1" dirty="0">
@@ -5031,7 +4927,7 @@
                 <a:latin typeface="微軟正黑體" pitchFamily="34" charset="-120"/>
                 <a:ea typeface="微軟正黑體" pitchFamily="34" charset="-120"/>
               </a:rPr>
-              <a:t>顯</a:t>
+              <a:t>陽光遍地彰顯</a:t>
             </a:r>
             <a:endParaRPr lang="en-US" altLang="zh-TW" sz="5800" b="1" dirty="0">
               <a:solidFill>
@@ -5065,27 +4961,18 @@
                 <a:latin typeface="微軟正黑體" pitchFamily="34" charset="-120"/>
                 <a:ea typeface="微軟正黑體" pitchFamily="34" charset="-120"/>
               </a:rPr>
-              <a:t>[Verse 2]</a:t>
-            </a:r>
-            <a:r>
-              <a:rPr lang="en-US" sz="4400" b="1" dirty="0">
-                <a:solidFill>
-                  <a:srgbClr val="660033"/>
-                </a:solidFill>
-                <a:latin typeface="微軟正黑體" pitchFamily="34" charset="-120"/>
-                <a:ea typeface="微軟正黑體" pitchFamily="34" charset="-120"/>
-              </a:rPr>
-              <a:t/>
-            </a:r>
-            <a:br>
-              <a:rPr lang="en-US" sz="4400" b="1" dirty="0">
-                <a:solidFill>
-                  <a:srgbClr val="660033"/>
-                </a:solidFill>
-                <a:latin typeface="微軟正黑體" pitchFamily="34" charset="-120"/>
-                <a:ea typeface="微軟正黑體" pitchFamily="34" charset="-120"/>
-              </a:rPr>
-            </a:br>
+              <a:t>[Verse 2</a:t>
+            </a:r>
+            <a:r>
+              <a:rPr lang="en-US" sz="2000" b="1" dirty="0" smtClean="0">
+                <a:solidFill>
+                  <a:srgbClr val="660033"/>
+                </a:solidFill>
+                <a:latin typeface="微軟正黑體" pitchFamily="34" charset="-120"/>
+                <a:ea typeface="微軟正黑體" pitchFamily="34" charset="-120"/>
+              </a:rPr>
+              <a:t>]</a:t>
+            </a:r>
             <a:endParaRPr lang="en-US" sz="4400" b="1" dirty="0">
               <a:solidFill>
                 <a:srgbClr val="660033"/>
@@ -5165,17 +5052,7 @@
                 <a:latin typeface="微軟正黑體" pitchFamily="34" charset="-120"/>
                 <a:ea typeface="微軟正黑體" pitchFamily="34" charset="-120"/>
               </a:rPr>
-              <a:t>主</a:t>
-            </a:r>
-            <a:r>
-              <a:rPr lang="zh-TW" altLang="en-US" sz="5000" b="1" dirty="0">
-                <a:solidFill>
-                  <a:srgbClr val="660033"/>
-                </a:solidFill>
-                <a:latin typeface="微軟正黑體" pitchFamily="34" charset="-120"/>
-                <a:ea typeface="微軟正黑體" pitchFamily="34" charset="-120"/>
-              </a:rPr>
-              <a:t>禱文</a:t>
+              <a:t>主禱文</a:t>
             </a:r>
             <a:r>
               <a:rPr lang="en-US" sz="5000" b="1" dirty="0">
@@ -5234,17 +5111,7 @@
                 <a:latin typeface="微軟正黑體" pitchFamily="34" charset="-120"/>
                 <a:ea typeface="微軟正黑體" pitchFamily="34" charset="-120"/>
               </a:rPr>
-              <a:t>願</a:t>
-            </a:r>
-            <a:r>
-              <a:rPr lang="zh-TW" altLang="en-US" sz="5400" b="1" dirty="0">
-                <a:solidFill>
-                  <a:srgbClr val="660033"/>
-                </a:solidFill>
-                <a:latin typeface="微軟正黑體" pitchFamily="34" charset="-120"/>
-                <a:ea typeface="微軟正黑體" pitchFamily="34" charset="-120"/>
-              </a:rPr>
-              <a:t>人都尊祢名為聖</a:t>
+              <a:t>願人都尊祢名為聖</a:t>
             </a:r>
             <a:endParaRPr lang="en-US" sz="5400" b="1" dirty="0">
               <a:solidFill>
@@ -5310,17 +5177,7 @@
                 <a:latin typeface="微軟正黑體" pitchFamily="34" charset="-120"/>
                 <a:ea typeface="微軟正黑體" pitchFamily="34" charset="-120"/>
               </a:rPr>
-              <a:t>如同行在天</a:t>
-            </a:r>
-            <a:r>
-              <a:rPr lang="zh-TW" altLang="en-US" sz="5400" b="1" dirty="0">
-                <a:solidFill>
-                  <a:srgbClr val="660033"/>
-                </a:solidFill>
-                <a:latin typeface="微軟正黑體" pitchFamily="34" charset="-120"/>
-                <a:ea typeface="微軟正黑體" pitchFamily="34" charset="-120"/>
-              </a:rPr>
-              <a:t>上</a:t>
+              <a:t>如同行在天上</a:t>
             </a:r>
             <a:endParaRPr lang="en-US" altLang="zh-TW" sz="5400" b="1" dirty="0">
               <a:solidFill>
@@ -5478,17 +5335,7 @@
                 <a:latin typeface="微軟正黑體" pitchFamily="34" charset="-120"/>
                 <a:ea typeface="微軟正黑體" pitchFamily="34" charset="-120"/>
               </a:rPr>
-              <a:t>主</a:t>
-            </a:r>
-            <a:r>
-              <a:rPr lang="zh-TW" altLang="en-US" sz="5000" b="1" dirty="0">
-                <a:solidFill>
-                  <a:srgbClr val="660033"/>
-                </a:solidFill>
-                <a:latin typeface="微軟正黑體" pitchFamily="34" charset="-120"/>
-                <a:ea typeface="微軟正黑體" pitchFamily="34" charset="-120"/>
-              </a:rPr>
-              <a:t>禱文</a:t>
+              <a:t>主禱文</a:t>
             </a:r>
             <a:r>
               <a:rPr lang="en-US" sz="5000" b="1" dirty="0">
@@ -5785,17 +5632,7 @@
                 <a:latin typeface="微軟正黑體" pitchFamily="34" charset="-120"/>
                 <a:ea typeface="微軟正黑體" pitchFamily="34" charset="-120"/>
               </a:rPr>
-              <a:t>主</a:t>
-            </a:r>
-            <a:r>
-              <a:rPr lang="zh-TW" altLang="en-US" sz="5000" b="1" dirty="0">
-                <a:solidFill>
-                  <a:srgbClr val="660033"/>
-                </a:solidFill>
-                <a:latin typeface="微軟正黑體" pitchFamily="34" charset="-120"/>
-                <a:ea typeface="微軟正黑體" pitchFamily="34" charset="-120"/>
-              </a:rPr>
-              <a:t>禱文</a:t>
+              <a:t>主禱文</a:t>
             </a:r>
             <a:r>
               <a:rPr lang="en-US" sz="5000" b="1" dirty="0">

--- a/主禱文(請教導我們禱告)_同心圓.pptx
+++ b/主禱文(請教導我們禱告)_同心圓.pptx
@@ -5,22 +5,30 @@
     <p:sldMasterId id="2147483660" r:id="rId1"/>
   </p:sldMasterIdLst>
   <p:sldIdLst>
-    <p:sldId id="256" r:id="rId2"/>
-    <p:sldId id="257" r:id="rId3"/>
-    <p:sldId id="258" r:id="rId4"/>
-    <p:sldId id="259" r:id="rId5"/>
-    <p:sldId id="260" r:id="rId6"/>
-    <p:sldId id="261" r:id="rId7"/>
-    <p:sldId id="262" r:id="rId8"/>
-    <p:sldId id="263" r:id="rId9"/>
-    <p:sldId id="264" r:id="rId10"/>
-    <p:sldId id="265" r:id="rId11"/>
+    <p:sldId id="257" r:id="rId2"/>
+    <p:sldId id="258" r:id="rId3"/>
+    <p:sldId id="259" r:id="rId4"/>
+    <p:sldId id="260" r:id="rId5"/>
+    <p:sldId id="261" r:id="rId6"/>
+    <p:sldId id="262" r:id="rId7"/>
+    <p:sldId id="263" r:id="rId8"/>
+    <p:sldId id="264" r:id="rId9"/>
+    <p:sldId id="265" r:id="rId10"/>
+    <p:sldId id="266" r:id="rId11"/>
+    <p:sldId id="267" r:id="rId12"/>
+    <p:sldId id="268" r:id="rId13"/>
+    <p:sldId id="269" r:id="rId14"/>
+    <p:sldId id="270" r:id="rId15"/>
+    <p:sldId id="271" r:id="rId16"/>
+    <p:sldId id="272" r:id="rId17"/>
+    <p:sldId id="273" r:id="rId18"/>
+    <p:sldId id="274" r:id="rId19"/>
   </p:sldIdLst>
   <p:sldSz cx="12192000" cy="6858000"/>
   <p:notesSz cx="6858000" cy="9144000"/>
   <p:defaultTextStyle>
     <a:defPPr>
-      <a:defRPr lang="en-US"/>
+      <a:defRPr lang="vi-VN"/>
     </a:defPPr>
     <a:lvl1pPr marL="0" algn="l" defTabSz="914400" rtl="0" eaLnBrk="1" latinLnBrk="0" hangingPunct="1">
       <a:defRPr sz="1800" kern="1200">
@@ -113,22 +121,6 @@
       </a:defRPr>
     </a:lvl9pPr>
   </p:defaultTextStyle>
-  <p:extLst>
-    <p:ext uri="{EFAFB233-063F-42B5-8137-9DF3F51BA10A}">
-      <p15:sldGuideLst xmlns:p15="http://schemas.microsoft.com/office/powerpoint/2012/main">
-        <p15:guide id="1" orient="horz" pos="2160" userDrawn="1">
-          <p15:clr>
-            <a:srgbClr val="A4A3A4"/>
-          </p15:clr>
-        </p15:guide>
-        <p15:guide id="2" pos="3840" userDrawn="1">
-          <p15:clr>
-            <a:srgbClr val="A4A3A4"/>
-          </p15:clr>
-        </p15:guide>
-      </p15:sldGuideLst>
-    </p:ext>
-  </p:extLst>
 </p:presentation>
 </file>
 
@@ -170,8 +162,8 @@
           <a:lstStyle/>
           <a:p>
             <a:r>
-              <a:rPr lang="zh-TW" altLang="en-US" smtClean="0"/>
-              <a:t>按一下以編輯母片標題樣式</a:t>
+              <a:rPr lang="en-US" altLang="zh-TW" smtClean="0"/>
+              <a:t>Click to edit Master title style</a:t>
             </a:r>
             <a:endParaRPr lang="zh-TW" altLang="en-US"/>
           </a:p>
@@ -206,7 +198,7 @@
                 </a:solidFill>
               </a:defRPr>
             </a:lvl1pPr>
-            <a:lvl2pPr marL="457200" indent="0" algn="ctr">
+            <a:lvl2pPr marL="609585" indent="0" algn="ctr">
               <a:buNone/>
               <a:defRPr>
                 <a:solidFill>
@@ -216,7 +208,7 @@
                 </a:solidFill>
               </a:defRPr>
             </a:lvl2pPr>
-            <a:lvl3pPr marL="914400" indent="0" algn="ctr">
+            <a:lvl3pPr marL="1219170" indent="0" algn="ctr">
               <a:buNone/>
               <a:defRPr>
                 <a:solidFill>
@@ -226,7 +218,7 @@
                 </a:solidFill>
               </a:defRPr>
             </a:lvl3pPr>
-            <a:lvl4pPr marL="1371600" indent="0" algn="ctr">
+            <a:lvl4pPr marL="1828754" indent="0" algn="ctr">
               <a:buNone/>
               <a:defRPr>
                 <a:solidFill>
@@ -236,7 +228,7 @@
                 </a:solidFill>
               </a:defRPr>
             </a:lvl4pPr>
-            <a:lvl5pPr marL="1828800" indent="0" algn="ctr">
+            <a:lvl5pPr marL="2438339" indent="0" algn="ctr">
               <a:buNone/>
               <a:defRPr>
                 <a:solidFill>
@@ -246,7 +238,7 @@
                 </a:solidFill>
               </a:defRPr>
             </a:lvl5pPr>
-            <a:lvl6pPr marL="2286000" indent="0" algn="ctr">
+            <a:lvl6pPr marL="3047924" indent="0" algn="ctr">
               <a:buNone/>
               <a:defRPr>
                 <a:solidFill>
@@ -256,7 +248,7 @@
                 </a:solidFill>
               </a:defRPr>
             </a:lvl6pPr>
-            <a:lvl7pPr marL="2743200" indent="0" algn="ctr">
+            <a:lvl7pPr marL="3657509" indent="0" algn="ctr">
               <a:buNone/>
               <a:defRPr>
                 <a:solidFill>
@@ -266,7 +258,7 @@
                 </a:solidFill>
               </a:defRPr>
             </a:lvl7pPr>
-            <a:lvl8pPr marL="3200400" indent="0" algn="ctr">
+            <a:lvl8pPr marL="4267093" indent="0" algn="ctr">
               <a:buNone/>
               <a:defRPr>
                 <a:solidFill>
@@ -276,7 +268,7 @@
                 </a:solidFill>
               </a:defRPr>
             </a:lvl8pPr>
-            <a:lvl9pPr marL="3657600" indent="0" algn="ctr">
+            <a:lvl9pPr marL="4876678" indent="0" algn="ctr">
               <a:buNone/>
               <a:defRPr>
                 <a:solidFill>
@@ -289,8 +281,8 @@
           </a:lstStyle>
           <a:p>
             <a:r>
-              <a:rPr lang="zh-TW" altLang="en-US" smtClean="0"/>
-              <a:t>按一下以編輯母片副標題樣式</a:t>
+              <a:rPr lang="en-US" altLang="zh-TW" smtClean="0"/>
+              <a:t>Click to edit Master subtitle style</a:t>
             </a:r>
             <a:endParaRPr lang="zh-TW" altLang="en-US"/>
           </a:p>
@@ -311,12 +303,11 @@
           <a:bodyPr/>
           <a:lstStyle/>
           <a:p>
-            <a:fld id="{717735A9-F327-42F6-AD64-78B6A63FD8E3}" type="datetimeFigureOut">
-              <a:rPr lang="en-US" smtClean="0"/>
-              <a:pPr/>
-              <a:t>3/8/2021</a:t>
+            <a:fld id="{E8040ED9-C24F-4461-8242-555DFFCA2203}" type="datetimeFigureOut">
+              <a:rPr lang="vi-VN" smtClean="0"/>
+              <a:t>23/03/2022</a:t>
             </a:fld>
-            <a:endParaRPr lang="en-US"/>
+            <a:endParaRPr lang="vi-VN"/>
           </a:p>
         </p:txBody>
       </p:sp>
@@ -335,7 +326,7 @@
           <a:bodyPr/>
           <a:lstStyle/>
           <a:p>
-            <a:endParaRPr lang="en-US"/>
+            <a:endParaRPr lang="vi-VN"/>
           </a:p>
         </p:txBody>
       </p:sp>
@@ -354,16 +345,20 @@
           <a:bodyPr/>
           <a:lstStyle/>
           <a:p>
-            <a:fld id="{EFE41CA1-A78B-4B16-B7AF-E0B37DE91997}" type="slidenum">
-              <a:rPr lang="en-US" smtClean="0"/>
-              <a:pPr/>
+            <a:fld id="{AC6F95AA-7B28-4F71-9CCD-2FB90122E28D}" type="slidenum">
+              <a:rPr lang="vi-VN" smtClean="0"/>
               <a:t>‹#›</a:t>
             </a:fld>
-            <a:endParaRPr lang="en-US"/>
+            <a:endParaRPr lang="vi-VN"/>
           </a:p>
         </p:txBody>
       </p:sp>
     </p:spTree>
+    <p:extLst>
+      <p:ext uri="{BB962C8B-B14F-4D97-AF65-F5344CB8AC3E}">
+        <p14:creationId xmlns:p14="http://schemas.microsoft.com/office/powerpoint/2010/main" val="3871223876"/>
+      </p:ext>
+    </p:extLst>
   </p:cSld>
   <p:clrMapOvr>
     <a:masterClrMapping/>
@@ -404,8 +399,8 @@
           <a:lstStyle/>
           <a:p>
             <a:r>
-              <a:rPr lang="zh-TW" altLang="en-US" smtClean="0"/>
-              <a:t>按一下以編輯母片標題樣式</a:t>
+              <a:rPr lang="en-US" altLang="zh-TW" smtClean="0"/>
+              <a:t>Click to edit Master title style</a:t>
             </a:r>
             <a:endParaRPr lang="zh-TW" altLang="en-US"/>
           </a:p>
@@ -428,36 +423,36 @@
           <a:p>
             <a:pPr lvl="0"/>
             <a:r>
-              <a:rPr lang="zh-TW" altLang="en-US" smtClean="0"/>
-              <a:t>按一下以編輯母片文字樣式</a:t>
+              <a:rPr lang="en-US" altLang="zh-TW" smtClean="0"/>
+              <a:t>Edit Master text styles</a:t>
             </a:r>
           </a:p>
           <a:p>
             <a:pPr lvl="1"/>
             <a:r>
-              <a:rPr lang="zh-TW" altLang="en-US" smtClean="0"/>
-              <a:t>第二層</a:t>
+              <a:rPr lang="en-US" altLang="zh-TW" smtClean="0"/>
+              <a:t>Second level</a:t>
             </a:r>
           </a:p>
           <a:p>
             <a:pPr lvl="2"/>
             <a:r>
-              <a:rPr lang="zh-TW" altLang="en-US" smtClean="0"/>
-              <a:t>第三層</a:t>
+              <a:rPr lang="en-US" altLang="zh-TW" smtClean="0"/>
+              <a:t>Third level</a:t>
             </a:r>
           </a:p>
           <a:p>
             <a:pPr lvl="3"/>
             <a:r>
-              <a:rPr lang="zh-TW" altLang="en-US" smtClean="0"/>
-              <a:t>第四層</a:t>
+              <a:rPr lang="en-US" altLang="zh-TW" smtClean="0"/>
+              <a:t>Fourth level</a:t>
             </a:r>
           </a:p>
           <a:p>
             <a:pPr lvl="4"/>
             <a:r>
-              <a:rPr lang="zh-TW" altLang="en-US" smtClean="0"/>
-              <a:t>第五層</a:t>
+              <a:rPr lang="en-US" altLang="zh-TW" smtClean="0"/>
+              <a:t>Fifth level</a:t>
             </a:r>
             <a:endParaRPr lang="zh-TW" altLang="en-US"/>
           </a:p>
@@ -478,12 +473,11 @@
           <a:bodyPr/>
           <a:lstStyle/>
           <a:p>
-            <a:fld id="{717735A9-F327-42F6-AD64-78B6A63FD8E3}" type="datetimeFigureOut">
-              <a:rPr lang="en-US" smtClean="0"/>
-              <a:pPr/>
-              <a:t>3/8/2021</a:t>
+            <a:fld id="{E8040ED9-C24F-4461-8242-555DFFCA2203}" type="datetimeFigureOut">
+              <a:rPr lang="vi-VN" smtClean="0"/>
+              <a:t>23/03/2022</a:t>
             </a:fld>
-            <a:endParaRPr lang="en-US"/>
+            <a:endParaRPr lang="vi-VN"/>
           </a:p>
         </p:txBody>
       </p:sp>
@@ -502,7 +496,7 @@
           <a:bodyPr/>
           <a:lstStyle/>
           <a:p>
-            <a:endParaRPr lang="en-US"/>
+            <a:endParaRPr lang="vi-VN"/>
           </a:p>
         </p:txBody>
       </p:sp>
@@ -521,16 +515,20 @@
           <a:bodyPr/>
           <a:lstStyle/>
           <a:p>
-            <a:fld id="{EFE41CA1-A78B-4B16-B7AF-E0B37DE91997}" type="slidenum">
-              <a:rPr lang="en-US" smtClean="0"/>
-              <a:pPr/>
+            <a:fld id="{AC6F95AA-7B28-4F71-9CCD-2FB90122E28D}" type="slidenum">
+              <a:rPr lang="vi-VN" smtClean="0"/>
               <a:t>‹#›</a:t>
             </a:fld>
-            <a:endParaRPr lang="en-US"/>
+            <a:endParaRPr lang="vi-VN"/>
           </a:p>
         </p:txBody>
       </p:sp>
     </p:spTree>
+    <p:extLst>
+      <p:ext uri="{BB962C8B-B14F-4D97-AF65-F5344CB8AC3E}">
+        <p14:creationId xmlns:p14="http://schemas.microsoft.com/office/powerpoint/2010/main" val="1050711825"/>
+      </p:ext>
+    </p:extLst>
   </p:cSld>
   <p:clrMapOvr>
     <a:masterClrMapping/>
@@ -576,8 +574,8 @@
           <a:lstStyle/>
           <a:p>
             <a:r>
-              <a:rPr lang="zh-TW" altLang="en-US" smtClean="0"/>
-              <a:t>按一下以編輯母片標題樣式</a:t>
+              <a:rPr lang="en-US" altLang="zh-TW" smtClean="0"/>
+              <a:t>Click to edit Master title style</a:t>
             </a:r>
             <a:endParaRPr lang="zh-TW" altLang="en-US"/>
           </a:p>
@@ -605,36 +603,36 @@
           <a:p>
             <a:pPr lvl="0"/>
             <a:r>
-              <a:rPr lang="zh-TW" altLang="en-US" smtClean="0"/>
-              <a:t>按一下以編輯母片文字樣式</a:t>
+              <a:rPr lang="en-US" altLang="zh-TW" smtClean="0"/>
+              <a:t>Edit Master text styles</a:t>
             </a:r>
           </a:p>
           <a:p>
             <a:pPr lvl="1"/>
             <a:r>
-              <a:rPr lang="zh-TW" altLang="en-US" smtClean="0"/>
-              <a:t>第二層</a:t>
+              <a:rPr lang="en-US" altLang="zh-TW" smtClean="0"/>
+              <a:t>Second level</a:t>
             </a:r>
           </a:p>
           <a:p>
             <a:pPr lvl="2"/>
             <a:r>
-              <a:rPr lang="zh-TW" altLang="en-US" smtClean="0"/>
-              <a:t>第三層</a:t>
+              <a:rPr lang="en-US" altLang="zh-TW" smtClean="0"/>
+              <a:t>Third level</a:t>
             </a:r>
           </a:p>
           <a:p>
             <a:pPr lvl="3"/>
             <a:r>
-              <a:rPr lang="zh-TW" altLang="en-US" smtClean="0"/>
-              <a:t>第四層</a:t>
+              <a:rPr lang="en-US" altLang="zh-TW" smtClean="0"/>
+              <a:t>Fourth level</a:t>
             </a:r>
           </a:p>
           <a:p>
             <a:pPr lvl="4"/>
             <a:r>
-              <a:rPr lang="zh-TW" altLang="en-US" smtClean="0"/>
-              <a:t>第五層</a:t>
+              <a:rPr lang="en-US" altLang="zh-TW" smtClean="0"/>
+              <a:t>Fifth level</a:t>
             </a:r>
             <a:endParaRPr lang="zh-TW" altLang="en-US"/>
           </a:p>
@@ -655,12 +653,11 @@
           <a:bodyPr/>
           <a:lstStyle/>
           <a:p>
-            <a:fld id="{717735A9-F327-42F6-AD64-78B6A63FD8E3}" type="datetimeFigureOut">
-              <a:rPr lang="en-US" smtClean="0"/>
-              <a:pPr/>
-              <a:t>3/8/2021</a:t>
+            <a:fld id="{E8040ED9-C24F-4461-8242-555DFFCA2203}" type="datetimeFigureOut">
+              <a:rPr lang="vi-VN" smtClean="0"/>
+              <a:t>23/03/2022</a:t>
             </a:fld>
-            <a:endParaRPr lang="en-US"/>
+            <a:endParaRPr lang="vi-VN"/>
           </a:p>
         </p:txBody>
       </p:sp>
@@ -679,7 +676,7 @@
           <a:bodyPr/>
           <a:lstStyle/>
           <a:p>
-            <a:endParaRPr lang="en-US"/>
+            <a:endParaRPr lang="vi-VN"/>
           </a:p>
         </p:txBody>
       </p:sp>
@@ -698,16 +695,20 @@
           <a:bodyPr/>
           <a:lstStyle/>
           <a:p>
-            <a:fld id="{EFE41CA1-A78B-4B16-B7AF-E0B37DE91997}" type="slidenum">
-              <a:rPr lang="en-US" smtClean="0"/>
-              <a:pPr/>
+            <a:fld id="{AC6F95AA-7B28-4F71-9CCD-2FB90122E28D}" type="slidenum">
+              <a:rPr lang="vi-VN" smtClean="0"/>
               <a:t>‹#›</a:t>
             </a:fld>
-            <a:endParaRPr lang="en-US"/>
+            <a:endParaRPr lang="vi-VN"/>
           </a:p>
         </p:txBody>
       </p:sp>
     </p:spTree>
+    <p:extLst>
+      <p:ext uri="{BB962C8B-B14F-4D97-AF65-F5344CB8AC3E}">
+        <p14:creationId xmlns:p14="http://schemas.microsoft.com/office/powerpoint/2010/main" val="3418977654"/>
+      </p:ext>
+    </p:extLst>
   </p:cSld>
   <p:clrMapOvr>
     <a:masterClrMapping/>
@@ -748,8 +749,8 @@
           <a:lstStyle/>
           <a:p>
             <a:r>
-              <a:rPr lang="zh-TW" altLang="en-US" smtClean="0"/>
-              <a:t>按一下以編輯母片標題樣式</a:t>
+              <a:rPr lang="en-US" altLang="zh-TW" smtClean="0"/>
+              <a:t>Click to edit Master title style</a:t>
             </a:r>
             <a:endParaRPr lang="zh-TW" altLang="en-US"/>
           </a:p>
@@ -772,36 +773,36 @@
           <a:p>
             <a:pPr lvl="0"/>
             <a:r>
-              <a:rPr lang="zh-TW" altLang="en-US" smtClean="0"/>
-              <a:t>按一下以編輯母片文字樣式</a:t>
+              <a:rPr lang="en-US" altLang="zh-TW" smtClean="0"/>
+              <a:t>Edit Master text styles</a:t>
             </a:r>
           </a:p>
           <a:p>
             <a:pPr lvl="1"/>
             <a:r>
-              <a:rPr lang="zh-TW" altLang="en-US" smtClean="0"/>
-              <a:t>第二層</a:t>
+              <a:rPr lang="en-US" altLang="zh-TW" smtClean="0"/>
+              <a:t>Second level</a:t>
             </a:r>
           </a:p>
           <a:p>
             <a:pPr lvl="2"/>
             <a:r>
-              <a:rPr lang="zh-TW" altLang="en-US" smtClean="0"/>
-              <a:t>第三層</a:t>
+              <a:rPr lang="en-US" altLang="zh-TW" smtClean="0"/>
+              <a:t>Third level</a:t>
             </a:r>
           </a:p>
           <a:p>
             <a:pPr lvl="3"/>
             <a:r>
-              <a:rPr lang="zh-TW" altLang="en-US" smtClean="0"/>
-              <a:t>第四層</a:t>
+              <a:rPr lang="en-US" altLang="zh-TW" smtClean="0"/>
+              <a:t>Fourth level</a:t>
             </a:r>
           </a:p>
           <a:p>
             <a:pPr lvl="4"/>
             <a:r>
-              <a:rPr lang="zh-TW" altLang="en-US" smtClean="0"/>
-              <a:t>第五層</a:t>
+              <a:rPr lang="en-US" altLang="zh-TW" smtClean="0"/>
+              <a:t>Fifth level</a:t>
             </a:r>
             <a:endParaRPr lang="zh-TW" altLang="en-US"/>
           </a:p>
@@ -822,12 +823,11 @@
           <a:bodyPr/>
           <a:lstStyle/>
           <a:p>
-            <a:fld id="{717735A9-F327-42F6-AD64-78B6A63FD8E3}" type="datetimeFigureOut">
-              <a:rPr lang="en-US" smtClean="0"/>
-              <a:pPr/>
-              <a:t>3/8/2021</a:t>
+            <a:fld id="{E8040ED9-C24F-4461-8242-555DFFCA2203}" type="datetimeFigureOut">
+              <a:rPr lang="vi-VN" smtClean="0"/>
+              <a:t>23/03/2022</a:t>
             </a:fld>
-            <a:endParaRPr lang="en-US"/>
+            <a:endParaRPr lang="vi-VN"/>
           </a:p>
         </p:txBody>
       </p:sp>
@@ -846,7 +846,7 @@
           <a:bodyPr/>
           <a:lstStyle/>
           <a:p>
-            <a:endParaRPr lang="en-US"/>
+            <a:endParaRPr lang="vi-VN"/>
           </a:p>
         </p:txBody>
       </p:sp>
@@ -865,16 +865,20 @@
           <a:bodyPr/>
           <a:lstStyle/>
           <a:p>
-            <a:fld id="{EFE41CA1-A78B-4B16-B7AF-E0B37DE91997}" type="slidenum">
-              <a:rPr lang="en-US" smtClean="0"/>
-              <a:pPr/>
+            <a:fld id="{AC6F95AA-7B28-4F71-9CCD-2FB90122E28D}" type="slidenum">
+              <a:rPr lang="vi-VN" smtClean="0"/>
               <a:t>‹#›</a:t>
             </a:fld>
-            <a:endParaRPr lang="en-US"/>
+            <a:endParaRPr lang="vi-VN"/>
           </a:p>
         </p:txBody>
       </p:sp>
     </p:spTree>
+    <p:extLst>
+      <p:ext uri="{BB962C8B-B14F-4D97-AF65-F5344CB8AC3E}">
+        <p14:creationId xmlns:p14="http://schemas.microsoft.com/office/powerpoint/2010/main" val="1436315041"/>
+      </p:ext>
+    </p:extLst>
   </p:cSld>
   <p:clrMapOvr>
     <a:masterClrMapping/>
@@ -919,13 +923,13 @@
           <a:bodyPr anchor="t"/>
           <a:lstStyle>
             <a:lvl1pPr algn="l">
-              <a:defRPr sz="4000" b="1" cap="all"/>
+              <a:defRPr sz="5333" b="1" cap="all"/>
             </a:lvl1pPr>
           </a:lstStyle>
           <a:p>
             <a:r>
-              <a:rPr lang="zh-TW" altLang="en-US" smtClean="0"/>
-              <a:t>按一下以編輯母片標題樣式</a:t>
+              <a:rPr lang="en-US" altLang="zh-TW" smtClean="0"/>
+              <a:t>Click to edit Master title style</a:t>
             </a:r>
             <a:endParaRPr lang="zh-TW" altLang="en-US"/>
           </a:p>
@@ -952,7 +956,7 @@
           <a:lstStyle>
             <a:lvl1pPr marL="0" indent="0">
               <a:buNone/>
-              <a:defRPr sz="2000">
+              <a:defRPr sz="2667">
                 <a:solidFill>
                   <a:schemeClr val="tx1">
                     <a:tint val="75000"/>
@@ -960,9 +964,9 @@
                 </a:solidFill>
               </a:defRPr>
             </a:lvl1pPr>
-            <a:lvl2pPr marL="457200" indent="0">
-              <a:buNone/>
-              <a:defRPr sz="1800">
+            <a:lvl2pPr marL="609585" indent="0">
+              <a:buNone/>
+              <a:defRPr sz="2400">
                 <a:solidFill>
                   <a:schemeClr val="tx1">
                     <a:tint val="75000"/>
@@ -970,9 +974,9 @@
                 </a:solidFill>
               </a:defRPr>
             </a:lvl2pPr>
-            <a:lvl3pPr marL="914400" indent="0">
-              <a:buNone/>
-              <a:defRPr sz="1600">
+            <a:lvl3pPr marL="1219170" indent="0">
+              <a:buNone/>
+              <a:defRPr sz="2133">
                 <a:solidFill>
                   <a:schemeClr val="tx1">
                     <a:tint val="75000"/>
@@ -980,9 +984,9 @@
                 </a:solidFill>
               </a:defRPr>
             </a:lvl3pPr>
-            <a:lvl4pPr marL="1371600" indent="0">
-              <a:buNone/>
-              <a:defRPr sz="1400">
+            <a:lvl4pPr marL="1828754" indent="0">
+              <a:buNone/>
+              <a:defRPr sz="1867">
                 <a:solidFill>
                   <a:schemeClr val="tx1">
                     <a:tint val="75000"/>
@@ -990,9 +994,9 @@
                 </a:solidFill>
               </a:defRPr>
             </a:lvl4pPr>
-            <a:lvl5pPr marL="1828800" indent="0">
-              <a:buNone/>
-              <a:defRPr sz="1400">
+            <a:lvl5pPr marL="2438339" indent="0">
+              <a:buNone/>
+              <a:defRPr sz="1867">
                 <a:solidFill>
                   <a:schemeClr val="tx1">
                     <a:tint val="75000"/>
@@ -1000,9 +1004,9 @@
                 </a:solidFill>
               </a:defRPr>
             </a:lvl5pPr>
-            <a:lvl6pPr marL="2286000" indent="0">
-              <a:buNone/>
-              <a:defRPr sz="1400">
+            <a:lvl6pPr marL="3047924" indent="0">
+              <a:buNone/>
+              <a:defRPr sz="1867">
                 <a:solidFill>
                   <a:schemeClr val="tx1">
                     <a:tint val="75000"/>
@@ -1010,9 +1014,9 @@
                 </a:solidFill>
               </a:defRPr>
             </a:lvl6pPr>
-            <a:lvl7pPr marL="2743200" indent="0">
-              <a:buNone/>
-              <a:defRPr sz="1400">
+            <a:lvl7pPr marL="3657509" indent="0">
+              <a:buNone/>
+              <a:defRPr sz="1867">
                 <a:solidFill>
                   <a:schemeClr val="tx1">
                     <a:tint val="75000"/>
@@ -1020,9 +1024,9 @@
                 </a:solidFill>
               </a:defRPr>
             </a:lvl7pPr>
-            <a:lvl8pPr marL="3200400" indent="0">
-              <a:buNone/>
-              <a:defRPr sz="1400">
+            <a:lvl8pPr marL="4267093" indent="0">
+              <a:buNone/>
+              <a:defRPr sz="1867">
                 <a:solidFill>
                   <a:schemeClr val="tx1">
                     <a:tint val="75000"/>
@@ -1030,9 +1034,9 @@
                 </a:solidFill>
               </a:defRPr>
             </a:lvl8pPr>
-            <a:lvl9pPr marL="3657600" indent="0">
-              <a:buNone/>
-              <a:defRPr sz="1400">
+            <a:lvl9pPr marL="4876678" indent="0">
+              <a:buNone/>
+              <a:defRPr sz="1867">
                 <a:solidFill>
                   <a:schemeClr val="tx1">
                     <a:tint val="75000"/>
@@ -1044,8 +1048,8 @@
           <a:p>
             <a:pPr lvl="0"/>
             <a:r>
-              <a:rPr lang="zh-TW" altLang="en-US" smtClean="0"/>
-              <a:t>按一下以編輯母片文字樣式</a:t>
+              <a:rPr lang="en-US" altLang="zh-TW" smtClean="0"/>
+              <a:t>Edit Master text styles</a:t>
             </a:r>
           </a:p>
         </p:txBody>
@@ -1065,12 +1069,11 @@
           <a:bodyPr/>
           <a:lstStyle/>
           <a:p>
-            <a:fld id="{717735A9-F327-42F6-AD64-78B6A63FD8E3}" type="datetimeFigureOut">
-              <a:rPr lang="en-US" smtClean="0"/>
-              <a:pPr/>
-              <a:t>3/8/2021</a:t>
+            <a:fld id="{E8040ED9-C24F-4461-8242-555DFFCA2203}" type="datetimeFigureOut">
+              <a:rPr lang="vi-VN" smtClean="0"/>
+              <a:t>23/03/2022</a:t>
             </a:fld>
-            <a:endParaRPr lang="en-US"/>
+            <a:endParaRPr lang="vi-VN"/>
           </a:p>
         </p:txBody>
       </p:sp>
@@ -1089,7 +1092,7 @@
           <a:bodyPr/>
           <a:lstStyle/>
           <a:p>
-            <a:endParaRPr lang="en-US"/>
+            <a:endParaRPr lang="vi-VN"/>
           </a:p>
         </p:txBody>
       </p:sp>
@@ -1108,16 +1111,20 @@
           <a:bodyPr/>
           <a:lstStyle/>
           <a:p>
-            <a:fld id="{EFE41CA1-A78B-4B16-B7AF-E0B37DE91997}" type="slidenum">
-              <a:rPr lang="en-US" smtClean="0"/>
-              <a:pPr/>
+            <a:fld id="{AC6F95AA-7B28-4F71-9CCD-2FB90122E28D}" type="slidenum">
+              <a:rPr lang="vi-VN" smtClean="0"/>
               <a:t>‹#›</a:t>
             </a:fld>
-            <a:endParaRPr lang="en-US"/>
+            <a:endParaRPr lang="vi-VN"/>
           </a:p>
         </p:txBody>
       </p:sp>
     </p:spTree>
+    <p:extLst>
+      <p:ext uri="{BB962C8B-B14F-4D97-AF65-F5344CB8AC3E}">
+        <p14:creationId xmlns:p14="http://schemas.microsoft.com/office/powerpoint/2010/main" val="3933725907"/>
+      </p:ext>
+    </p:extLst>
   </p:cSld>
   <p:clrMapOvr>
     <a:masterClrMapping/>
@@ -1158,8 +1165,8 @@
           <a:lstStyle/>
           <a:p>
             <a:r>
-              <a:rPr lang="zh-TW" altLang="en-US" smtClean="0"/>
-              <a:t>按一下以編輯母片標題樣式</a:t>
+              <a:rPr lang="en-US" altLang="zh-TW" smtClean="0"/>
+              <a:t>Click to edit Master title style</a:t>
             </a:r>
             <a:endParaRPr lang="zh-TW" altLang="en-US"/>
           </a:p>
@@ -1185,66 +1192,66 @@
           <a:bodyPr/>
           <a:lstStyle>
             <a:lvl1pPr>
-              <a:defRPr sz="2800"/>
+              <a:defRPr sz="3733"/>
             </a:lvl1pPr>
             <a:lvl2pPr>
-              <a:defRPr sz="2400"/>
+              <a:defRPr sz="3200"/>
             </a:lvl2pPr>
             <a:lvl3pPr>
-              <a:defRPr sz="2000"/>
+              <a:defRPr sz="2667"/>
             </a:lvl3pPr>
             <a:lvl4pPr>
-              <a:defRPr sz="1800"/>
+              <a:defRPr sz="2400"/>
             </a:lvl4pPr>
             <a:lvl5pPr>
-              <a:defRPr sz="1800"/>
+              <a:defRPr sz="2400"/>
             </a:lvl5pPr>
             <a:lvl6pPr>
-              <a:defRPr sz="1800"/>
+              <a:defRPr sz="2400"/>
             </a:lvl6pPr>
             <a:lvl7pPr>
-              <a:defRPr sz="1800"/>
+              <a:defRPr sz="2400"/>
             </a:lvl7pPr>
             <a:lvl8pPr>
-              <a:defRPr sz="1800"/>
+              <a:defRPr sz="2400"/>
             </a:lvl8pPr>
             <a:lvl9pPr>
-              <a:defRPr sz="1800"/>
+              <a:defRPr sz="2400"/>
             </a:lvl9pPr>
           </a:lstStyle>
           <a:p>
             <a:pPr lvl="0"/>
             <a:r>
-              <a:rPr lang="zh-TW" altLang="en-US" smtClean="0"/>
-              <a:t>按一下以編輯母片文字樣式</a:t>
+              <a:rPr lang="en-US" altLang="zh-TW" smtClean="0"/>
+              <a:t>Edit Master text styles</a:t>
             </a:r>
           </a:p>
           <a:p>
             <a:pPr lvl="1"/>
             <a:r>
-              <a:rPr lang="zh-TW" altLang="en-US" smtClean="0"/>
-              <a:t>第二層</a:t>
+              <a:rPr lang="en-US" altLang="zh-TW" smtClean="0"/>
+              <a:t>Second level</a:t>
             </a:r>
           </a:p>
           <a:p>
             <a:pPr lvl="2"/>
             <a:r>
-              <a:rPr lang="zh-TW" altLang="en-US" smtClean="0"/>
-              <a:t>第三層</a:t>
+              <a:rPr lang="en-US" altLang="zh-TW" smtClean="0"/>
+              <a:t>Third level</a:t>
             </a:r>
           </a:p>
           <a:p>
             <a:pPr lvl="3"/>
             <a:r>
-              <a:rPr lang="zh-TW" altLang="en-US" smtClean="0"/>
-              <a:t>第四層</a:t>
+              <a:rPr lang="en-US" altLang="zh-TW" smtClean="0"/>
+              <a:t>Fourth level</a:t>
             </a:r>
           </a:p>
           <a:p>
             <a:pPr lvl="4"/>
             <a:r>
-              <a:rPr lang="zh-TW" altLang="en-US" smtClean="0"/>
-              <a:t>第五層</a:t>
+              <a:rPr lang="en-US" altLang="zh-TW" smtClean="0"/>
+              <a:t>Fifth level</a:t>
             </a:r>
             <a:endParaRPr lang="zh-TW" altLang="en-US"/>
           </a:p>
@@ -1270,66 +1277,66 @@
           <a:bodyPr/>
           <a:lstStyle>
             <a:lvl1pPr>
-              <a:defRPr sz="2800"/>
+              <a:defRPr sz="3733"/>
             </a:lvl1pPr>
             <a:lvl2pPr>
-              <a:defRPr sz="2400"/>
+              <a:defRPr sz="3200"/>
             </a:lvl2pPr>
             <a:lvl3pPr>
-              <a:defRPr sz="2000"/>
+              <a:defRPr sz="2667"/>
             </a:lvl3pPr>
             <a:lvl4pPr>
-              <a:defRPr sz="1800"/>
+              <a:defRPr sz="2400"/>
             </a:lvl4pPr>
             <a:lvl5pPr>
-              <a:defRPr sz="1800"/>
+              <a:defRPr sz="2400"/>
             </a:lvl5pPr>
             <a:lvl6pPr>
-              <a:defRPr sz="1800"/>
+              <a:defRPr sz="2400"/>
             </a:lvl6pPr>
             <a:lvl7pPr>
-              <a:defRPr sz="1800"/>
+              <a:defRPr sz="2400"/>
             </a:lvl7pPr>
             <a:lvl8pPr>
-              <a:defRPr sz="1800"/>
+              <a:defRPr sz="2400"/>
             </a:lvl8pPr>
             <a:lvl9pPr>
-              <a:defRPr sz="1800"/>
+              <a:defRPr sz="2400"/>
             </a:lvl9pPr>
           </a:lstStyle>
           <a:p>
             <a:pPr lvl="0"/>
             <a:r>
-              <a:rPr lang="zh-TW" altLang="en-US" smtClean="0"/>
-              <a:t>按一下以編輯母片文字樣式</a:t>
+              <a:rPr lang="en-US" altLang="zh-TW" smtClean="0"/>
+              <a:t>Edit Master text styles</a:t>
             </a:r>
           </a:p>
           <a:p>
             <a:pPr lvl="1"/>
             <a:r>
-              <a:rPr lang="zh-TW" altLang="en-US" smtClean="0"/>
-              <a:t>第二層</a:t>
+              <a:rPr lang="en-US" altLang="zh-TW" smtClean="0"/>
+              <a:t>Second level</a:t>
             </a:r>
           </a:p>
           <a:p>
             <a:pPr lvl="2"/>
             <a:r>
-              <a:rPr lang="zh-TW" altLang="en-US" smtClean="0"/>
-              <a:t>第三層</a:t>
+              <a:rPr lang="en-US" altLang="zh-TW" smtClean="0"/>
+              <a:t>Third level</a:t>
             </a:r>
           </a:p>
           <a:p>
             <a:pPr lvl="3"/>
             <a:r>
-              <a:rPr lang="zh-TW" altLang="en-US" smtClean="0"/>
-              <a:t>第四層</a:t>
+              <a:rPr lang="en-US" altLang="zh-TW" smtClean="0"/>
+              <a:t>Fourth level</a:t>
             </a:r>
           </a:p>
           <a:p>
             <a:pPr lvl="4"/>
             <a:r>
-              <a:rPr lang="zh-TW" altLang="en-US" smtClean="0"/>
-              <a:t>第五層</a:t>
+              <a:rPr lang="en-US" altLang="zh-TW" smtClean="0"/>
+              <a:t>Fifth level</a:t>
             </a:r>
             <a:endParaRPr lang="zh-TW" altLang="en-US"/>
           </a:p>
@@ -1350,12 +1357,11 @@
           <a:bodyPr/>
           <a:lstStyle/>
           <a:p>
-            <a:fld id="{717735A9-F327-42F6-AD64-78B6A63FD8E3}" type="datetimeFigureOut">
-              <a:rPr lang="en-US" smtClean="0"/>
-              <a:pPr/>
-              <a:t>3/8/2021</a:t>
+            <a:fld id="{E8040ED9-C24F-4461-8242-555DFFCA2203}" type="datetimeFigureOut">
+              <a:rPr lang="vi-VN" smtClean="0"/>
+              <a:t>23/03/2022</a:t>
             </a:fld>
-            <a:endParaRPr lang="en-US"/>
+            <a:endParaRPr lang="vi-VN"/>
           </a:p>
         </p:txBody>
       </p:sp>
@@ -1374,7 +1380,7 @@
           <a:bodyPr/>
           <a:lstStyle/>
           <a:p>
-            <a:endParaRPr lang="en-US"/>
+            <a:endParaRPr lang="vi-VN"/>
           </a:p>
         </p:txBody>
       </p:sp>
@@ -1393,16 +1399,20 @@
           <a:bodyPr/>
           <a:lstStyle/>
           <a:p>
-            <a:fld id="{EFE41CA1-A78B-4B16-B7AF-E0B37DE91997}" type="slidenum">
-              <a:rPr lang="en-US" smtClean="0"/>
-              <a:pPr/>
+            <a:fld id="{AC6F95AA-7B28-4F71-9CCD-2FB90122E28D}" type="slidenum">
+              <a:rPr lang="vi-VN" smtClean="0"/>
               <a:t>‹#›</a:t>
             </a:fld>
-            <a:endParaRPr lang="en-US"/>
+            <a:endParaRPr lang="vi-VN"/>
           </a:p>
         </p:txBody>
       </p:sp>
     </p:spTree>
+    <p:extLst>
+      <p:ext uri="{BB962C8B-B14F-4D97-AF65-F5344CB8AC3E}">
+        <p14:creationId xmlns:p14="http://schemas.microsoft.com/office/powerpoint/2010/main" val="268269377"/>
+      </p:ext>
+    </p:extLst>
   </p:cSld>
   <p:clrMapOvr>
     <a:masterClrMapping/>
@@ -1447,8 +1457,8 @@
           </a:lstStyle>
           <a:p>
             <a:r>
-              <a:rPr lang="zh-TW" altLang="en-US" smtClean="0"/>
-              <a:t>按一下以編輯母片標題樣式</a:t>
+              <a:rPr lang="en-US" altLang="zh-TW" smtClean="0"/>
+              <a:t>Click to edit Master title style</a:t>
             </a:r>
             <a:endParaRPr lang="zh-TW" altLang="en-US"/>
           </a:p>
@@ -1467,7 +1477,7 @@
         <p:spPr>
           <a:xfrm>
             <a:off x="609600" y="1535113"/>
-            <a:ext cx="5386917" cy="639762"/>
+            <a:ext cx="5386917" cy="639763"/>
           </a:xfrm>
         </p:spPr>
         <p:txBody>
@@ -1475,46 +1485,46 @@
           <a:lstStyle>
             <a:lvl1pPr marL="0" indent="0">
               <a:buNone/>
+              <a:defRPr sz="3200" b="1"/>
+            </a:lvl1pPr>
+            <a:lvl2pPr marL="609585" indent="0">
+              <a:buNone/>
+              <a:defRPr sz="2667" b="1"/>
+            </a:lvl2pPr>
+            <a:lvl3pPr marL="1219170" indent="0">
+              <a:buNone/>
               <a:defRPr sz="2400" b="1"/>
-            </a:lvl1pPr>
-            <a:lvl2pPr marL="457200" indent="0">
-              <a:buNone/>
-              <a:defRPr sz="2000" b="1"/>
-            </a:lvl2pPr>
-            <a:lvl3pPr marL="914400" indent="0">
-              <a:buNone/>
-              <a:defRPr sz="1800" b="1"/>
             </a:lvl3pPr>
-            <a:lvl4pPr marL="1371600" indent="0">
-              <a:buNone/>
-              <a:defRPr sz="1600" b="1"/>
+            <a:lvl4pPr marL="1828754" indent="0">
+              <a:buNone/>
+              <a:defRPr sz="2133" b="1"/>
             </a:lvl4pPr>
-            <a:lvl5pPr marL="1828800" indent="0">
-              <a:buNone/>
-              <a:defRPr sz="1600" b="1"/>
+            <a:lvl5pPr marL="2438339" indent="0">
+              <a:buNone/>
+              <a:defRPr sz="2133" b="1"/>
             </a:lvl5pPr>
-            <a:lvl6pPr marL="2286000" indent="0">
-              <a:buNone/>
-              <a:defRPr sz="1600" b="1"/>
+            <a:lvl6pPr marL="3047924" indent="0">
+              <a:buNone/>
+              <a:defRPr sz="2133" b="1"/>
             </a:lvl6pPr>
-            <a:lvl7pPr marL="2743200" indent="0">
-              <a:buNone/>
-              <a:defRPr sz="1600" b="1"/>
+            <a:lvl7pPr marL="3657509" indent="0">
+              <a:buNone/>
+              <a:defRPr sz="2133" b="1"/>
             </a:lvl7pPr>
-            <a:lvl8pPr marL="3200400" indent="0">
-              <a:buNone/>
-              <a:defRPr sz="1600" b="1"/>
+            <a:lvl8pPr marL="4267093" indent="0">
+              <a:buNone/>
+              <a:defRPr sz="2133" b="1"/>
             </a:lvl8pPr>
-            <a:lvl9pPr marL="3657600" indent="0">
-              <a:buNone/>
-              <a:defRPr sz="1600" b="1"/>
+            <a:lvl9pPr marL="4876678" indent="0">
+              <a:buNone/>
+              <a:defRPr sz="2133" b="1"/>
             </a:lvl9pPr>
           </a:lstStyle>
           <a:p>
             <a:pPr lvl="0"/>
             <a:r>
-              <a:rPr lang="zh-TW" altLang="en-US" smtClean="0"/>
-              <a:t>按一下以編輯母片文字樣式</a:t>
+              <a:rPr lang="en-US" altLang="zh-TW" smtClean="0"/>
+              <a:t>Edit Master text styles</a:t>
             </a:r>
           </a:p>
         </p:txBody>
@@ -1539,66 +1549,66 @@
           <a:bodyPr/>
           <a:lstStyle>
             <a:lvl1pPr>
-              <a:defRPr sz="2400"/>
+              <a:defRPr sz="3200"/>
             </a:lvl1pPr>
             <a:lvl2pPr>
-              <a:defRPr sz="2000"/>
+              <a:defRPr sz="2667"/>
             </a:lvl2pPr>
             <a:lvl3pPr>
-              <a:defRPr sz="1800"/>
+              <a:defRPr sz="2400"/>
             </a:lvl3pPr>
             <a:lvl4pPr>
-              <a:defRPr sz="1600"/>
+              <a:defRPr sz="2133"/>
             </a:lvl4pPr>
             <a:lvl5pPr>
-              <a:defRPr sz="1600"/>
+              <a:defRPr sz="2133"/>
             </a:lvl5pPr>
             <a:lvl6pPr>
-              <a:defRPr sz="1600"/>
+              <a:defRPr sz="2133"/>
             </a:lvl6pPr>
             <a:lvl7pPr>
-              <a:defRPr sz="1600"/>
+              <a:defRPr sz="2133"/>
             </a:lvl7pPr>
             <a:lvl8pPr>
-              <a:defRPr sz="1600"/>
+              <a:defRPr sz="2133"/>
             </a:lvl8pPr>
             <a:lvl9pPr>
-              <a:defRPr sz="1600"/>
+              <a:defRPr sz="2133"/>
             </a:lvl9pPr>
           </a:lstStyle>
           <a:p>
             <a:pPr lvl="0"/>
             <a:r>
-              <a:rPr lang="zh-TW" altLang="en-US" smtClean="0"/>
-              <a:t>按一下以編輯母片文字樣式</a:t>
+              <a:rPr lang="en-US" altLang="zh-TW" smtClean="0"/>
+              <a:t>Edit Master text styles</a:t>
             </a:r>
           </a:p>
           <a:p>
             <a:pPr lvl="1"/>
             <a:r>
-              <a:rPr lang="zh-TW" altLang="en-US" smtClean="0"/>
-              <a:t>第二層</a:t>
+              <a:rPr lang="en-US" altLang="zh-TW" smtClean="0"/>
+              <a:t>Second level</a:t>
             </a:r>
           </a:p>
           <a:p>
             <a:pPr lvl="2"/>
             <a:r>
-              <a:rPr lang="zh-TW" altLang="en-US" smtClean="0"/>
-              <a:t>第三層</a:t>
+              <a:rPr lang="en-US" altLang="zh-TW" smtClean="0"/>
+              <a:t>Third level</a:t>
             </a:r>
           </a:p>
           <a:p>
             <a:pPr lvl="3"/>
             <a:r>
-              <a:rPr lang="zh-TW" altLang="en-US" smtClean="0"/>
-              <a:t>第四層</a:t>
+              <a:rPr lang="en-US" altLang="zh-TW" smtClean="0"/>
+              <a:t>Fourth level</a:t>
             </a:r>
           </a:p>
           <a:p>
             <a:pPr lvl="4"/>
             <a:r>
-              <a:rPr lang="zh-TW" altLang="en-US" smtClean="0"/>
-              <a:t>第五層</a:t>
+              <a:rPr lang="en-US" altLang="zh-TW" smtClean="0"/>
+              <a:t>Fifth level</a:t>
             </a:r>
             <a:endParaRPr lang="zh-TW" altLang="en-US"/>
           </a:p>
@@ -1616,8 +1626,8 @@
         </p:nvSpPr>
         <p:spPr>
           <a:xfrm>
-            <a:off x="6193368" y="1535113"/>
-            <a:ext cx="5389033" cy="639762"/>
+            <a:off x="6193369" y="1535113"/>
+            <a:ext cx="5389033" cy="639763"/>
           </a:xfrm>
         </p:spPr>
         <p:txBody>
@@ -1625,46 +1635,46 @@
           <a:lstStyle>
             <a:lvl1pPr marL="0" indent="0">
               <a:buNone/>
+              <a:defRPr sz="3200" b="1"/>
+            </a:lvl1pPr>
+            <a:lvl2pPr marL="609585" indent="0">
+              <a:buNone/>
+              <a:defRPr sz="2667" b="1"/>
+            </a:lvl2pPr>
+            <a:lvl3pPr marL="1219170" indent="0">
+              <a:buNone/>
               <a:defRPr sz="2400" b="1"/>
-            </a:lvl1pPr>
-            <a:lvl2pPr marL="457200" indent="0">
-              <a:buNone/>
-              <a:defRPr sz="2000" b="1"/>
-            </a:lvl2pPr>
-            <a:lvl3pPr marL="914400" indent="0">
-              <a:buNone/>
-              <a:defRPr sz="1800" b="1"/>
             </a:lvl3pPr>
-            <a:lvl4pPr marL="1371600" indent="0">
-              <a:buNone/>
-              <a:defRPr sz="1600" b="1"/>
+            <a:lvl4pPr marL="1828754" indent="0">
+              <a:buNone/>
+              <a:defRPr sz="2133" b="1"/>
             </a:lvl4pPr>
-            <a:lvl5pPr marL="1828800" indent="0">
-              <a:buNone/>
-              <a:defRPr sz="1600" b="1"/>
+            <a:lvl5pPr marL="2438339" indent="0">
+              <a:buNone/>
+              <a:defRPr sz="2133" b="1"/>
             </a:lvl5pPr>
-            <a:lvl6pPr marL="2286000" indent="0">
-              <a:buNone/>
-              <a:defRPr sz="1600" b="1"/>
+            <a:lvl6pPr marL="3047924" indent="0">
+              <a:buNone/>
+              <a:defRPr sz="2133" b="1"/>
             </a:lvl6pPr>
-            <a:lvl7pPr marL="2743200" indent="0">
-              <a:buNone/>
-              <a:defRPr sz="1600" b="1"/>
+            <a:lvl7pPr marL="3657509" indent="0">
+              <a:buNone/>
+              <a:defRPr sz="2133" b="1"/>
             </a:lvl7pPr>
-            <a:lvl8pPr marL="3200400" indent="0">
-              <a:buNone/>
-              <a:defRPr sz="1600" b="1"/>
+            <a:lvl8pPr marL="4267093" indent="0">
+              <a:buNone/>
+              <a:defRPr sz="2133" b="1"/>
             </a:lvl8pPr>
-            <a:lvl9pPr marL="3657600" indent="0">
-              <a:buNone/>
-              <a:defRPr sz="1600" b="1"/>
+            <a:lvl9pPr marL="4876678" indent="0">
+              <a:buNone/>
+              <a:defRPr sz="2133" b="1"/>
             </a:lvl9pPr>
           </a:lstStyle>
           <a:p>
             <a:pPr lvl="0"/>
             <a:r>
-              <a:rPr lang="zh-TW" altLang="en-US" smtClean="0"/>
-              <a:t>按一下以編輯母片文字樣式</a:t>
+              <a:rPr lang="en-US" altLang="zh-TW" smtClean="0"/>
+              <a:t>Edit Master text styles</a:t>
             </a:r>
           </a:p>
         </p:txBody>
@@ -1681,7 +1691,7 @@
         </p:nvSpPr>
         <p:spPr>
           <a:xfrm>
-            <a:off x="6193368" y="2174875"/>
+            <a:off x="6193369" y="2174875"/>
             <a:ext cx="5389033" cy="3951288"/>
           </a:xfrm>
         </p:spPr>
@@ -1689,66 +1699,66 @@
           <a:bodyPr/>
           <a:lstStyle>
             <a:lvl1pPr>
-              <a:defRPr sz="2400"/>
+              <a:defRPr sz="3200"/>
             </a:lvl1pPr>
             <a:lvl2pPr>
-              <a:defRPr sz="2000"/>
+              <a:defRPr sz="2667"/>
             </a:lvl2pPr>
             <a:lvl3pPr>
-              <a:defRPr sz="1800"/>
+              <a:defRPr sz="2400"/>
             </a:lvl3pPr>
             <a:lvl4pPr>
-              <a:defRPr sz="1600"/>
+              <a:defRPr sz="2133"/>
             </a:lvl4pPr>
             <a:lvl5pPr>
-              <a:defRPr sz="1600"/>
+              <a:defRPr sz="2133"/>
             </a:lvl5pPr>
             <a:lvl6pPr>
-              <a:defRPr sz="1600"/>
+              <a:defRPr sz="2133"/>
             </a:lvl6pPr>
             <a:lvl7pPr>
-              <a:defRPr sz="1600"/>
+              <a:defRPr sz="2133"/>
             </a:lvl7pPr>
             <a:lvl8pPr>
-              <a:defRPr sz="1600"/>
+              <a:defRPr sz="2133"/>
             </a:lvl8pPr>
             <a:lvl9pPr>
-              <a:defRPr sz="1600"/>
+              <a:defRPr sz="2133"/>
             </a:lvl9pPr>
           </a:lstStyle>
           <a:p>
             <a:pPr lvl="0"/>
             <a:r>
-              <a:rPr lang="zh-TW" altLang="en-US" smtClean="0"/>
-              <a:t>按一下以編輯母片文字樣式</a:t>
+              <a:rPr lang="en-US" altLang="zh-TW" smtClean="0"/>
+              <a:t>Edit Master text styles</a:t>
             </a:r>
           </a:p>
           <a:p>
             <a:pPr lvl="1"/>
             <a:r>
-              <a:rPr lang="zh-TW" altLang="en-US" smtClean="0"/>
-              <a:t>第二層</a:t>
+              <a:rPr lang="en-US" altLang="zh-TW" smtClean="0"/>
+              <a:t>Second level</a:t>
             </a:r>
           </a:p>
           <a:p>
             <a:pPr lvl="2"/>
             <a:r>
-              <a:rPr lang="zh-TW" altLang="en-US" smtClean="0"/>
-              <a:t>第三層</a:t>
+              <a:rPr lang="en-US" altLang="zh-TW" smtClean="0"/>
+              <a:t>Third level</a:t>
             </a:r>
           </a:p>
           <a:p>
             <a:pPr lvl="3"/>
             <a:r>
-              <a:rPr lang="zh-TW" altLang="en-US" smtClean="0"/>
-              <a:t>第四層</a:t>
+              <a:rPr lang="en-US" altLang="zh-TW" smtClean="0"/>
+              <a:t>Fourth level</a:t>
             </a:r>
           </a:p>
           <a:p>
             <a:pPr lvl="4"/>
             <a:r>
-              <a:rPr lang="zh-TW" altLang="en-US" smtClean="0"/>
-              <a:t>第五層</a:t>
+              <a:rPr lang="en-US" altLang="zh-TW" smtClean="0"/>
+              <a:t>Fifth level</a:t>
             </a:r>
             <a:endParaRPr lang="zh-TW" altLang="en-US"/>
           </a:p>
@@ -1769,12 +1779,11 @@
           <a:bodyPr/>
           <a:lstStyle/>
           <a:p>
-            <a:fld id="{717735A9-F327-42F6-AD64-78B6A63FD8E3}" type="datetimeFigureOut">
-              <a:rPr lang="en-US" smtClean="0"/>
-              <a:pPr/>
-              <a:t>3/8/2021</a:t>
+            <a:fld id="{E8040ED9-C24F-4461-8242-555DFFCA2203}" type="datetimeFigureOut">
+              <a:rPr lang="vi-VN" smtClean="0"/>
+              <a:t>23/03/2022</a:t>
             </a:fld>
-            <a:endParaRPr lang="en-US"/>
+            <a:endParaRPr lang="vi-VN"/>
           </a:p>
         </p:txBody>
       </p:sp>
@@ -1793,7 +1802,7 @@
           <a:bodyPr/>
           <a:lstStyle/>
           <a:p>
-            <a:endParaRPr lang="en-US"/>
+            <a:endParaRPr lang="vi-VN"/>
           </a:p>
         </p:txBody>
       </p:sp>
@@ -1812,16 +1821,20 @@
           <a:bodyPr/>
           <a:lstStyle/>
           <a:p>
-            <a:fld id="{EFE41CA1-A78B-4B16-B7AF-E0B37DE91997}" type="slidenum">
-              <a:rPr lang="en-US" smtClean="0"/>
-              <a:pPr/>
+            <a:fld id="{AC6F95AA-7B28-4F71-9CCD-2FB90122E28D}" type="slidenum">
+              <a:rPr lang="vi-VN" smtClean="0"/>
               <a:t>‹#›</a:t>
             </a:fld>
-            <a:endParaRPr lang="en-US"/>
+            <a:endParaRPr lang="vi-VN"/>
           </a:p>
         </p:txBody>
       </p:sp>
     </p:spTree>
+    <p:extLst>
+      <p:ext uri="{BB962C8B-B14F-4D97-AF65-F5344CB8AC3E}">
+        <p14:creationId xmlns:p14="http://schemas.microsoft.com/office/powerpoint/2010/main" val="3598651655"/>
+      </p:ext>
+    </p:extLst>
   </p:cSld>
   <p:clrMapOvr>
     <a:masterClrMapping/>
@@ -1862,8 +1875,8 @@
           <a:lstStyle/>
           <a:p>
             <a:r>
-              <a:rPr lang="zh-TW" altLang="en-US" smtClean="0"/>
-              <a:t>按一下以編輯母片標題樣式</a:t>
+              <a:rPr lang="en-US" altLang="zh-TW" smtClean="0"/>
+              <a:t>Click to edit Master title style</a:t>
             </a:r>
             <a:endParaRPr lang="zh-TW" altLang="en-US"/>
           </a:p>
@@ -1884,12 +1897,11 @@
           <a:bodyPr/>
           <a:lstStyle/>
           <a:p>
-            <a:fld id="{717735A9-F327-42F6-AD64-78B6A63FD8E3}" type="datetimeFigureOut">
-              <a:rPr lang="en-US" smtClean="0"/>
-              <a:pPr/>
-              <a:t>3/8/2021</a:t>
+            <a:fld id="{E8040ED9-C24F-4461-8242-555DFFCA2203}" type="datetimeFigureOut">
+              <a:rPr lang="vi-VN" smtClean="0"/>
+              <a:t>23/03/2022</a:t>
             </a:fld>
-            <a:endParaRPr lang="en-US"/>
+            <a:endParaRPr lang="vi-VN"/>
           </a:p>
         </p:txBody>
       </p:sp>
@@ -1908,7 +1920,7 @@
           <a:bodyPr/>
           <a:lstStyle/>
           <a:p>
-            <a:endParaRPr lang="en-US"/>
+            <a:endParaRPr lang="vi-VN"/>
           </a:p>
         </p:txBody>
       </p:sp>
@@ -1927,16 +1939,20 @@
           <a:bodyPr/>
           <a:lstStyle/>
           <a:p>
-            <a:fld id="{EFE41CA1-A78B-4B16-B7AF-E0B37DE91997}" type="slidenum">
-              <a:rPr lang="en-US" smtClean="0"/>
-              <a:pPr/>
+            <a:fld id="{AC6F95AA-7B28-4F71-9CCD-2FB90122E28D}" type="slidenum">
+              <a:rPr lang="vi-VN" smtClean="0"/>
               <a:t>‹#›</a:t>
             </a:fld>
-            <a:endParaRPr lang="en-US"/>
+            <a:endParaRPr lang="vi-VN"/>
           </a:p>
         </p:txBody>
       </p:sp>
     </p:spTree>
+    <p:extLst>
+      <p:ext uri="{BB962C8B-B14F-4D97-AF65-F5344CB8AC3E}">
+        <p14:creationId xmlns:p14="http://schemas.microsoft.com/office/powerpoint/2010/main" val="1328187664"/>
+      </p:ext>
+    </p:extLst>
   </p:cSld>
   <p:clrMapOvr>
     <a:masterClrMapping/>
@@ -1976,12 +1992,11 @@
           <a:bodyPr/>
           <a:lstStyle/>
           <a:p>
-            <a:fld id="{717735A9-F327-42F6-AD64-78B6A63FD8E3}" type="datetimeFigureOut">
-              <a:rPr lang="en-US" smtClean="0"/>
-              <a:pPr/>
-              <a:t>3/8/2021</a:t>
+            <a:fld id="{E8040ED9-C24F-4461-8242-555DFFCA2203}" type="datetimeFigureOut">
+              <a:rPr lang="vi-VN" smtClean="0"/>
+              <a:t>23/03/2022</a:t>
             </a:fld>
-            <a:endParaRPr lang="en-US"/>
+            <a:endParaRPr lang="vi-VN"/>
           </a:p>
         </p:txBody>
       </p:sp>
@@ -2000,7 +2015,7 @@
           <a:bodyPr/>
           <a:lstStyle/>
           <a:p>
-            <a:endParaRPr lang="en-US"/>
+            <a:endParaRPr lang="vi-VN"/>
           </a:p>
         </p:txBody>
       </p:sp>
@@ -2019,16 +2034,20 @@
           <a:bodyPr/>
           <a:lstStyle/>
           <a:p>
-            <a:fld id="{EFE41CA1-A78B-4B16-B7AF-E0B37DE91997}" type="slidenum">
-              <a:rPr lang="en-US" smtClean="0"/>
-              <a:pPr/>
+            <a:fld id="{AC6F95AA-7B28-4F71-9CCD-2FB90122E28D}" type="slidenum">
+              <a:rPr lang="vi-VN" smtClean="0"/>
               <a:t>‹#›</a:t>
             </a:fld>
-            <a:endParaRPr lang="en-US"/>
+            <a:endParaRPr lang="vi-VN"/>
           </a:p>
         </p:txBody>
       </p:sp>
     </p:spTree>
+    <p:extLst>
+      <p:ext uri="{BB962C8B-B14F-4D97-AF65-F5344CB8AC3E}">
+        <p14:creationId xmlns:p14="http://schemas.microsoft.com/office/powerpoint/2010/main" val="4252535593"/>
+      </p:ext>
+    </p:extLst>
   </p:cSld>
   <p:clrMapOvr>
     <a:masterClrMapping/>
@@ -2065,21 +2084,21 @@
         </p:nvSpPr>
         <p:spPr>
           <a:xfrm>
-            <a:off x="609601" y="273050"/>
-            <a:ext cx="4011084" cy="1162050"/>
+            <a:off x="609602" y="273049"/>
+            <a:ext cx="4011084" cy="1162051"/>
           </a:xfrm>
         </p:spPr>
         <p:txBody>
           <a:bodyPr anchor="b"/>
           <a:lstStyle>
             <a:lvl1pPr algn="l">
-              <a:defRPr sz="2000" b="1"/>
+              <a:defRPr sz="2667" b="1"/>
             </a:lvl1pPr>
           </a:lstStyle>
           <a:p>
             <a:r>
-              <a:rPr lang="zh-TW" altLang="en-US" smtClean="0"/>
-              <a:t>按一下以編輯母片標題樣式</a:t>
+              <a:rPr lang="en-US" altLang="zh-TW" smtClean="0"/>
+              <a:t>Click to edit Master title style</a:t>
             </a:r>
             <a:endParaRPr lang="zh-TW" altLang="en-US"/>
           </a:p>
@@ -2097,7 +2116,7 @@
         </p:nvSpPr>
         <p:spPr>
           <a:xfrm>
-            <a:off x="4766733" y="273051"/>
+            <a:off x="4766733" y="273052"/>
             <a:ext cx="6815667" cy="5853113"/>
           </a:xfrm>
         </p:spPr>
@@ -2105,66 +2124,66 @@
           <a:bodyPr/>
           <a:lstStyle>
             <a:lvl1pPr>
-              <a:defRPr sz="3200"/>
+              <a:defRPr sz="4267"/>
             </a:lvl1pPr>
             <a:lvl2pPr>
-              <a:defRPr sz="2800"/>
+              <a:defRPr sz="3733"/>
             </a:lvl2pPr>
             <a:lvl3pPr>
-              <a:defRPr sz="2400"/>
+              <a:defRPr sz="3200"/>
             </a:lvl3pPr>
             <a:lvl4pPr>
-              <a:defRPr sz="2000"/>
+              <a:defRPr sz="2667"/>
             </a:lvl4pPr>
             <a:lvl5pPr>
-              <a:defRPr sz="2000"/>
+              <a:defRPr sz="2667"/>
             </a:lvl5pPr>
             <a:lvl6pPr>
-              <a:defRPr sz="2000"/>
+              <a:defRPr sz="2667"/>
             </a:lvl6pPr>
             <a:lvl7pPr>
-              <a:defRPr sz="2000"/>
+              <a:defRPr sz="2667"/>
             </a:lvl7pPr>
             <a:lvl8pPr>
-              <a:defRPr sz="2000"/>
+              <a:defRPr sz="2667"/>
             </a:lvl8pPr>
             <a:lvl9pPr>
-              <a:defRPr sz="2000"/>
+              <a:defRPr sz="2667"/>
             </a:lvl9pPr>
           </a:lstStyle>
           <a:p>
             <a:pPr lvl="0"/>
             <a:r>
-              <a:rPr lang="zh-TW" altLang="en-US" smtClean="0"/>
-              <a:t>按一下以編輯母片文字樣式</a:t>
+              <a:rPr lang="en-US" altLang="zh-TW" smtClean="0"/>
+              <a:t>Edit Master text styles</a:t>
             </a:r>
           </a:p>
           <a:p>
             <a:pPr lvl="1"/>
             <a:r>
-              <a:rPr lang="zh-TW" altLang="en-US" smtClean="0"/>
-              <a:t>第二層</a:t>
+              <a:rPr lang="en-US" altLang="zh-TW" smtClean="0"/>
+              <a:t>Second level</a:t>
             </a:r>
           </a:p>
           <a:p>
             <a:pPr lvl="2"/>
             <a:r>
-              <a:rPr lang="zh-TW" altLang="en-US" smtClean="0"/>
-              <a:t>第三層</a:t>
+              <a:rPr lang="en-US" altLang="zh-TW" smtClean="0"/>
+              <a:t>Third level</a:t>
             </a:r>
           </a:p>
           <a:p>
             <a:pPr lvl="3"/>
             <a:r>
-              <a:rPr lang="zh-TW" altLang="en-US" smtClean="0"/>
-              <a:t>第四層</a:t>
+              <a:rPr lang="en-US" altLang="zh-TW" smtClean="0"/>
+              <a:t>Fourth level</a:t>
             </a:r>
           </a:p>
           <a:p>
             <a:pPr lvl="4"/>
             <a:r>
-              <a:rPr lang="zh-TW" altLang="en-US" smtClean="0"/>
-              <a:t>第五層</a:t>
+              <a:rPr lang="en-US" altLang="zh-TW" smtClean="0"/>
+              <a:t>Fifth level</a:t>
             </a:r>
             <a:endParaRPr lang="zh-TW" altLang="en-US"/>
           </a:p>
@@ -2182,7 +2201,7 @@
         </p:nvSpPr>
         <p:spPr>
           <a:xfrm>
-            <a:off x="609601" y="1435101"/>
+            <a:off x="609602" y="1435102"/>
             <a:ext cx="4011084" cy="4691063"/>
           </a:xfrm>
         </p:spPr>
@@ -2191,46 +2210,46 @@
           <a:lstStyle>
             <a:lvl1pPr marL="0" indent="0">
               <a:buNone/>
-              <a:defRPr sz="1400"/>
+              <a:defRPr sz="1867"/>
             </a:lvl1pPr>
-            <a:lvl2pPr marL="457200" indent="0">
+            <a:lvl2pPr marL="609585" indent="0">
+              <a:buNone/>
+              <a:defRPr sz="1600"/>
+            </a:lvl2pPr>
+            <a:lvl3pPr marL="1219170" indent="0">
+              <a:buNone/>
+              <a:defRPr sz="1333"/>
+            </a:lvl3pPr>
+            <a:lvl4pPr marL="1828754" indent="0">
               <a:buNone/>
               <a:defRPr sz="1200"/>
-            </a:lvl2pPr>
-            <a:lvl3pPr marL="914400" indent="0">
-              <a:buNone/>
-              <a:defRPr sz="1000"/>
-            </a:lvl3pPr>
-            <a:lvl4pPr marL="1371600" indent="0">
-              <a:buNone/>
-              <a:defRPr sz="900"/>
             </a:lvl4pPr>
-            <a:lvl5pPr marL="1828800" indent="0">
-              <a:buNone/>
-              <a:defRPr sz="900"/>
+            <a:lvl5pPr marL="2438339" indent="0">
+              <a:buNone/>
+              <a:defRPr sz="1200"/>
             </a:lvl5pPr>
-            <a:lvl6pPr marL="2286000" indent="0">
-              <a:buNone/>
-              <a:defRPr sz="900"/>
+            <a:lvl6pPr marL="3047924" indent="0">
+              <a:buNone/>
+              <a:defRPr sz="1200"/>
             </a:lvl6pPr>
-            <a:lvl7pPr marL="2743200" indent="0">
-              <a:buNone/>
-              <a:defRPr sz="900"/>
+            <a:lvl7pPr marL="3657509" indent="0">
+              <a:buNone/>
+              <a:defRPr sz="1200"/>
             </a:lvl7pPr>
-            <a:lvl8pPr marL="3200400" indent="0">
-              <a:buNone/>
-              <a:defRPr sz="900"/>
+            <a:lvl8pPr marL="4267093" indent="0">
+              <a:buNone/>
+              <a:defRPr sz="1200"/>
             </a:lvl8pPr>
-            <a:lvl9pPr marL="3657600" indent="0">
-              <a:buNone/>
-              <a:defRPr sz="900"/>
+            <a:lvl9pPr marL="4876678" indent="0">
+              <a:buNone/>
+              <a:defRPr sz="1200"/>
             </a:lvl9pPr>
           </a:lstStyle>
           <a:p>
             <a:pPr lvl="0"/>
             <a:r>
-              <a:rPr lang="zh-TW" altLang="en-US" smtClean="0"/>
-              <a:t>按一下以編輯母片文字樣式</a:t>
+              <a:rPr lang="en-US" altLang="zh-TW" smtClean="0"/>
+              <a:t>Edit Master text styles</a:t>
             </a:r>
           </a:p>
         </p:txBody>
@@ -2250,12 +2269,11 @@
           <a:bodyPr/>
           <a:lstStyle/>
           <a:p>
-            <a:fld id="{717735A9-F327-42F6-AD64-78B6A63FD8E3}" type="datetimeFigureOut">
-              <a:rPr lang="en-US" smtClean="0"/>
-              <a:pPr/>
-              <a:t>3/8/2021</a:t>
+            <a:fld id="{E8040ED9-C24F-4461-8242-555DFFCA2203}" type="datetimeFigureOut">
+              <a:rPr lang="vi-VN" smtClean="0"/>
+              <a:t>23/03/2022</a:t>
             </a:fld>
-            <a:endParaRPr lang="en-US"/>
+            <a:endParaRPr lang="vi-VN"/>
           </a:p>
         </p:txBody>
       </p:sp>
@@ -2274,7 +2292,7 @@
           <a:bodyPr/>
           <a:lstStyle/>
           <a:p>
-            <a:endParaRPr lang="en-US"/>
+            <a:endParaRPr lang="vi-VN"/>
           </a:p>
         </p:txBody>
       </p:sp>
@@ -2293,16 +2311,20 @@
           <a:bodyPr/>
           <a:lstStyle/>
           <a:p>
-            <a:fld id="{EFE41CA1-A78B-4B16-B7AF-E0B37DE91997}" type="slidenum">
-              <a:rPr lang="en-US" smtClean="0"/>
-              <a:pPr/>
+            <a:fld id="{AC6F95AA-7B28-4F71-9CCD-2FB90122E28D}" type="slidenum">
+              <a:rPr lang="vi-VN" smtClean="0"/>
               <a:t>‹#›</a:t>
             </a:fld>
-            <a:endParaRPr lang="en-US"/>
+            <a:endParaRPr lang="vi-VN"/>
           </a:p>
         </p:txBody>
       </p:sp>
     </p:spTree>
+    <p:extLst>
+      <p:ext uri="{BB962C8B-B14F-4D97-AF65-F5344CB8AC3E}">
+        <p14:creationId xmlns:p14="http://schemas.microsoft.com/office/powerpoint/2010/main" val="397235824"/>
+      </p:ext>
+    </p:extLst>
   </p:cSld>
   <p:clrMapOvr>
     <a:masterClrMapping/>
@@ -2340,20 +2362,20 @@
         <p:spPr>
           <a:xfrm>
             <a:off x="2389717" y="4800600"/>
-            <a:ext cx="7315200" cy="566738"/>
+            <a:ext cx="7315200" cy="566739"/>
           </a:xfrm>
         </p:spPr>
         <p:txBody>
           <a:bodyPr anchor="b"/>
           <a:lstStyle>
             <a:lvl1pPr algn="l">
-              <a:defRPr sz="2000" b="1"/>
+              <a:defRPr sz="2667" b="1"/>
             </a:lvl1pPr>
           </a:lstStyle>
           <a:p>
             <a:r>
-              <a:rPr lang="zh-TW" altLang="en-US" smtClean="0"/>
-              <a:t>按一下以編輯母片標題樣式</a:t>
+              <a:rPr lang="en-US" altLang="zh-TW" smtClean="0"/>
+              <a:t>Click to edit Master title style</a:t>
             </a:r>
             <a:endParaRPr lang="zh-TW" altLang="en-US"/>
           </a:p>
@@ -2380,45 +2402,45 @@
           <a:lstStyle>
             <a:lvl1pPr marL="0" indent="0">
               <a:buNone/>
+              <a:defRPr sz="4267"/>
+            </a:lvl1pPr>
+            <a:lvl2pPr marL="609585" indent="0">
+              <a:buNone/>
+              <a:defRPr sz="3733"/>
+            </a:lvl2pPr>
+            <a:lvl3pPr marL="1219170" indent="0">
+              <a:buNone/>
               <a:defRPr sz="3200"/>
-            </a:lvl1pPr>
-            <a:lvl2pPr marL="457200" indent="0">
-              <a:buNone/>
-              <a:defRPr sz="2800"/>
-            </a:lvl2pPr>
-            <a:lvl3pPr marL="914400" indent="0">
-              <a:buNone/>
-              <a:defRPr sz="2400"/>
             </a:lvl3pPr>
-            <a:lvl4pPr marL="1371600" indent="0">
-              <a:buNone/>
-              <a:defRPr sz="2000"/>
+            <a:lvl4pPr marL="1828754" indent="0">
+              <a:buNone/>
+              <a:defRPr sz="2667"/>
             </a:lvl4pPr>
-            <a:lvl5pPr marL="1828800" indent="0">
-              <a:buNone/>
-              <a:defRPr sz="2000"/>
+            <a:lvl5pPr marL="2438339" indent="0">
+              <a:buNone/>
+              <a:defRPr sz="2667"/>
             </a:lvl5pPr>
-            <a:lvl6pPr marL="2286000" indent="0">
-              <a:buNone/>
-              <a:defRPr sz="2000"/>
+            <a:lvl6pPr marL="3047924" indent="0">
+              <a:buNone/>
+              <a:defRPr sz="2667"/>
             </a:lvl6pPr>
-            <a:lvl7pPr marL="2743200" indent="0">
-              <a:buNone/>
-              <a:defRPr sz="2000"/>
+            <a:lvl7pPr marL="3657509" indent="0">
+              <a:buNone/>
+              <a:defRPr sz="2667"/>
             </a:lvl7pPr>
-            <a:lvl8pPr marL="3200400" indent="0">
-              <a:buNone/>
-              <a:defRPr sz="2000"/>
+            <a:lvl8pPr marL="4267093" indent="0">
+              <a:buNone/>
+              <a:defRPr sz="2667"/>
             </a:lvl8pPr>
-            <a:lvl9pPr marL="3657600" indent="0">
-              <a:buNone/>
-              <a:defRPr sz="2000"/>
+            <a:lvl9pPr marL="4876678" indent="0">
+              <a:buNone/>
+              <a:defRPr sz="2667"/>
             </a:lvl9pPr>
           </a:lstStyle>
           <a:p>
             <a:r>
-              <a:rPr lang="zh-TW" altLang="en-US" smtClean="0"/>
-              <a:t>按一下圖示以新增圖片</a:t>
+              <a:rPr lang="en-US" altLang="zh-TW" smtClean="0"/>
+              <a:t>Click icon to add picture</a:t>
             </a:r>
             <a:endParaRPr lang="zh-TW" altLang="en-US"/>
           </a:p>
@@ -2437,7 +2459,7 @@
         <p:spPr>
           <a:xfrm>
             <a:off x="2389717" y="5367338"/>
-            <a:ext cx="7315200" cy="804862"/>
+            <a:ext cx="7315200" cy="804863"/>
           </a:xfrm>
         </p:spPr>
         <p:txBody>
@@ -2445,46 +2467,46 @@
           <a:lstStyle>
             <a:lvl1pPr marL="0" indent="0">
               <a:buNone/>
-              <a:defRPr sz="1400"/>
+              <a:defRPr sz="1867"/>
             </a:lvl1pPr>
-            <a:lvl2pPr marL="457200" indent="0">
+            <a:lvl2pPr marL="609585" indent="0">
+              <a:buNone/>
+              <a:defRPr sz="1600"/>
+            </a:lvl2pPr>
+            <a:lvl3pPr marL="1219170" indent="0">
+              <a:buNone/>
+              <a:defRPr sz="1333"/>
+            </a:lvl3pPr>
+            <a:lvl4pPr marL="1828754" indent="0">
               <a:buNone/>
               <a:defRPr sz="1200"/>
-            </a:lvl2pPr>
-            <a:lvl3pPr marL="914400" indent="0">
-              <a:buNone/>
-              <a:defRPr sz="1000"/>
-            </a:lvl3pPr>
-            <a:lvl4pPr marL="1371600" indent="0">
-              <a:buNone/>
-              <a:defRPr sz="900"/>
             </a:lvl4pPr>
-            <a:lvl5pPr marL="1828800" indent="0">
-              <a:buNone/>
-              <a:defRPr sz="900"/>
+            <a:lvl5pPr marL="2438339" indent="0">
+              <a:buNone/>
+              <a:defRPr sz="1200"/>
             </a:lvl5pPr>
-            <a:lvl6pPr marL="2286000" indent="0">
-              <a:buNone/>
-              <a:defRPr sz="900"/>
+            <a:lvl6pPr marL="3047924" indent="0">
+              <a:buNone/>
+              <a:defRPr sz="1200"/>
             </a:lvl6pPr>
-            <a:lvl7pPr marL="2743200" indent="0">
-              <a:buNone/>
-              <a:defRPr sz="900"/>
+            <a:lvl7pPr marL="3657509" indent="0">
+              <a:buNone/>
+              <a:defRPr sz="1200"/>
             </a:lvl7pPr>
-            <a:lvl8pPr marL="3200400" indent="0">
-              <a:buNone/>
-              <a:defRPr sz="900"/>
+            <a:lvl8pPr marL="4267093" indent="0">
+              <a:buNone/>
+              <a:defRPr sz="1200"/>
             </a:lvl8pPr>
-            <a:lvl9pPr marL="3657600" indent="0">
-              <a:buNone/>
-              <a:defRPr sz="900"/>
+            <a:lvl9pPr marL="4876678" indent="0">
+              <a:buNone/>
+              <a:defRPr sz="1200"/>
             </a:lvl9pPr>
           </a:lstStyle>
           <a:p>
             <a:pPr lvl="0"/>
             <a:r>
-              <a:rPr lang="zh-TW" altLang="en-US" smtClean="0"/>
-              <a:t>按一下以編輯母片文字樣式</a:t>
+              <a:rPr lang="en-US" altLang="zh-TW" smtClean="0"/>
+              <a:t>Edit Master text styles</a:t>
             </a:r>
           </a:p>
         </p:txBody>
@@ -2504,12 +2526,11 @@
           <a:bodyPr/>
           <a:lstStyle/>
           <a:p>
-            <a:fld id="{717735A9-F327-42F6-AD64-78B6A63FD8E3}" type="datetimeFigureOut">
-              <a:rPr lang="en-US" smtClean="0"/>
-              <a:pPr/>
-              <a:t>3/8/2021</a:t>
+            <a:fld id="{E8040ED9-C24F-4461-8242-555DFFCA2203}" type="datetimeFigureOut">
+              <a:rPr lang="vi-VN" smtClean="0"/>
+              <a:t>23/03/2022</a:t>
             </a:fld>
-            <a:endParaRPr lang="en-US"/>
+            <a:endParaRPr lang="vi-VN"/>
           </a:p>
         </p:txBody>
       </p:sp>
@@ -2528,7 +2549,7 @@
           <a:bodyPr/>
           <a:lstStyle/>
           <a:p>
-            <a:endParaRPr lang="en-US"/>
+            <a:endParaRPr lang="vi-VN"/>
           </a:p>
         </p:txBody>
       </p:sp>
@@ -2547,16 +2568,20 @@
           <a:bodyPr/>
           <a:lstStyle/>
           <a:p>
-            <a:fld id="{EFE41CA1-A78B-4B16-B7AF-E0B37DE91997}" type="slidenum">
-              <a:rPr lang="en-US" smtClean="0"/>
-              <a:pPr/>
+            <a:fld id="{AC6F95AA-7B28-4F71-9CCD-2FB90122E28D}" type="slidenum">
+              <a:rPr lang="vi-VN" smtClean="0"/>
               <a:t>‹#›</a:t>
             </a:fld>
-            <a:endParaRPr lang="en-US"/>
+            <a:endParaRPr lang="vi-VN"/>
           </a:p>
         </p:txBody>
       </p:sp>
     </p:spTree>
+    <p:extLst>
+      <p:ext uri="{BB962C8B-B14F-4D97-AF65-F5344CB8AC3E}">
+        <p14:creationId xmlns:p14="http://schemas.microsoft.com/office/powerpoint/2010/main" val="1891771855"/>
+      </p:ext>
+    </p:extLst>
   </p:cSld>
   <p:clrMapOvr>
     <a:masterClrMapping/>
@@ -2603,7 +2628,7 @@
         </p:nvSpPr>
         <p:spPr>
           <a:xfrm>
-            <a:off x="609600" y="274638"/>
+            <a:off x="609600" y="274639"/>
             <a:ext cx="10972800" cy="1143000"/>
           </a:xfrm>
           <a:prstGeom prst="rect">
@@ -2709,7 +2734,7 @@
           <a:bodyPr vert="horz" lIns="91440" tIns="45720" rIns="91440" bIns="45720" rtlCol="0" anchor="ctr"/>
           <a:lstStyle>
             <a:lvl1pPr algn="l">
-              <a:defRPr sz="1200">
+              <a:defRPr sz="1600">
                 <a:solidFill>
                   <a:schemeClr val="tx1">
                     <a:tint val="75000"/>
@@ -2719,12 +2744,11 @@
             </a:lvl1pPr>
           </a:lstStyle>
           <a:p>
-            <a:fld id="{717735A9-F327-42F6-AD64-78B6A63FD8E3}" type="datetimeFigureOut">
-              <a:rPr lang="en-US" smtClean="0"/>
-              <a:pPr/>
-              <a:t>3/8/2021</a:t>
+            <a:fld id="{E8040ED9-C24F-4461-8242-555DFFCA2203}" type="datetimeFigureOut">
+              <a:rPr lang="vi-VN" smtClean="0"/>
+              <a:t>23/03/2022</a:t>
             </a:fld>
-            <a:endParaRPr lang="en-US"/>
+            <a:endParaRPr lang="vi-VN"/>
           </a:p>
         </p:txBody>
       </p:sp>
@@ -2751,7 +2775,7 @@
           <a:bodyPr vert="horz" lIns="91440" tIns="45720" rIns="91440" bIns="45720" rtlCol="0" anchor="ctr"/>
           <a:lstStyle>
             <a:lvl1pPr algn="ctr">
-              <a:defRPr sz="1200">
+              <a:defRPr sz="1600">
                 <a:solidFill>
                   <a:schemeClr val="tx1">
                     <a:tint val="75000"/>
@@ -2761,7 +2785,7 @@
             </a:lvl1pPr>
           </a:lstStyle>
           <a:p>
-            <a:endParaRPr lang="en-US"/>
+            <a:endParaRPr lang="vi-VN"/>
           </a:p>
         </p:txBody>
       </p:sp>
@@ -2788,7 +2812,7 @@
           <a:bodyPr vert="horz" lIns="91440" tIns="45720" rIns="91440" bIns="45720" rtlCol="0" anchor="ctr"/>
           <a:lstStyle>
             <a:lvl1pPr algn="r">
-              <a:defRPr sz="1200">
+              <a:defRPr sz="1600">
                 <a:solidFill>
                   <a:schemeClr val="tx1">
                     <a:tint val="75000"/>
@@ -2798,16 +2822,20 @@
             </a:lvl1pPr>
           </a:lstStyle>
           <a:p>
-            <a:fld id="{EFE41CA1-A78B-4B16-B7AF-E0B37DE91997}" type="slidenum">
-              <a:rPr lang="en-US" smtClean="0"/>
-              <a:pPr/>
+            <a:fld id="{AC6F95AA-7B28-4F71-9CCD-2FB90122E28D}" type="slidenum">
+              <a:rPr lang="vi-VN" smtClean="0"/>
               <a:t>‹#›</a:t>
             </a:fld>
-            <a:endParaRPr lang="en-US"/>
+            <a:endParaRPr lang="vi-VN"/>
           </a:p>
         </p:txBody>
       </p:sp>
     </p:spTree>
+    <p:extLst>
+      <p:ext uri="{BB962C8B-B14F-4D97-AF65-F5344CB8AC3E}">
+        <p14:creationId xmlns:p14="http://schemas.microsoft.com/office/powerpoint/2010/main" val="2760230146"/>
+      </p:ext>
+    </p:extLst>
   </p:cSld>
   <p:clrMap bg1="lt1" tx1="dk1" bg2="lt2" tx2="dk2" accent1="accent1" accent2="accent2" accent3="accent3" accent4="accent4" accent5="accent5" accent6="accent6" hlink="hlink" folHlink="folHlink"/>
   <p:sldLayoutIdLst>
@@ -2825,12 +2853,12 @@
   </p:sldLayoutIdLst>
   <p:txStyles>
     <p:titleStyle>
-      <a:lvl1pPr algn="ctr" defTabSz="914400" rtl="0" eaLnBrk="1" latinLnBrk="0" hangingPunct="1">
+      <a:lvl1pPr algn="ctr" defTabSz="1219170" rtl="0" eaLnBrk="1" latinLnBrk="0" hangingPunct="1">
         <a:spcBef>
           <a:spcPct val="0"/>
         </a:spcBef>
         <a:buNone/>
-        <a:defRPr sz="4400" kern="1200">
+        <a:defRPr sz="5867" kern="1200">
           <a:solidFill>
             <a:schemeClr val="tx1"/>
           </a:solidFill>
@@ -2841,7 +2869,37 @@
       </a:lvl1pPr>
     </p:titleStyle>
     <p:bodyStyle>
-      <a:lvl1pPr marL="342900" indent="-342900" algn="l" defTabSz="914400" rtl="0" eaLnBrk="1" latinLnBrk="0" hangingPunct="1">
+      <a:lvl1pPr marL="457189" indent="-457189" algn="l" defTabSz="1219170" rtl="0" eaLnBrk="1" latinLnBrk="0" hangingPunct="1">
+        <a:spcBef>
+          <a:spcPct val="20000"/>
+        </a:spcBef>
+        <a:buFont typeface="Arial" pitchFamily="34" charset="0"/>
+        <a:buChar char="•"/>
+        <a:defRPr sz="4267" kern="1200">
+          <a:solidFill>
+            <a:schemeClr val="tx1"/>
+          </a:solidFill>
+          <a:latin typeface="+mn-lt"/>
+          <a:ea typeface="+mn-ea"/>
+          <a:cs typeface="+mn-cs"/>
+        </a:defRPr>
+      </a:lvl1pPr>
+      <a:lvl2pPr marL="990575" indent="-380990" algn="l" defTabSz="1219170" rtl="0" eaLnBrk="1" latinLnBrk="0" hangingPunct="1">
+        <a:spcBef>
+          <a:spcPct val="20000"/>
+        </a:spcBef>
+        <a:buFont typeface="Arial" pitchFamily="34" charset="0"/>
+        <a:buChar char="–"/>
+        <a:defRPr sz="3733" kern="1200">
+          <a:solidFill>
+            <a:schemeClr val="tx1"/>
+          </a:solidFill>
+          <a:latin typeface="+mn-lt"/>
+          <a:ea typeface="+mn-ea"/>
+          <a:cs typeface="+mn-cs"/>
+        </a:defRPr>
+      </a:lvl2pPr>
+      <a:lvl3pPr marL="1523962" indent="-304792" algn="l" defTabSz="1219170" rtl="0" eaLnBrk="1" latinLnBrk="0" hangingPunct="1">
         <a:spcBef>
           <a:spcPct val="20000"/>
         </a:spcBef>
@@ -2855,44 +2913,14 @@
           <a:ea typeface="+mn-ea"/>
           <a:cs typeface="+mn-cs"/>
         </a:defRPr>
-      </a:lvl1pPr>
-      <a:lvl2pPr marL="742950" indent="-285750" algn="l" defTabSz="914400" rtl="0" eaLnBrk="1" latinLnBrk="0" hangingPunct="1">
+      </a:lvl3pPr>
+      <a:lvl4pPr marL="2133547" indent="-304792" algn="l" defTabSz="1219170" rtl="0" eaLnBrk="1" latinLnBrk="0" hangingPunct="1">
         <a:spcBef>
           <a:spcPct val="20000"/>
         </a:spcBef>
         <a:buFont typeface="Arial" pitchFamily="34" charset="0"/>
         <a:buChar char="–"/>
-        <a:defRPr sz="2800" kern="1200">
-          <a:solidFill>
-            <a:schemeClr val="tx1"/>
-          </a:solidFill>
-          <a:latin typeface="+mn-lt"/>
-          <a:ea typeface="+mn-ea"/>
-          <a:cs typeface="+mn-cs"/>
-        </a:defRPr>
-      </a:lvl2pPr>
-      <a:lvl3pPr marL="1143000" indent="-228600" algn="l" defTabSz="914400" rtl="0" eaLnBrk="1" latinLnBrk="0" hangingPunct="1">
-        <a:spcBef>
-          <a:spcPct val="20000"/>
-        </a:spcBef>
-        <a:buFont typeface="Arial" pitchFamily="34" charset="0"/>
-        <a:buChar char="•"/>
-        <a:defRPr sz="2400" kern="1200">
-          <a:solidFill>
-            <a:schemeClr val="tx1"/>
-          </a:solidFill>
-          <a:latin typeface="+mn-lt"/>
-          <a:ea typeface="+mn-ea"/>
-          <a:cs typeface="+mn-cs"/>
-        </a:defRPr>
-      </a:lvl3pPr>
-      <a:lvl4pPr marL="1600200" indent="-228600" algn="l" defTabSz="914400" rtl="0" eaLnBrk="1" latinLnBrk="0" hangingPunct="1">
-        <a:spcBef>
-          <a:spcPct val="20000"/>
-        </a:spcBef>
-        <a:buFont typeface="Arial" pitchFamily="34" charset="0"/>
-        <a:buChar char="–"/>
-        <a:defRPr sz="2000" kern="1200">
+        <a:defRPr sz="2667" kern="1200">
           <a:solidFill>
             <a:schemeClr val="tx1"/>
           </a:solidFill>
@@ -2901,13 +2929,13 @@
           <a:cs typeface="+mn-cs"/>
         </a:defRPr>
       </a:lvl4pPr>
-      <a:lvl5pPr marL="2057400" indent="-228600" algn="l" defTabSz="914400" rtl="0" eaLnBrk="1" latinLnBrk="0" hangingPunct="1">
+      <a:lvl5pPr marL="2743131" indent="-304792" algn="l" defTabSz="1219170" rtl="0" eaLnBrk="1" latinLnBrk="0" hangingPunct="1">
         <a:spcBef>
           <a:spcPct val="20000"/>
         </a:spcBef>
         <a:buFont typeface="Arial" pitchFamily="34" charset="0"/>
         <a:buChar char="»"/>
-        <a:defRPr sz="2000" kern="1200">
+        <a:defRPr sz="2667" kern="1200">
           <a:solidFill>
             <a:schemeClr val="tx1"/>
           </a:solidFill>
@@ -2916,13 +2944,13 @@
           <a:cs typeface="+mn-cs"/>
         </a:defRPr>
       </a:lvl5pPr>
-      <a:lvl6pPr marL="2514600" indent="-228600" algn="l" defTabSz="914400" rtl="0" eaLnBrk="1" latinLnBrk="0" hangingPunct="1">
+      <a:lvl6pPr marL="3352716" indent="-304792" algn="l" defTabSz="1219170" rtl="0" eaLnBrk="1" latinLnBrk="0" hangingPunct="1">
         <a:spcBef>
           <a:spcPct val="20000"/>
         </a:spcBef>
         <a:buFont typeface="Arial" pitchFamily="34" charset="0"/>
         <a:buChar char="•"/>
-        <a:defRPr sz="2000" kern="1200">
+        <a:defRPr sz="2667" kern="1200">
           <a:solidFill>
             <a:schemeClr val="tx1"/>
           </a:solidFill>
@@ -2931,13 +2959,13 @@
           <a:cs typeface="+mn-cs"/>
         </a:defRPr>
       </a:lvl6pPr>
-      <a:lvl7pPr marL="2971800" indent="-228600" algn="l" defTabSz="914400" rtl="0" eaLnBrk="1" latinLnBrk="0" hangingPunct="1">
+      <a:lvl7pPr marL="3962301" indent="-304792" algn="l" defTabSz="1219170" rtl="0" eaLnBrk="1" latinLnBrk="0" hangingPunct="1">
         <a:spcBef>
           <a:spcPct val="20000"/>
         </a:spcBef>
         <a:buFont typeface="Arial" pitchFamily="34" charset="0"/>
         <a:buChar char="•"/>
-        <a:defRPr sz="2000" kern="1200">
+        <a:defRPr sz="2667" kern="1200">
           <a:solidFill>
             <a:schemeClr val="tx1"/>
           </a:solidFill>
@@ -2946,13 +2974,13 @@
           <a:cs typeface="+mn-cs"/>
         </a:defRPr>
       </a:lvl7pPr>
-      <a:lvl8pPr marL="3429000" indent="-228600" algn="l" defTabSz="914400" rtl="0" eaLnBrk="1" latinLnBrk="0" hangingPunct="1">
+      <a:lvl8pPr marL="4571886" indent="-304792" algn="l" defTabSz="1219170" rtl="0" eaLnBrk="1" latinLnBrk="0" hangingPunct="1">
         <a:spcBef>
           <a:spcPct val="20000"/>
         </a:spcBef>
         <a:buFont typeface="Arial" pitchFamily="34" charset="0"/>
         <a:buChar char="•"/>
-        <a:defRPr sz="2000" kern="1200">
+        <a:defRPr sz="2667" kern="1200">
           <a:solidFill>
             <a:schemeClr val="tx1"/>
           </a:solidFill>
@@ -2961,13 +2989,13 @@
           <a:cs typeface="+mn-cs"/>
         </a:defRPr>
       </a:lvl8pPr>
-      <a:lvl9pPr marL="3886200" indent="-228600" algn="l" defTabSz="914400" rtl="0" eaLnBrk="1" latinLnBrk="0" hangingPunct="1">
+      <a:lvl9pPr marL="5181470" indent="-304792" algn="l" defTabSz="1219170" rtl="0" eaLnBrk="1" latinLnBrk="0" hangingPunct="1">
         <a:spcBef>
           <a:spcPct val="20000"/>
         </a:spcBef>
         <a:buFont typeface="Arial" pitchFamily="34" charset="0"/>
         <a:buChar char="•"/>
-        <a:defRPr sz="2000" kern="1200">
+        <a:defRPr sz="2667" kern="1200">
           <a:solidFill>
             <a:schemeClr val="tx1"/>
           </a:solidFill>
@@ -2981,8 +3009,8 @@
       <a:defPPr>
         <a:defRPr lang="zh-TW"/>
       </a:defPPr>
-      <a:lvl1pPr marL="0" algn="l" defTabSz="914400" rtl="0" eaLnBrk="1" latinLnBrk="0" hangingPunct="1">
-        <a:defRPr sz="1800" kern="1200">
+      <a:lvl1pPr marL="0" algn="l" defTabSz="1219170" rtl="0" eaLnBrk="1" latinLnBrk="0" hangingPunct="1">
+        <a:defRPr sz="2400" kern="1200">
           <a:solidFill>
             <a:schemeClr val="tx1"/>
           </a:solidFill>
@@ -2991,8 +3019,8 @@
           <a:cs typeface="+mn-cs"/>
         </a:defRPr>
       </a:lvl1pPr>
-      <a:lvl2pPr marL="457200" algn="l" defTabSz="914400" rtl="0" eaLnBrk="1" latinLnBrk="0" hangingPunct="1">
-        <a:defRPr sz="1800" kern="1200">
+      <a:lvl2pPr marL="609585" algn="l" defTabSz="1219170" rtl="0" eaLnBrk="1" latinLnBrk="0" hangingPunct="1">
+        <a:defRPr sz="2400" kern="1200">
           <a:solidFill>
             <a:schemeClr val="tx1"/>
           </a:solidFill>
@@ -3001,8 +3029,8 @@
           <a:cs typeface="+mn-cs"/>
         </a:defRPr>
       </a:lvl2pPr>
-      <a:lvl3pPr marL="914400" algn="l" defTabSz="914400" rtl="0" eaLnBrk="1" latinLnBrk="0" hangingPunct="1">
-        <a:defRPr sz="1800" kern="1200">
+      <a:lvl3pPr marL="1219170" algn="l" defTabSz="1219170" rtl="0" eaLnBrk="1" latinLnBrk="0" hangingPunct="1">
+        <a:defRPr sz="2400" kern="1200">
           <a:solidFill>
             <a:schemeClr val="tx1"/>
           </a:solidFill>
@@ -3011,8 +3039,8 @@
           <a:cs typeface="+mn-cs"/>
         </a:defRPr>
       </a:lvl3pPr>
-      <a:lvl4pPr marL="1371600" algn="l" defTabSz="914400" rtl="0" eaLnBrk="1" latinLnBrk="0" hangingPunct="1">
-        <a:defRPr sz="1800" kern="1200">
+      <a:lvl4pPr marL="1828754" algn="l" defTabSz="1219170" rtl="0" eaLnBrk="1" latinLnBrk="0" hangingPunct="1">
+        <a:defRPr sz="2400" kern="1200">
           <a:solidFill>
             <a:schemeClr val="tx1"/>
           </a:solidFill>
@@ -3021,8 +3049,8 @@
           <a:cs typeface="+mn-cs"/>
         </a:defRPr>
       </a:lvl4pPr>
-      <a:lvl5pPr marL="1828800" algn="l" defTabSz="914400" rtl="0" eaLnBrk="1" latinLnBrk="0" hangingPunct="1">
-        <a:defRPr sz="1800" kern="1200">
+      <a:lvl5pPr marL="2438339" algn="l" defTabSz="1219170" rtl="0" eaLnBrk="1" latinLnBrk="0" hangingPunct="1">
+        <a:defRPr sz="2400" kern="1200">
           <a:solidFill>
             <a:schemeClr val="tx1"/>
           </a:solidFill>
@@ -3031,8 +3059,8 @@
           <a:cs typeface="+mn-cs"/>
         </a:defRPr>
       </a:lvl5pPr>
-      <a:lvl6pPr marL="2286000" algn="l" defTabSz="914400" rtl="0" eaLnBrk="1" latinLnBrk="0" hangingPunct="1">
-        <a:defRPr sz="1800" kern="1200">
+      <a:lvl6pPr marL="3047924" algn="l" defTabSz="1219170" rtl="0" eaLnBrk="1" latinLnBrk="0" hangingPunct="1">
+        <a:defRPr sz="2400" kern="1200">
           <a:solidFill>
             <a:schemeClr val="tx1"/>
           </a:solidFill>
@@ -3041,8 +3069,8 @@
           <a:cs typeface="+mn-cs"/>
         </a:defRPr>
       </a:lvl6pPr>
-      <a:lvl7pPr marL="2743200" algn="l" defTabSz="914400" rtl="0" eaLnBrk="1" latinLnBrk="0" hangingPunct="1">
-        <a:defRPr sz="1800" kern="1200">
+      <a:lvl7pPr marL="3657509" algn="l" defTabSz="1219170" rtl="0" eaLnBrk="1" latinLnBrk="0" hangingPunct="1">
+        <a:defRPr sz="2400" kern="1200">
           <a:solidFill>
             <a:schemeClr val="tx1"/>
           </a:solidFill>
@@ -3051,8 +3079,8 @@
           <a:cs typeface="+mn-cs"/>
         </a:defRPr>
       </a:lvl7pPr>
-      <a:lvl8pPr marL="3200400" algn="l" defTabSz="914400" rtl="0" eaLnBrk="1" latinLnBrk="0" hangingPunct="1">
-        <a:defRPr sz="1800" kern="1200">
+      <a:lvl8pPr marL="4267093" algn="l" defTabSz="1219170" rtl="0" eaLnBrk="1" latinLnBrk="0" hangingPunct="1">
+        <a:defRPr sz="2400" kern="1200">
           <a:solidFill>
             <a:schemeClr val="tx1"/>
           </a:solidFill>
@@ -3061,8 +3089,8 @@
           <a:cs typeface="+mn-cs"/>
         </a:defRPr>
       </a:lvl8pPr>
-      <a:lvl9pPr marL="3657600" algn="l" defTabSz="914400" rtl="0" eaLnBrk="1" latinLnBrk="0" hangingPunct="1">
-        <a:defRPr sz="1800" kern="1200">
+      <a:lvl9pPr marL="4876678" algn="l" defTabSz="1219170" rtl="0" eaLnBrk="1" latinLnBrk="0" hangingPunct="1">
+        <a:defRPr sz="2400" kern="1200">
           <a:solidFill>
             <a:schemeClr val="tx1"/>
           </a:solidFill>
@@ -3095,7 +3123,7 @@
       </p:grpSpPr>
       <p:sp>
         <p:nvSpPr>
-          <p:cNvPr id="2" name="Title 1"/>
+          <p:cNvPr id="4" name="標題 3"/>
           <p:cNvSpPr>
             <a:spLocks noGrp="1"/>
           </p:cNvSpPr>
@@ -3103,7 +3131,12 @@
             <p:ph type="title"/>
           </p:nvPr>
         </p:nvSpPr>
-        <p:spPr/>
+        <p:spPr>
+          <a:xfrm>
+            <a:off x="0" y="2660915"/>
+            <a:ext cx="12192000" cy="1143000"/>
+          </a:xfrm>
+        </p:spPr>
         <p:txBody>
           <a:bodyPr>
             <a:noAutofit/>
@@ -3111,224 +3144,48 @@
           <a:lstStyle/>
           <a:p>
             <a:r>
-              <a:rPr lang="zh-TW" altLang="en-US" sz="4800" b="1" dirty="0" smtClean="0">
-                <a:solidFill>
-                  <a:srgbClr val="660033"/>
-                </a:solidFill>
+              <a:rPr lang="zh-TW" altLang="en-US" sz="7200" b="1" i="1" dirty="0" smtClean="0">
+                <a:solidFill>
+                  <a:srgbClr val="660033"/>
+                </a:solidFill>
+                <a:effectLst>
+                  <a:outerShdw blurRad="38100" dist="38100" dir="2700000" algn="tl">
+                    <a:srgbClr val="000000">
+                      <a:alpha val="43137"/>
+                    </a:srgbClr>
+                  </a:outerShdw>
+                </a:effectLst>
                 <a:latin typeface="微軟正黑體" pitchFamily="34" charset="-120"/>
                 <a:ea typeface="微軟正黑體" pitchFamily="34" charset="-120"/>
               </a:rPr>
               <a:t>主</a:t>
             </a:r>
             <a:r>
-              <a:rPr lang="zh-TW" altLang="en-US" sz="4800" b="1" dirty="0">
-                <a:solidFill>
-                  <a:srgbClr val="660033"/>
-                </a:solidFill>
+              <a:rPr lang="zh-TW" altLang="en-US" sz="7200" b="1" i="1" dirty="0">
+                <a:solidFill>
+                  <a:srgbClr val="660033"/>
+                </a:solidFill>
+                <a:effectLst>
+                  <a:outerShdw blurRad="38100" dist="38100" dir="2700000" algn="tl">
+                    <a:srgbClr val="000000">
+                      <a:alpha val="43137"/>
+                    </a:srgbClr>
+                  </a:outerShdw>
+                </a:effectLst>
                 <a:latin typeface="微軟正黑體" pitchFamily="34" charset="-120"/>
                 <a:ea typeface="微軟正黑體" pitchFamily="34" charset="-120"/>
               </a:rPr>
-              <a:t>禱</a:t>
-            </a:r>
-            <a:r>
-              <a:rPr lang="zh-TW" altLang="en-US" sz="4800" b="1" dirty="0" smtClean="0">
-                <a:solidFill>
-                  <a:srgbClr val="660033"/>
-                </a:solidFill>
-                <a:latin typeface="微軟正黑體" pitchFamily="34" charset="-120"/>
-                <a:ea typeface="微軟正黑體" pitchFamily="34" charset="-120"/>
-              </a:rPr>
-              <a:t>文</a:t>
-            </a:r>
-            <a:endParaRPr lang="en-US" sz="4800" b="1" dirty="0">
-              <a:solidFill>
-                <a:srgbClr val="660033"/>
-              </a:solidFill>
-              <a:latin typeface="微軟正黑體" pitchFamily="34" charset="-120"/>
-              <a:ea typeface="微軟正黑體" pitchFamily="34" charset="-120"/>
-            </a:endParaRPr>
-          </a:p>
-        </p:txBody>
-      </p:sp>
-      <p:sp>
-        <p:nvSpPr>
-          <p:cNvPr id="3" name="Content Placeholder 2"/>
-          <p:cNvSpPr>
-            <a:spLocks noGrp="1"/>
-          </p:cNvSpPr>
-          <p:nvPr>
-            <p:ph idx="1"/>
-          </p:nvPr>
-        </p:nvSpPr>
-        <p:spPr/>
-        <p:txBody>
-          <a:bodyPr>
-            <a:noAutofit/>
-          </a:bodyPr>
-          <a:lstStyle/>
-          <a:p>
-            <a:pPr algn="ctr">
-              <a:buNone/>
-            </a:pPr>
-            <a:r>
-              <a:rPr lang="zh-TW" altLang="en-US" sz="5400" b="1" dirty="0">
-                <a:solidFill>
-                  <a:srgbClr val="660033"/>
-                </a:solidFill>
-                <a:latin typeface="微軟正黑體" pitchFamily="34" charset="-120"/>
-                <a:ea typeface="微軟正黑體" pitchFamily="34" charset="-120"/>
-              </a:rPr>
-              <a:t>天父祢名是多麼美 </a:t>
-            </a:r>
-            <a:endParaRPr lang="en-US" altLang="zh-TW" sz="5400" b="1" dirty="0">
-              <a:solidFill>
-                <a:srgbClr val="660033"/>
-              </a:solidFill>
-              <a:latin typeface="微軟正黑體" pitchFamily="34" charset="-120"/>
-              <a:ea typeface="微軟正黑體" pitchFamily="34" charset="-120"/>
-            </a:endParaRPr>
-          </a:p>
-          <a:p>
-            <a:pPr algn="ctr">
-              <a:buNone/>
-            </a:pPr>
-            <a:r>
-              <a:rPr lang="zh-TW" altLang="en-US" sz="5400" b="1" dirty="0">
-                <a:solidFill>
-                  <a:srgbClr val="660033"/>
-                </a:solidFill>
-                <a:latin typeface="微軟正黑體" pitchFamily="34" charset="-120"/>
-                <a:ea typeface="微軟正黑體" pitchFamily="34" charset="-120"/>
-              </a:rPr>
-              <a:t>榮耀遍全地</a:t>
-            </a:r>
-            <a:endParaRPr lang="en-US" sz="5400" b="1" dirty="0">
-              <a:solidFill>
-                <a:srgbClr val="660033"/>
-              </a:solidFill>
-              <a:latin typeface="微軟正黑體" pitchFamily="34" charset="-120"/>
-              <a:ea typeface="微軟正黑體" pitchFamily="34" charset="-120"/>
-            </a:endParaRPr>
-          </a:p>
-          <a:p>
-            <a:pPr algn="ctr">
-              <a:buNone/>
-            </a:pPr>
-            <a:r>
-              <a:rPr lang="zh-TW" altLang="en-US" sz="5400" b="1" dirty="0">
-                <a:solidFill>
-                  <a:srgbClr val="660033"/>
-                </a:solidFill>
-                <a:latin typeface="微軟正黑體" pitchFamily="34" charset="-120"/>
-                <a:ea typeface="微軟正黑體" pitchFamily="34" charset="-120"/>
-              </a:rPr>
-              <a:t>在禱告良辰 靜觀祢的美</a:t>
-            </a:r>
-            <a:r>
-              <a:rPr lang="en-US" sz="4000" b="1" dirty="0">
-                <a:solidFill>
-                  <a:srgbClr val="660033"/>
-                </a:solidFill>
-                <a:latin typeface="微軟正黑體" pitchFamily="34" charset="-120"/>
-                <a:ea typeface="微軟正黑體" pitchFamily="34" charset="-120"/>
-              </a:rPr>
-              <a:t/>
-            </a:r>
-            <a:br>
-              <a:rPr lang="en-US" sz="4000" b="1" dirty="0">
-                <a:solidFill>
-                  <a:srgbClr val="660033"/>
-                </a:solidFill>
-                <a:latin typeface="微軟正黑體" pitchFamily="34" charset="-120"/>
-                <a:ea typeface="微軟正黑體" pitchFamily="34" charset="-120"/>
-              </a:rPr>
-            </a:br>
-            <a:endParaRPr lang="en-US" sz="4000" b="1" dirty="0">
-              <a:solidFill>
-                <a:srgbClr val="660033"/>
-              </a:solidFill>
-              <a:latin typeface="微軟正黑體" pitchFamily="34" charset="-120"/>
-              <a:ea typeface="微軟正黑體" pitchFamily="34" charset="-120"/>
-            </a:endParaRPr>
-          </a:p>
-          <a:p>
-            <a:pPr algn="ctr">
-              <a:buNone/>
-            </a:pPr>
-            <a:r>
-              <a:rPr lang="en-US" sz="4000" b="1" dirty="0">
-                <a:solidFill>
-                  <a:srgbClr val="660033"/>
-                </a:solidFill>
-                <a:latin typeface="微軟正黑體" pitchFamily="34" charset="-120"/>
-                <a:ea typeface="微軟正黑體" pitchFamily="34" charset="-120"/>
-              </a:rPr>
-              <a:t/>
-            </a:r>
-            <a:br>
-              <a:rPr lang="en-US" sz="4000" b="1" dirty="0">
-                <a:solidFill>
-                  <a:srgbClr val="660033"/>
-                </a:solidFill>
-                <a:latin typeface="微軟正黑體" pitchFamily="34" charset="-120"/>
-                <a:ea typeface="微軟正黑體" pitchFamily="34" charset="-120"/>
-              </a:rPr>
-            </a:br>
-            <a:r>
-              <a:rPr lang="en-US" sz="1600" b="1" dirty="0">
-                <a:solidFill>
-                  <a:srgbClr val="660033"/>
-                </a:solidFill>
-                <a:latin typeface="微軟正黑體" pitchFamily="34" charset="-120"/>
-                <a:ea typeface="微軟正黑體" pitchFamily="34" charset="-120"/>
-              </a:rPr>
-              <a:t>			</a:t>
-            </a:r>
-          </a:p>
-          <a:p>
-            <a:pPr algn="ctr">
-              <a:buNone/>
-            </a:pPr>
-            <a:r>
-              <a:rPr lang="en-US" sz="2000" b="1" dirty="0">
-                <a:solidFill>
-                  <a:srgbClr val="660033"/>
-                </a:solidFill>
-                <a:latin typeface="微軟正黑體" pitchFamily="34" charset="-120"/>
-                <a:ea typeface="微軟正黑體" pitchFamily="34" charset="-120"/>
-              </a:rPr>
-              <a:t>[Verse 1]</a:t>
-            </a:r>
-            <a:r>
-              <a:rPr lang="en-US" sz="4000" b="1" dirty="0">
-                <a:solidFill>
-                  <a:srgbClr val="660033"/>
-                </a:solidFill>
-                <a:latin typeface="微軟正黑體" pitchFamily="34" charset="-120"/>
-                <a:ea typeface="微軟正黑體" pitchFamily="34" charset="-120"/>
-              </a:rPr>
-              <a:t/>
-            </a:r>
-            <a:br>
-              <a:rPr lang="en-US" sz="4000" b="1" dirty="0">
-                <a:solidFill>
-                  <a:srgbClr val="660033"/>
-                </a:solidFill>
-                <a:latin typeface="微軟正黑體" pitchFamily="34" charset="-120"/>
-                <a:ea typeface="微軟正黑體" pitchFamily="34" charset="-120"/>
-              </a:rPr>
-            </a:br>
-            <a:endParaRPr lang="en-US" sz="4000" b="1" dirty="0">
-              <a:solidFill>
-                <a:srgbClr val="660033"/>
-              </a:solidFill>
-              <a:latin typeface="微軟正黑體" pitchFamily="34" charset="-120"/>
-              <a:ea typeface="微軟正黑體" pitchFamily="34" charset="-120"/>
-            </a:endParaRPr>
+              <a:t>禱文</a:t>
+            </a:r>
           </a:p>
         </p:txBody>
       </p:sp>
     </p:spTree>
+    <p:extLst>
+      <p:ext uri="{BB962C8B-B14F-4D97-AF65-F5344CB8AC3E}">
+        <p14:creationId xmlns:p14="http://schemas.microsoft.com/office/powerpoint/2010/main" val="3674329656"/>
+      </p:ext>
+    </p:extLst>
   </p:cSld>
   <p:clrMapOvr>
     <a:masterClrMapping/>
@@ -3355,70 +3212,40 @@
       </p:grpSpPr>
       <p:sp>
         <p:nvSpPr>
-          <p:cNvPr id="2" name="Title 1"/>
-          <p:cNvSpPr>
-            <a:spLocks noGrp="1"/>
-          </p:cNvSpPr>
-          <p:nvPr>
-            <p:ph type="title"/>
-          </p:nvPr>
-        </p:nvSpPr>
-        <p:spPr/>
-        <p:txBody>
-          <a:bodyPr>
-            <a:noAutofit/>
+          <p:cNvPr id="5" name="內容版面配置區 4"/>
+          <p:cNvSpPr>
+            <a:spLocks noGrp="1"/>
+          </p:cNvSpPr>
+          <p:nvPr>
+            <p:ph idx="1"/>
+          </p:nvPr>
+        </p:nvSpPr>
+        <p:spPr>
+          <a:xfrm>
+            <a:off x="0" y="2084851"/>
+            <a:ext cx="12192000" cy="2404863"/>
+          </a:xfrm>
+        </p:spPr>
+        <p:txBody>
+          <a:bodyPr anchor="ctr">
+            <a:normAutofit/>
           </a:bodyPr>
           <a:lstStyle/>
           <a:p>
-            <a:r>
-              <a:rPr lang="en-US" altLang="zh-TW" sz="5000" b="1" dirty="0">
+            <a:pPr algn="ctr">
+              <a:buNone/>
+            </a:pPr>
+            <a:r>
+              <a:rPr lang="zh-TW" altLang="en-US" sz="6400" b="1" dirty="0">
                 <a:solidFill>
                   <a:srgbClr val="660033"/>
                 </a:solidFill>
                 <a:latin typeface="微軟正黑體" pitchFamily="34" charset="-120"/>
                 <a:ea typeface="微軟正黑體" pitchFamily="34" charset="-120"/>
               </a:rPr>
-              <a:t/>
-            </a:r>
-            <a:br>
-              <a:rPr lang="en-US" altLang="zh-TW" sz="5000" b="1" dirty="0">
-                <a:solidFill>
-                  <a:srgbClr val="660033"/>
-                </a:solidFill>
-                <a:latin typeface="微軟正黑體" pitchFamily="34" charset="-120"/>
-                <a:ea typeface="微軟正黑體" pitchFamily="34" charset="-120"/>
-              </a:rPr>
-            </a:br>
-            <a:r>
-              <a:rPr lang="zh-TW" altLang="en-US" sz="5000" b="1" dirty="0">
-                <a:solidFill>
-                  <a:srgbClr val="660033"/>
-                </a:solidFill>
-                <a:latin typeface="微軟正黑體" pitchFamily="34" charset="-120"/>
-                <a:ea typeface="微軟正黑體" pitchFamily="34" charset="-120"/>
-              </a:rPr>
-              <a:t>主禱文</a:t>
-            </a:r>
-            <a:r>
-              <a:rPr lang="en-US" sz="5000" b="1" dirty="0">
-                <a:solidFill>
-                  <a:srgbClr val="660033"/>
-                </a:solidFill>
-                <a:latin typeface="微軟正黑體" pitchFamily="34" charset="-120"/>
-                <a:ea typeface="微軟正黑體" pitchFamily="34" charset="-120"/>
-              </a:rPr>
-              <a:t/>
-            </a:r>
-            <a:br>
-              <a:rPr lang="en-US" sz="5000" b="1" dirty="0">
-                <a:solidFill>
-                  <a:srgbClr val="660033"/>
-                </a:solidFill>
-                <a:latin typeface="微軟正黑體" pitchFamily="34" charset="-120"/>
-                <a:ea typeface="微軟正黑體" pitchFamily="34" charset="-120"/>
-              </a:rPr>
-            </a:br>
-            <a:endParaRPr lang="en-US" sz="5000" b="1" dirty="0">
+              <a:t>今日  我求問主的國 </a:t>
+            </a:r>
+            <a:endParaRPr lang="en-US" altLang="zh-TW" sz="6400" b="1" dirty="0">
               <a:solidFill>
                 <a:srgbClr val="660033"/>
               </a:solidFill>
@@ -3426,59 +3253,21 @@
               <a:ea typeface="微軟正黑體" pitchFamily="34" charset="-120"/>
             </a:endParaRPr>
           </a:p>
-        </p:txBody>
-      </p:sp>
-      <p:sp>
-        <p:nvSpPr>
-          <p:cNvPr id="3" name="Content Placeholder 2"/>
-          <p:cNvSpPr>
-            <a:spLocks noGrp="1"/>
-          </p:cNvSpPr>
-          <p:nvPr>
-            <p:ph idx="1"/>
-          </p:nvPr>
-        </p:nvSpPr>
-        <p:spPr/>
-        <p:txBody>
-          <a:bodyPr>
-            <a:noAutofit/>
-          </a:bodyPr>
-          <a:lstStyle/>
           <a:p>
             <a:pPr algn="ctr">
               <a:buNone/>
             </a:pPr>
             <a:r>
-              <a:rPr lang="zh-TW" altLang="en-US" sz="5400" b="1" dirty="0" smtClean="0">
+              <a:rPr lang="zh-TW" altLang="en-US" sz="6400" b="1" dirty="0">
                 <a:solidFill>
                   <a:srgbClr val="660033"/>
                 </a:solidFill>
                 <a:latin typeface="微軟正黑體" pitchFamily="34" charset="-120"/>
                 <a:ea typeface="微軟正黑體" pitchFamily="34" charset="-120"/>
               </a:rPr>
-              <a:t>我</a:t>
-            </a:r>
-            <a:r>
-              <a:rPr lang="zh-TW" altLang="en-US" sz="5400" b="1" dirty="0">
-                <a:solidFill>
-                  <a:srgbClr val="660033"/>
-                </a:solidFill>
-                <a:latin typeface="微軟正黑體" pitchFamily="34" charset="-120"/>
-                <a:ea typeface="微軟正黑體" pitchFamily="34" charset="-120"/>
-              </a:rPr>
-              <a:t>們在天上的</a:t>
-            </a:r>
-            <a:r>
-              <a:rPr lang="zh-TW" altLang="en-US" sz="5400" b="1" dirty="0" smtClean="0">
-                <a:solidFill>
-                  <a:srgbClr val="660033"/>
-                </a:solidFill>
-                <a:latin typeface="微軟正黑體" pitchFamily="34" charset="-120"/>
-                <a:ea typeface="微軟正黑體" pitchFamily="34" charset="-120"/>
-              </a:rPr>
-              <a:t>父</a:t>
-            </a:r>
-            <a:endParaRPr lang="en-US" altLang="zh-TW" sz="5400" b="1" dirty="0" smtClean="0">
+              <a:t>求問主的義</a:t>
+            </a:r>
+            <a:endParaRPr lang="en-US" sz="6400" b="1" dirty="0">
               <a:solidFill>
                 <a:srgbClr val="660033"/>
               </a:solidFill>
@@ -3486,31 +3275,131 @@
               <a:ea typeface="微軟正黑體" pitchFamily="34" charset="-120"/>
             </a:endParaRPr>
           </a:p>
+        </p:txBody>
+      </p:sp>
+      <p:sp>
+        <p:nvSpPr>
+          <p:cNvPr id="2" name="TextBox 1"/>
+          <p:cNvSpPr txBox="1"/>
+          <p:nvPr/>
+        </p:nvSpPr>
+        <p:spPr>
+          <a:xfrm>
+            <a:off x="0" y="5158596"/>
+            <a:ext cx="12192000" cy="769441"/>
+          </a:xfrm>
+          <a:prstGeom prst="rect">
+            <a:avLst/>
+          </a:prstGeom>
+          <a:noFill/>
+        </p:spPr>
+        <p:txBody>
+          <a:bodyPr wrap="square" rtlCol="0">
+            <a:spAutoFit/>
+          </a:bodyPr>
+          <a:lstStyle/>
+          <a:p>
+            <a:pPr algn="ctr"/>
+            <a:r>
+              <a:rPr lang="en-US" sz="4400" b="1" dirty="0" smtClean="0">
+                <a:solidFill>
+                  <a:srgbClr val="660033"/>
+                </a:solidFill>
+              </a:rPr>
+              <a:t>( Verse 2 </a:t>
+            </a:r>
+            <a:r>
+              <a:rPr lang="en-US" sz="4400" b="1" dirty="0">
+                <a:solidFill>
+                  <a:srgbClr val="660033"/>
+                </a:solidFill>
+              </a:rPr>
+              <a:t>)</a:t>
+            </a:r>
+            <a:endParaRPr lang="vi-VN" sz="4400" b="1" dirty="0">
+              <a:solidFill>
+                <a:srgbClr val="660033"/>
+              </a:solidFill>
+            </a:endParaRPr>
+          </a:p>
+        </p:txBody>
+      </p:sp>
+    </p:spTree>
+    <p:extLst>
+      <p:ext uri="{BB962C8B-B14F-4D97-AF65-F5344CB8AC3E}">
+        <p14:creationId xmlns:p14="http://schemas.microsoft.com/office/powerpoint/2010/main" val="3262336203"/>
+      </p:ext>
+    </p:extLst>
+  </p:cSld>
+  <p:clrMapOvr>
+    <a:masterClrMapping/>
+  </p:clrMapOvr>
+</p:sld>
+</file>
+
+<file path=ppt/slides/slide11.xml><?xml version="1.0" encoding="utf-8"?>
+<p:sld xmlns:a="http://schemas.openxmlformats.org/drawingml/2006/main" xmlns:r="http://schemas.openxmlformats.org/officeDocument/2006/relationships" xmlns:p="http://schemas.openxmlformats.org/presentationml/2006/main">
+  <p:cSld>
+    <p:spTree>
+      <p:nvGrpSpPr>
+        <p:cNvPr id="1" name=""/>
+        <p:cNvGrpSpPr/>
+        <p:nvPr/>
+      </p:nvGrpSpPr>
+      <p:grpSpPr>
+        <a:xfrm>
+          <a:off x="0" y="0"/>
+          <a:ext cx="0" cy="0"/>
+          <a:chOff x="0" y="0"/>
+          <a:chExt cx="0" cy="0"/>
+        </a:xfrm>
+      </p:grpSpPr>
+      <p:sp>
+        <p:nvSpPr>
+          <p:cNvPr id="5" name="內容版面配置區 4"/>
+          <p:cNvSpPr>
+            <a:spLocks noGrp="1"/>
+          </p:cNvSpPr>
+          <p:nvPr>
+            <p:ph idx="1"/>
+          </p:nvPr>
+        </p:nvSpPr>
+        <p:spPr>
+          <a:xfrm>
+            <a:off x="0" y="2084851"/>
+            <a:ext cx="12192000" cy="2404863"/>
+          </a:xfrm>
+        </p:spPr>
+        <p:txBody>
+          <a:bodyPr anchor="ctr">
+            <a:normAutofit/>
+          </a:bodyPr>
+          <a:lstStyle/>
           <a:p>
             <a:pPr algn="ctr">
               <a:buNone/>
             </a:pPr>
             <a:r>
-              <a:rPr lang="zh-TW" altLang="en-US" sz="5400" b="1" dirty="0" smtClean="0">
+              <a:rPr lang="zh-TW" altLang="en-US" sz="6400" b="1" dirty="0">
                 <a:solidFill>
                   <a:srgbClr val="660033"/>
                 </a:solidFill>
                 <a:latin typeface="微軟正黑體" pitchFamily="34" charset="-120"/>
                 <a:ea typeface="微軟正黑體" pitchFamily="34" charset="-120"/>
               </a:rPr>
-              <a:t>願</a:t>
-            </a:r>
-            <a:r>
-              <a:rPr lang="zh-TW" altLang="en-US" sz="5400" b="1" dirty="0">
+              <a:t>王的旨</a:t>
+            </a:r>
+            <a:r>
+              <a:rPr lang="zh-TW" altLang="en-US" sz="6400" b="1" dirty="0">
                 <a:solidFill>
                   <a:srgbClr val="660033"/>
                 </a:solidFill>
                 <a:latin typeface="微軟正黑體" pitchFamily="34" charset="-120"/>
                 <a:ea typeface="微軟正黑體" pitchFamily="34" charset="-120"/>
               </a:rPr>
-              <a:t>人都尊祢名為聖</a:t>
-            </a:r>
-            <a:endParaRPr lang="en-US" sz="2800" b="1" dirty="0">
+              <a:t>意</a:t>
+            </a:r>
+            <a:endParaRPr lang="en-US" altLang="zh-TW" sz="6400" b="1" dirty="0">
               <a:solidFill>
                 <a:srgbClr val="660033"/>
               </a:solidFill>
@@ -3522,7 +3411,27 @@
             <a:pPr algn="ctr">
               <a:buNone/>
             </a:pPr>
-            <a:endParaRPr lang="en-US" sz="2800" b="1" dirty="0">
+            <a:r>
+              <a:rPr lang="zh-TW" altLang="en-US" sz="6400" b="1" dirty="0">
+                <a:solidFill>
+                  <a:srgbClr val="660033"/>
+                </a:solidFill>
+                <a:latin typeface="微軟正黑體" pitchFamily="34" charset="-120"/>
+                <a:ea typeface="微軟正黑體" pitchFamily="34" charset="-120"/>
+              </a:rPr>
+              <a:t>如</a:t>
+            </a:r>
+            <a:r>
+              <a:rPr lang="zh-TW" altLang="en-US" sz="6400" b="1" dirty="0">
+                <a:solidFill>
+                  <a:srgbClr val="660033"/>
+                </a:solidFill>
+                <a:latin typeface="微軟正黑體" pitchFamily="34" charset="-120"/>
+                <a:ea typeface="微軟正黑體" pitchFamily="34" charset="-120"/>
+              </a:rPr>
+              <a:t>陽光遍地彰顯</a:t>
+            </a:r>
+            <a:endParaRPr lang="en-US" altLang="zh-TW" sz="6400" b="1" dirty="0">
               <a:solidFill>
                 <a:srgbClr val="660033"/>
               </a:solidFill>
@@ -3530,78 +3439,121 @@
               <a:ea typeface="微軟正黑體" pitchFamily="34" charset="-120"/>
             </a:endParaRPr>
           </a:p>
+        </p:txBody>
+      </p:sp>
+      <p:sp>
+        <p:nvSpPr>
+          <p:cNvPr id="2" name="TextBox 1"/>
+          <p:cNvSpPr txBox="1"/>
+          <p:nvPr/>
+        </p:nvSpPr>
+        <p:spPr>
+          <a:xfrm>
+            <a:off x="0" y="5158596"/>
+            <a:ext cx="12192000" cy="769441"/>
+          </a:xfrm>
+          <a:prstGeom prst="rect">
+            <a:avLst/>
+          </a:prstGeom>
+          <a:noFill/>
+        </p:spPr>
+        <p:txBody>
+          <a:bodyPr wrap="square" rtlCol="0">
+            <a:spAutoFit/>
+          </a:bodyPr>
+          <a:lstStyle/>
+          <a:p>
+            <a:pPr algn="ctr"/>
+            <a:r>
+              <a:rPr lang="en-US" sz="4400" b="1" dirty="0" smtClean="0">
+                <a:solidFill>
+                  <a:srgbClr val="660033"/>
+                </a:solidFill>
+              </a:rPr>
+              <a:t>( Verse 2 </a:t>
+            </a:r>
+            <a:r>
+              <a:rPr lang="en-US" sz="4400" b="1" dirty="0">
+                <a:solidFill>
+                  <a:srgbClr val="660033"/>
+                </a:solidFill>
+              </a:rPr>
+              <a:t>)</a:t>
+            </a:r>
+            <a:endParaRPr lang="vi-VN" sz="4400" b="1" dirty="0">
+              <a:solidFill>
+                <a:srgbClr val="660033"/>
+              </a:solidFill>
+            </a:endParaRPr>
+          </a:p>
+        </p:txBody>
+      </p:sp>
+    </p:spTree>
+    <p:extLst>
+      <p:ext uri="{BB962C8B-B14F-4D97-AF65-F5344CB8AC3E}">
+        <p14:creationId xmlns:p14="http://schemas.microsoft.com/office/powerpoint/2010/main" val="1364878723"/>
+      </p:ext>
+    </p:extLst>
+  </p:cSld>
+  <p:clrMapOvr>
+    <a:masterClrMapping/>
+  </p:clrMapOvr>
+</p:sld>
+</file>
+
+<file path=ppt/slides/slide12.xml><?xml version="1.0" encoding="utf-8"?>
+<p:sld xmlns:a="http://schemas.openxmlformats.org/drawingml/2006/main" xmlns:r="http://schemas.openxmlformats.org/officeDocument/2006/relationships" xmlns:p="http://schemas.openxmlformats.org/presentationml/2006/main">
+  <p:cSld>
+    <p:spTree>
+      <p:nvGrpSpPr>
+        <p:cNvPr id="1" name=""/>
+        <p:cNvGrpSpPr/>
+        <p:nvPr/>
+      </p:nvGrpSpPr>
+      <p:grpSpPr>
+        <a:xfrm>
+          <a:off x="0" y="0"/>
+          <a:ext cx="0" cy="0"/>
+          <a:chOff x="0" y="0"/>
+          <a:chExt cx="0" cy="0"/>
+        </a:xfrm>
+      </p:grpSpPr>
+      <p:sp>
+        <p:nvSpPr>
+          <p:cNvPr id="5" name="內容版面配置區 4"/>
+          <p:cNvSpPr>
+            <a:spLocks noGrp="1"/>
+          </p:cNvSpPr>
+          <p:nvPr>
+            <p:ph idx="1"/>
+          </p:nvPr>
+        </p:nvSpPr>
+        <p:spPr>
+          <a:xfrm>
+            <a:off x="0" y="2084851"/>
+            <a:ext cx="12192000" cy="2404863"/>
+          </a:xfrm>
+        </p:spPr>
+        <p:txBody>
+          <a:bodyPr anchor="ctr">
+            <a:normAutofit/>
+          </a:bodyPr>
+          <a:lstStyle/>
           <a:p>
             <a:pPr algn="ctr">
               <a:buNone/>
             </a:pPr>
             <a:r>
-              <a:rPr lang="en-US" sz="2800" b="1" dirty="0">
+              <a:rPr lang="zh-TW" altLang="en-US" sz="6400" b="1" dirty="0">
                 <a:solidFill>
                   <a:srgbClr val="660033"/>
                 </a:solidFill>
                 <a:latin typeface="微軟正黑體" pitchFamily="34" charset="-120"/>
                 <a:ea typeface="微軟正黑體" pitchFamily="34" charset="-120"/>
               </a:rPr>
-              <a:t>[Last]</a:t>
-            </a:r>
-            <a:r>
-              <a:rPr lang="en-US" sz="5400" b="1" dirty="0">
-                <a:solidFill>
-                  <a:srgbClr val="660033"/>
-                </a:solidFill>
-                <a:latin typeface="微軟正黑體" pitchFamily="34" charset="-120"/>
-                <a:ea typeface="微軟正黑體" pitchFamily="34" charset="-120"/>
-              </a:rPr>
-              <a:t/>
-            </a:r>
-            <a:br>
-              <a:rPr lang="en-US" sz="5400" b="1" dirty="0">
-                <a:solidFill>
-                  <a:srgbClr val="660033"/>
-                </a:solidFill>
-                <a:latin typeface="微軟正黑體" pitchFamily="34" charset="-120"/>
-                <a:ea typeface="微軟正黑體" pitchFamily="34" charset="-120"/>
-              </a:rPr>
-            </a:br>
-            <a:r>
-              <a:rPr lang="en-US" sz="5400" b="1" dirty="0">
-                <a:solidFill>
-                  <a:srgbClr val="660033"/>
-                </a:solidFill>
-                <a:latin typeface="微軟正黑體" pitchFamily="34" charset="-120"/>
-                <a:ea typeface="微軟正黑體" pitchFamily="34" charset="-120"/>
-              </a:rPr>
-              <a:t/>
-            </a:r>
-            <a:br>
-              <a:rPr lang="en-US" sz="5400" b="1" dirty="0">
-                <a:solidFill>
-                  <a:srgbClr val="660033"/>
-                </a:solidFill>
-                <a:latin typeface="微軟正黑體" pitchFamily="34" charset="-120"/>
-                <a:ea typeface="微軟正黑體" pitchFamily="34" charset="-120"/>
-              </a:rPr>
-            </a:br>
-            <a:r>
-              <a:rPr lang="en-US" sz="1600" b="1" dirty="0">
-                <a:solidFill>
-                  <a:srgbClr val="660033"/>
-                </a:solidFill>
-                <a:latin typeface="微軟正黑體" pitchFamily="34" charset="-120"/>
-                <a:ea typeface="微軟正黑體" pitchFamily="34" charset="-120"/>
-              </a:rPr>
-              <a:t/>
-            </a:r>
-            <a:br>
-              <a:rPr lang="en-US" sz="1600" b="1" dirty="0">
-                <a:solidFill>
-                  <a:srgbClr val="660033"/>
-                </a:solidFill>
-                <a:latin typeface="微軟正黑體" pitchFamily="34" charset="-120"/>
-                <a:ea typeface="微軟正黑體" pitchFamily="34" charset="-120"/>
-              </a:rPr>
-            </a:br>
-            <a:endParaRPr lang="en-US" sz="1600" b="1" dirty="0">
+              <a:t>願人都尊祢名為聖</a:t>
+            </a:r>
+            <a:endParaRPr lang="en-US" sz="6400" b="1" dirty="0">
               <a:solidFill>
                 <a:srgbClr val="660033"/>
               </a:solidFill>
@@ -3609,9 +3561,995 @@
               <a:ea typeface="微軟正黑體" pitchFamily="34" charset="-120"/>
             </a:endParaRPr>
           </a:p>
+          <a:p>
+            <a:pPr algn="ctr">
+              <a:buNone/>
+            </a:pPr>
+            <a:r>
+              <a:rPr lang="zh-TW" altLang="en-US" sz="6400" b="1" dirty="0">
+                <a:solidFill>
+                  <a:srgbClr val="660033"/>
+                </a:solidFill>
+                <a:latin typeface="微軟正黑體" pitchFamily="34" charset="-120"/>
+                <a:ea typeface="微軟正黑體" pitchFamily="34" charset="-120"/>
+              </a:rPr>
+              <a:t>願祢的國降臨</a:t>
+            </a:r>
+            <a:endParaRPr lang="en-US" sz="6400" b="1" dirty="0">
+              <a:solidFill>
+                <a:srgbClr val="660033"/>
+              </a:solidFill>
+              <a:latin typeface="微軟正黑體" pitchFamily="34" charset="-120"/>
+              <a:ea typeface="微軟正黑體" pitchFamily="34" charset="-120"/>
+            </a:endParaRPr>
+          </a:p>
+        </p:txBody>
+      </p:sp>
+      <p:sp>
+        <p:nvSpPr>
+          <p:cNvPr id="2" name="TextBox 1"/>
+          <p:cNvSpPr txBox="1"/>
+          <p:nvPr/>
+        </p:nvSpPr>
+        <p:spPr>
+          <a:xfrm>
+            <a:off x="0" y="5158596"/>
+            <a:ext cx="12192000" cy="769441"/>
+          </a:xfrm>
+          <a:prstGeom prst="rect">
+            <a:avLst/>
+          </a:prstGeom>
+          <a:noFill/>
+        </p:spPr>
+        <p:txBody>
+          <a:bodyPr wrap="square" rtlCol="0">
+            <a:spAutoFit/>
+          </a:bodyPr>
+          <a:lstStyle/>
+          <a:p>
+            <a:pPr algn="ctr"/>
+            <a:r>
+              <a:rPr lang="en-US" sz="4400" b="1" dirty="0" smtClean="0">
+                <a:solidFill>
+                  <a:srgbClr val="660033"/>
+                </a:solidFill>
+              </a:rPr>
+              <a:t>( Chorus </a:t>
+            </a:r>
+            <a:r>
+              <a:rPr lang="en-US" sz="4400" b="1" dirty="0">
+                <a:solidFill>
+                  <a:srgbClr val="660033"/>
+                </a:solidFill>
+              </a:rPr>
+              <a:t>)</a:t>
+            </a:r>
+            <a:endParaRPr lang="vi-VN" sz="4400" b="1" dirty="0">
+              <a:solidFill>
+                <a:srgbClr val="660033"/>
+              </a:solidFill>
+            </a:endParaRPr>
+          </a:p>
         </p:txBody>
       </p:sp>
     </p:spTree>
+    <p:extLst>
+      <p:ext uri="{BB962C8B-B14F-4D97-AF65-F5344CB8AC3E}">
+        <p14:creationId xmlns:p14="http://schemas.microsoft.com/office/powerpoint/2010/main" val="1417603916"/>
+      </p:ext>
+    </p:extLst>
+  </p:cSld>
+  <p:clrMapOvr>
+    <a:masterClrMapping/>
+  </p:clrMapOvr>
+</p:sld>
+</file>
+
+<file path=ppt/slides/slide13.xml><?xml version="1.0" encoding="utf-8"?>
+<p:sld xmlns:a="http://schemas.openxmlformats.org/drawingml/2006/main" xmlns:r="http://schemas.openxmlformats.org/officeDocument/2006/relationships" xmlns:p="http://schemas.openxmlformats.org/presentationml/2006/main">
+  <p:cSld>
+    <p:spTree>
+      <p:nvGrpSpPr>
+        <p:cNvPr id="1" name=""/>
+        <p:cNvGrpSpPr/>
+        <p:nvPr/>
+      </p:nvGrpSpPr>
+      <p:grpSpPr>
+        <a:xfrm>
+          <a:off x="0" y="0"/>
+          <a:ext cx="0" cy="0"/>
+          <a:chOff x="0" y="0"/>
+          <a:chExt cx="0" cy="0"/>
+        </a:xfrm>
+      </p:grpSpPr>
+      <p:sp>
+        <p:nvSpPr>
+          <p:cNvPr id="5" name="內容版面配置區 4"/>
+          <p:cNvSpPr>
+            <a:spLocks noGrp="1"/>
+          </p:cNvSpPr>
+          <p:nvPr>
+            <p:ph idx="1"/>
+          </p:nvPr>
+        </p:nvSpPr>
+        <p:spPr>
+          <a:xfrm>
+            <a:off x="0" y="2084851"/>
+            <a:ext cx="12192000" cy="2404863"/>
+          </a:xfrm>
+        </p:spPr>
+        <p:txBody>
+          <a:bodyPr anchor="ctr">
+            <a:normAutofit/>
+          </a:bodyPr>
+          <a:lstStyle/>
+          <a:p>
+            <a:pPr algn="ctr">
+              <a:buNone/>
+            </a:pPr>
+            <a:r>
+              <a:rPr lang="zh-TW" altLang="en-US" sz="6400" b="1" dirty="0">
+                <a:solidFill>
+                  <a:srgbClr val="660033"/>
+                </a:solidFill>
+                <a:latin typeface="微軟正黑體" pitchFamily="34" charset="-120"/>
+                <a:ea typeface="微軟正黑體" pitchFamily="34" charset="-120"/>
+              </a:rPr>
+              <a:t>也願祢旨意行在地上</a:t>
+            </a:r>
+            <a:endParaRPr lang="en-US" sz="6400" b="1" dirty="0">
+              <a:solidFill>
+                <a:srgbClr val="660033"/>
+              </a:solidFill>
+              <a:latin typeface="微軟正黑體" pitchFamily="34" charset="-120"/>
+              <a:ea typeface="微軟正黑體" pitchFamily="34" charset="-120"/>
+            </a:endParaRPr>
+          </a:p>
+          <a:p>
+            <a:pPr algn="ctr">
+              <a:buNone/>
+            </a:pPr>
+            <a:r>
+              <a:rPr lang="zh-TW" altLang="en-US" sz="6400" b="1" dirty="0">
+                <a:solidFill>
+                  <a:srgbClr val="660033"/>
+                </a:solidFill>
+                <a:latin typeface="微軟正黑體" pitchFamily="34" charset="-120"/>
+                <a:ea typeface="微軟正黑體" pitchFamily="34" charset="-120"/>
+              </a:rPr>
+              <a:t>如同行在天上</a:t>
+            </a:r>
+            <a:endParaRPr lang="en-US" altLang="zh-TW" sz="6400" b="1" dirty="0">
+              <a:solidFill>
+                <a:srgbClr val="660033"/>
+              </a:solidFill>
+              <a:latin typeface="微軟正黑體" pitchFamily="34" charset="-120"/>
+              <a:ea typeface="微軟正黑體" pitchFamily="34" charset="-120"/>
+            </a:endParaRPr>
+          </a:p>
+        </p:txBody>
+      </p:sp>
+      <p:sp>
+        <p:nvSpPr>
+          <p:cNvPr id="2" name="TextBox 1"/>
+          <p:cNvSpPr txBox="1"/>
+          <p:nvPr/>
+        </p:nvSpPr>
+        <p:spPr>
+          <a:xfrm>
+            <a:off x="0" y="5158596"/>
+            <a:ext cx="12192000" cy="769441"/>
+          </a:xfrm>
+          <a:prstGeom prst="rect">
+            <a:avLst/>
+          </a:prstGeom>
+          <a:noFill/>
+        </p:spPr>
+        <p:txBody>
+          <a:bodyPr wrap="square" rtlCol="0">
+            <a:spAutoFit/>
+          </a:bodyPr>
+          <a:lstStyle/>
+          <a:p>
+            <a:pPr algn="ctr"/>
+            <a:r>
+              <a:rPr lang="en-US" sz="4400" b="1" dirty="0" smtClean="0">
+                <a:solidFill>
+                  <a:srgbClr val="660033"/>
+                </a:solidFill>
+              </a:rPr>
+              <a:t>( Chorus </a:t>
+            </a:r>
+            <a:r>
+              <a:rPr lang="en-US" sz="4400" b="1" dirty="0">
+                <a:solidFill>
+                  <a:srgbClr val="660033"/>
+                </a:solidFill>
+              </a:rPr>
+              <a:t>)</a:t>
+            </a:r>
+            <a:endParaRPr lang="vi-VN" sz="4400" b="1" dirty="0">
+              <a:solidFill>
+                <a:srgbClr val="660033"/>
+              </a:solidFill>
+            </a:endParaRPr>
+          </a:p>
+        </p:txBody>
+      </p:sp>
+    </p:spTree>
+    <p:extLst>
+      <p:ext uri="{BB962C8B-B14F-4D97-AF65-F5344CB8AC3E}">
+        <p14:creationId xmlns:p14="http://schemas.microsoft.com/office/powerpoint/2010/main" val="448163801"/>
+      </p:ext>
+    </p:extLst>
+  </p:cSld>
+  <p:clrMapOvr>
+    <a:masterClrMapping/>
+  </p:clrMapOvr>
+</p:sld>
+</file>
+
+<file path=ppt/slides/slide14.xml><?xml version="1.0" encoding="utf-8"?>
+<p:sld xmlns:a="http://schemas.openxmlformats.org/drawingml/2006/main" xmlns:r="http://schemas.openxmlformats.org/officeDocument/2006/relationships" xmlns:p="http://schemas.openxmlformats.org/presentationml/2006/main">
+  <p:cSld>
+    <p:spTree>
+      <p:nvGrpSpPr>
+        <p:cNvPr id="1" name=""/>
+        <p:cNvGrpSpPr/>
+        <p:nvPr/>
+      </p:nvGrpSpPr>
+      <p:grpSpPr>
+        <a:xfrm>
+          <a:off x="0" y="0"/>
+          <a:ext cx="0" cy="0"/>
+          <a:chOff x="0" y="0"/>
+          <a:chExt cx="0" cy="0"/>
+        </a:xfrm>
+      </p:grpSpPr>
+      <p:sp>
+        <p:nvSpPr>
+          <p:cNvPr id="5" name="內容版面配置區 4"/>
+          <p:cNvSpPr>
+            <a:spLocks noGrp="1"/>
+          </p:cNvSpPr>
+          <p:nvPr>
+            <p:ph idx="1"/>
+          </p:nvPr>
+        </p:nvSpPr>
+        <p:spPr>
+          <a:xfrm>
+            <a:off x="0" y="2084851"/>
+            <a:ext cx="12192000" cy="2404863"/>
+          </a:xfrm>
+        </p:spPr>
+        <p:txBody>
+          <a:bodyPr anchor="ctr">
+            <a:normAutofit/>
+          </a:bodyPr>
+          <a:lstStyle/>
+          <a:p>
+            <a:pPr algn="ctr">
+              <a:buNone/>
+            </a:pPr>
+            <a:r>
+              <a:rPr lang="zh-TW" altLang="en-US" sz="6400" b="1" dirty="0">
+                <a:solidFill>
+                  <a:srgbClr val="660033"/>
+                </a:solidFill>
+                <a:latin typeface="微軟正黑體" pitchFamily="34" charset="-120"/>
+                <a:ea typeface="微軟正黑體" pitchFamily="34" charset="-120"/>
+              </a:rPr>
+              <a:t>我們當天所需要的食物</a:t>
+            </a:r>
+            <a:endParaRPr lang="en-US" sz="6400" b="1" dirty="0">
+              <a:solidFill>
+                <a:srgbClr val="660033"/>
+              </a:solidFill>
+              <a:latin typeface="微軟正黑體" pitchFamily="34" charset="-120"/>
+              <a:ea typeface="微軟正黑體" pitchFamily="34" charset="-120"/>
+            </a:endParaRPr>
+          </a:p>
+          <a:p>
+            <a:pPr algn="ctr">
+              <a:buNone/>
+            </a:pPr>
+            <a:r>
+              <a:rPr lang="zh-TW" altLang="en-US" sz="6400" b="1" dirty="0">
+                <a:solidFill>
+                  <a:srgbClr val="660033"/>
+                </a:solidFill>
+                <a:latin typeface="微軟正黑體" pitchFamily="34" charset="-120"/>
+                <a:ea typeface="微軟正黑體" pitchFamily="34" charset="-120"/>
+              </a:rPr>
+              <a:t>求祢賜給我們</a:t>
+            </a:r>
+            <a:endParaRPr lang="en-US" sz="6400" b="1" dirty="0">
+              <a:solidFill>
+                <a:srgbClr val="660033"/>
+              </a:solidFill>
+              <a:latin typeface="微軟正黑體" pitchFamily="34" charset="-120"/>
+              <a:ea typeface="微軟正黑體" pitchFamily="34" charset="-120"/>
+            </a:endParaRPr>
+          </a:p>
+        </p:txBody>
+      </p:sp>
+      <p:sp>
+        <p:nvSpPr>
+          <p:cNvPr id="2" name="TextBox 1"/>
+          <p:cNvSpPr txBox="1"/>
+          <p:nvPr/>
+        </p:nvSpPr>
+        <p:spPr>
+          <a:xfrm>
+            <a:off x="0" y="5158596"/>
+            <a:ext cx="12192000" cy="769441"/>
+          </a:xfrm>
+          <a:prstGeom prst="rect">
+            <a:avLst/>
+          </a:prstGeom>
+          <a:noFill/>
+        </p:spPr>
+        <p:txBody>
+          <a:bodyPr wrap="square" rtlCol="0">
+            <a:spAutoFit/>
+          </a:bodyPr>
+          <a:lstStyle/>
+          <a:p>
+            <a:pPr algn="ctr"/>
+            <a:r>
+              <a:rPr lang="en-US" sz="4400" b="1" dirty="0" smtClean="0">
+                <a:solidFill>
+                  <a:srgbClr val="660033"/>
+                </a:solidFill>
+              </a:rPr>
+              <a:t>( Chorus </a:t>
+            </a:r>
+            <a:r>
+              <a:rPr lang="en-US" sz="4400" b="1" dirty="0">
+                <a:solidFill>
+                  <a:srgbClr val="660033"/>
+                </a:solidFill>
+              </a:rPr>
+              <a:t>)</a:t>
+            </a:r>
+            <a:endParaRPr lang="vi-VN" sz="4400" b="1" dirty="0">
+              <a:solidFill>
+                <a:srgbClr val="660033"/>
+              </a:solidFill>
+            </a:endParaRPr>
+          </a:p>
+        </p:txBody>
+      </p:sp>
+    </p:spTree>
+    <p:extLst>
+      <p:ext uri="{BB962C8B-B14F-4D97-AF65-F5344CB8AC3E}">
+        <p14:creationId xmlns:p14="http://schemas.microsoft.com/office/powerpoint/2010/main" val="3820148921"/>
+      </p:ext>
+    </p:extLst>
+  </p:cSld>
+  <p:clrMapOvr>
+    <a:masterClrMapping/>
+  </p:clrMapOvr>
+</p:sld>
+</file>
+
+<file path=ppt/slides/slide15.xml><?xml version="1.0" encoding="utf-8"?>
+<p:sld xmlns:a="http://schemas.openxmlformats.org/drawingml/2006/main" xmlns:r="http://schemas.openxmlformats.org/officeDocument/2006/relationships" xmlns:p="http://schemas.openxmlformats.org/presentationml/2006/main">
+  <p:cSld>
+    <p:spTree>
+      <p:nvGrpSpPr>
+        <p:cNvPr id="1" name=""/>
+        <p:cNvGrpSpPr/>
+        <p:nvPr/>
+      </p:nvGrpSpPr>
+      <p:grpSpPr>
+        <a:xfrm>
+          <a:off x="0" y="0"/>
+          <a:ext cx="0" cy="0"/>
+          <a:chOff x="0" y="0"/>
+          <a:chExt cx="0" cy="0"/>
+        </a:xfrm>
+      </p:grpSpPr>
+      <p:sp>
+        <p:nvSpPr>
+          <p:cNvPr id="5" name="內容版面配置區 4"/>
+          <p:cNvSpPr>
+            <a:spLocks noGrp="1"/>
+          </p:cNvSpPr>
+          <p:nvPr>
+            <p:ph idx="1"/>
+          </p:nvPr>
+        </p:nvSpPr>
+        <p:spPr>
+          <a:xfrm>
+            <a:off x="0" y="2084851"/>
+            <a:ext cx="12192000" cy="2404863"/>
+          </a:xfrm>
+        </p:spPr>
+        <p:txBody>
+          <a:bodyPr anchor="ctr">
+            <a:normAutofit/>
+          </a:bodyPr>
+          <a:lstStyle/>
+          <a:p>
+            <a:pPr algn="ctr">
+              <a:buNone/>
+            </a:pPr>
+            <a:r>
+              <a:rPr lang="zh-TW" altLang="en-US" sz="6400" b="1" dirty="0">
+                <a:solidFill>
+                  <a:srgbClr val="660033"/>
+                </a:solidFill>
+                <a:latin typeface="微軟正黑體" pitchFamily="34" charset="-120"/>
+                <a:ea typeface="微軟正黑體" pitchFamily="34" charset="-120"/>
+              </a:rPr>
+              <a:t>免我們的債</a:t>
+            </a:r>
+            <a:endParaRPr lang="en-US" sz="6400" b="1" dirty="0">
+              <a:solidFill>
+                <a:srgbClr val="660033"/>
+              </a:solidFill>
+              <a:latin typeface="微軟正黑體" pitchFamily="34" charset="-120"/>
+              <a:ea typeface="微軟正黑體" pitchFamily="34" charset="-120"/>
+            </a:endParaRPr>
+          </a:p>
+          <a:p>
+            <a:pPr algn="ctr">
+              <a:buNone/>
+            </a:pPr>
+            <a:r>
+              <a:rPr lang="zh-TW" altLang="en-US" sz="6400" b="1" dirty="0">
+                <a:solidFill>
+                  <a:srgbClr val="660033"/>
+                </a:solidFill>
+                <a:latin typeface="微軟正黑體" pitchFamily="34" charset="-120"/>
+                <a:ea typeface="微軟正黑體" pitchFamily="34" charset="-120"/>
+              </a:rPr>
+              <a:t>如同我們免去人的債</a:t>
+            </a:r>
+            <a:endParaRPr lang="en-US" altLang="zh-TW" sz="6400" b="1" dirty="0">
+              <a:solidFill>
+                <a:srgbClr val="660033"/>
+              </a:solidFill>
+              <a:latin typeface="微軟正黑體" pitchFamily="34" charset="-120"/>
+              <a:ea typeface="微軟正黑體" pitchFamily="34" charset="-120"/>
+            </a:endParaRPr>
+          </a:p>
+        </p:txBody>
+      </p:sp>
+      <p:sp>
+        <p:nvSpPr>
+          <p:cNvPr id="2" name="TextBox 1"/>
+          <p:cNvSpPr txBox="1"/>
+          <p:nvPr/>
+        </p:nvSpPr>
+        <p:spPr>
+          <a:xfrm>
+            <a:off x="0" y="5158596"/>
+            <a:ext cx="12192000" cy="769441"/>
+          </a:xfrm>
+          <a:prstGeom prst="rect">
+            <a:avLst/>
+          </a:prstGeom>
+          <a:noFill/>
+        </p:spPr>
+        <p:txBody>
+          <a:bodyPr wrap="square" rtlCol="0">
+            <a:spAutoFit/>
+          </a:bodyPr>
+          <a:lstStyle/>
+          <a:p>
+            <a:pPr algn="ctr"/>
+            <a:r>
+              <a:rPr lang="en-US" sz="4400" b="1" dirty="0" smtClean="0">
+                <a:solidFill>
+                  <a:srgbClr val="660033"/>
+                </a:solidFill>
+              </a:rPr>
+              <a:t>( Chorus </a:t>
+            </a:r>
+            <a:r>
+              <a:rPr lang="en-US" sz="4400" b="1" dirty="0">
+                <a:solidFill>
+                  <a:srgbClr val="660033"/>
+                </a:solidFill>
+              </a:rPr>
+              <a:t>)</a:t>
+            </a:r>
+            <a:endParaRPr lang="vi-VN" sz="4400" b="1" dirty="0">
+              <a:solidFill>
+                <a:srgbClr val="660033"/>
+              </a:solidFill>
+            </a:endParaRPr>
+          </a:p>
+        </p:txBody>
+      </p:sp>
+    </p:spTree>
+    <p:extLst>
+      <p:ext uri="{BB962C8B-B14F-4D97-AF65-F5344CB8AC3E}">
+        <p14:creationId xmlns:p14="http://schemas.microsoft.com/office/powerpoint/2010/main" val="1707779820"/>
+      </p:ext>
+    </p:extLst>
+  </p:cSld>
+  <p:clrMapOvr>
+    <a:masterClrMapping/>
+  </p:clrMapOvr>
+</p:sld>
+</file>
+
+<file path=ppt/slides/slide16.xml><?xml version="1.0" encoding="utf-8"?>
+<p:sld xmlns:a="http://schemas.openxmlformats.org/drawingml/2006/main" xmlns:r="http://schemas.openxmlformats.org/officeDocument/2006/relationships" xmlns:p="http://schemas.openxmlformats.org/presentationml/2006/main">
+  <p:cSld>
+    <p:spTree>
+      <p:nvGrpSpPr>
+        <p:cNvPr id="1" name=""/>
+        <p:cNvGrpSpPr/>
+        <p:nvPr/>
+      </p:nvGrpSpPr>
+      <p:grpSpPr>
+        <a:xfrm>
+          <a:off x="0" y="0"/>
+          <a:ext cx="0" cy="0"/>
+          <a:chOff x="0" y="0"/>
+          <a:chExt cx="0" cy="0"/>
+        </a:xfrm>
+      </p:grpSpPr>
+      <p:sp>
+        <p:nvSpPr>
+          <p:cNvPr id="5" name="內容版面配置區 4"/>
+          <p:cNvSpPr>
+            <a:spLocks noGrp="1"/>
+          </p:cNvSpPr>
+          <p:nvPr>
+            <p:ph idx="1"/>
+          </p:nvPr>
+        </p:nvSpPr>
+        <p:spPr>
+          <a:xfrm>
+            <a:off x="0" y="2084851"/>
+            <a:ext cx="12192000" cy="2404863"/>
+          </a:xfrm>
+        </p:spPr>
+        <p:txBody>
+          <a:bodyPr anchor="ctr">
+            <a:normAutofit/>
+          </a:bodyPr>
+          <a:lstStyle/>
+          <a:p>
+            <a:pPr algn="ctr">
+              <a:buNone/>
+            </a:pPr>
+            <a:r>
+              <a:rPr lang="zh-TW" altLang="en-US" sz="6400" b="1" dirty="0">
+                <a:solidFill>
+                  <a:srgbClr val="660033"/>
+                </a:solidFill>
+                <a:latin typeface="微軟正黑體" pitchFamily="34" charset="-120"/>
+                <a:ea typeface="微軟正黑體" pitchFamily="34" charset="-120"/>
+              </a:rPr>
+              <a:t>不叫我們遇見試探 </a:t>
+            </a:r>
+            <a:endParaRPr lang="en-US" altLang="zh-TW" sz="6400" b="1" dirty="0">
+              <a:solidFill>
+                <a:srgbClr val="660033"/>
+              </a:solidFill>
+              <a:latin typeface="微軟正黑體" pitchFamily="34" charset="-120"/>
+              <a:ea typeface="微軟正黑體" pitchFamily="34" charset="-120"/>
+            </a:endParaRPr>
+          </a:p>
+          <a:p>
+            <a:pPr algn="ctr">
+              <a:buNone/>
+            </a:pPr>
+            <a:r>
+              <a:rPr lang="zh-TW" altLang="en-US" sz="6400" b="1" dirty="0">
+                <a:solidFill>
+                  <a:srgbClr val="660033"/>
+                </a:solidFill>
+                <a:latin typeface="微軟正黑體" pitchFamily="34" charset="-120"/>
+                <a:ea typeface="微軟正黑體" pitchFamily="34" charset="-120"/>
+              </a:rPr>
+              <a:t>救我們脫離凶惡</a:t>
+            </a:r>
+            <a:endParaRPr lang="en-US" altLang="zh-TW" sz="6400" b="1" dirty="0">
+              <a:solidFill>
+                <a:srgbClr val="660033"/>
+              </a:solidFill>
+              <a:latin typeface="微軟正黑體" pitchFamily="34" charset="-120"/>
+              <a:ea typeface="微軟正黑體" pitchFamily="34" charset="-120"/>
+            </a:endParaRPr>
+          </a:p>
+        </p:txBody>
+      </p:sp>
+      <p:sp>
+        <p:nvSpPr>
+          <p:cNvPr id="2" name="TextBox 1"/>
+          <p:cNvSpPr txBox="1"/>
+          <p:nvPr/>
+        </p:nvSpPr>
+        <p:spPr>
+          <a:xfrm>
+            <a:off x="0" y="5158596"/>
+            <a:ext cx="12192000" cy="769441"/>
+          </a:xfrm>
+          <a:prstGeom prst="rect">
+            <a:avLst/>
+          </a:prstGeom>
+          <a:noFill/>
+        </p:spPr>
+        <p:txBody>
+          <a:bodyPr wrap="square" rtlCol="0">
+            <a:spAutoFit/>
+          </a:bodyPr>
+          <a:lstStyle/>
+          <a:p>
+            <a:pPr algn="ctr"/>
+            <a:r>
+              <a:rPr lang="en-US" sz="4400" b="1" dirty="0" smtClean="0">
+                <a:solidFill>
+                  <a:srgbClr val="660033"/>
+                </a:solidFill>
+              </a:rPr>
+              <a:t>( </a:t>
+            </a:r>
+            <a:r>
+              <a:rPr lang="en-US" altLang="zh-CN" sz="4400" b="1" dirty="0" smtClean="0">
+                <a:solidFill>
+                  <a:srgbClr val="660033"/>
+                </a:solidFill>
+              </a:rPr>
+              <a:t>Bridge</a:t>
+            </a:r>
+            <a:r>
+              <a:rPr lang="en-US" sz="4400" b="1" dirty="0" smtClean="0">
+                <a:solidFill>
+                  <a:srgbClr val="660033"/>
+                </a:solidFill>
+              </a:rPr>
+              <a:t> </a:t>
+            </a:r>
+            <a:r>
+              <a:rPr lang="en-US" sz="4400" b="1" dirty="0">
+                <a:solidFill>
+                  <a:srgbClr val="660033"/>
+                </a:solidFill>
+              </a:rPr>
+              <a:t>)</a:t>
+            </a:r>
+            <a:endParaRPr lang="vi-VN" sz="4400" b="1" dirty="0">
+              <a:solidFill>
+                <a:srgbClr val="660033"/>
+              </a:solidFill>
+            </a:endParaRPr>
+          </a:p>
+        </p:txBody>
+      </p:sp>
+    </p:spTree>
+    <p:extLst>
+      <p:ext uri="{BB962C8B-B14F-4D97-AF65-F5344CB8AC3E}">
+        <p14:creationId xmlns:p14="http://schemas.microsoft.com/office/powerpoint/2010/main" val="3556392501"/>
+      </p:ext>
+    </p:extLst>
+  </p:cSld>
+  <p:clrMapOvr>
+    <a:masterClrMapping/>
+  </p:clrMapOvr>
+</p:sld>
+</file>
+
+<file path=ppt/slides/slide17.xml><?xml version="1.0" encoding="utf-8"?>
+<p:sld xmlns:a="http://schemas.openxmlformats.org/drawingml/2006/main" xmlns:r="http://schemas.openxmlformats.org/officeDocument/2006/relationships" xmlns:p="http://schemas.openxmlformats.org/presentationml/2006/main">
+  <p:cSld>
+    <p:spTree>
+      <p:nvGrpSpPr>
+        <p:cNvPr id="1" name=""/>
+        <p:cNvGrpSpPr/>
+        <p:nvPr/>
+      </p:nvGrpSpPr>
+      <p:grpSpPr>
+        <a:xfrm>
+          <a:off x="0" y="0"/>
+          <a:ext cx="0" cy="0"/>
+          <a:chOff x="0" y="0"/>
+          <a:chExt cx="0" cy="0"/>
+        </a:xfrm>
+      </p:grpSpPr>
+      <p:sp>
+        <p:nvSpPr>
+          <p:cNvPr id="5" name="內容版面配置區 4"/>
+          <p:cNvSpPr>
+            <a:spLocks noGrp="1"/>
+          </p:cNvSpPr>
+          <p:nvPr>
+            <p:ph idx="1"/>
+          </p:nvPr>
+        </p:nvSpPr>
+        <p:spPr>
+          <a:xfrm>
+            <a:off x="0" y="2084851"/>
+            <a:ext cx="12192000" cy="2404863"/>
+          </a:xfrm>
+        </p:spPr>
+        <p:txBody>
+          <a:bodyPr anchor="ctr">
+            <a:normAutofit/>
+          </a:bodyPr>
+          <a:lstStyle/>
+          <a:p>
+            <a:pPr algn="ctr">
+              <a:buNone/>
+            </a:pPr>
+            <a:r>
+              <a:rPr lang="zh-TW" altLang="en-US" sz="6400" b="1" dirty="0">
+                <a:solidFill>
+                  <a:srgbClr val="660033"/>
+                </a:solidFill>
+                <a:latin typeface="微軟正黑體" pitchFamily="34" charset="-120"/>
+                <a:ea typeface="微軟正黑體" pitchFamily="34" charset="-120"/>
+              </a:rPr>
+              <a:t>因國度權柄榮耀 </a:t>
+            </a:r>
+            <a:endParaRPr lang="en-US" altLang="zh-TW" sz="6400" b="1" dirty="0">
+              <a:solidFill>
+                <a:srgbClr val="660033"/>
+              </a:solidFill>
+              <a:latin typeface="微軟正黑體" pitchFamily="34" charset="-120"/>
+              <a:ea typeface="微軟正黑體" pitchFamily="34" charset="-120"/>
+            </a:endParaRPr>
+          </a:p>
+          <a:p>
+            <a:pPr algn="ctr">
+              <a:buNone/>
+            </a:pPr>
+            <a:r>
+              <a:rPr lang="zh-TW" altLang="en-US" sz="6400" b="1" dirty="0">
+                <a:solidFill>
+                  <a:srgbClr val="660033"/>
+                </a:solidFill>
+                <a:latin typeface="微軟正黑體" pitchFamily="34" charset="-120"/>
+                <a:ea typeface="微軟正黑體" pitchFamily="34" charset="-120"/>
+              </a:rPr>
+              <a:t>全屬祢直到永遠</a:t>
+            </a:r>
+            <a:endParaRPr lang="en-US" altLang="zh-TW" sz="6400" b="1" dirty="0">
+              <a:solidFill>
+                <a:srgbClr val="660033"/>
+              </a:solidFill>
+              <a:latin typeface="微軟正黑體" pitchFamily="34" charset="-120"/>
+              <a:ea typeface="微軟正黑體" pitchFamily="34" charset="-120"/>
+            </a:endParaRPr>
+          </a:p>
+        </p:txBody>
+      </p:sp>
+      <p:sp>
+        <p:nvSpPr>
+          <p:cNvPr id="2" name="TextBox 1"/>
+          <p:cNvSpPr txBox="1"/>
+          <p:nvPr/>
+        </p:nvSpPr>
+        <p:spPr>
+          <a:xfrm>
+            <a:off x="0" y="5158596"/>
+            <a:ext cx="12192000" cy="769441"/>
+          </a:xfrm>
+          <a:prstGeom prst="rect">
+            <a:avLst/>
+          </a:prstGeom>
+          <a:noFill/>
+        </p:spPr>
+        <p:txBody>
+          <a:bodyPr wrap="square" rtlCol="0">
+            <a:spAutoFit/>
+          </a:bodyPr>
+          <a:lstStyle/>
+          <a:p>
+            <a:pPr algn="ctr"/>
+            <a:r>
+              <a:rPr lang="en-US" sz="4400" b="1" dirty="0" smtClean="0">
+                <a:solidFill>
+                  <a:srgbClr val="660033"/>
+                </a:solidFill>
+              </a:rPr>
+              <a:t>( </a:t>
+            </a:r>
+            <a:r>
+              <a:rPr lang="en-US" altLang="zh-CN" sz="4400" b="1" dirty="0" smtClean="0">
+                <a:solidFill>
+                  <a:srgbClr val="660033"/>
+                </a:solidFill>
+              </a:rPr>
+              <a:t>Bridge</a:t>
+            </a:r>
+            <a:r>
+              <a:rPr lang="en-US" sz="4400" b="1" dirty="0" smtClean="0">
+                <a:solidFill>
+                  <a:srgbClr val="660033"/>
+                </a:solidFill>
+              </a:rPr>
+              <a:t> </a:t>
+            </a:r>
+            <a:r>
+              <a:rPr lang="en-US" sz="4400" b="1" dirty="0">
+                <a:solidFill>
+                  <a:srgbClr val="660033"/>
+                </a:solidFill>
+              </a:rPr>
+              <a:t>)</a:t>
+            </a:r>
+            <a:endParaRPr lang="vi-VN" sz="4400" b="1" dirty="0">
+              <a:solidFill>
+                <a:srgbClr val="660033"/>
+              </a:solidFill>
+            </a:endParaRPr>
+          </a:p>
+        </p:txBody>
+      </p:sp>
+    </p:spTree>
+    <p:extLst>
+      <p:ext uri="{BB962C8B-B14F-4D97-AF65-F5344CB8AC3E}">
+        <p14:creationId xmlns:p14="http://schemas.microsoft.com/office/powerpoint/2010/main" val="2377967557"/>
+      </p:ext>
+    </p:extLst>
+  </p:cSld>
+  <p:clrMapOvr>
+    <a:masterClrMapping/>
+  </p:clrMapOvr>
+</p:sld>
+</file>
+
+<file path=ppt/slides/slide18.xml><?xml version="1.0" encoding="utf-8"?>
+<p:sld xmlns:a="http://schemas.openxmlformats.org/drawingml/2006/main" xmlns:r="http://schemas.openxmlformats.org/officeDocument/2006/relationships" xmlns:p="http://schemas.openxmlformats.org/presentationml/2006/main">
+  <p:cSld>
+    <p:spTree>
+      <p:nvGrpSpPr>
+        <p:cNvPr id="1" name=""/>
+        <p:cNvGrpSpPr/>
+        <p:nvPr/>
+      </p:nvGrpSpPr>
+      <p:grpSpPr>
+        <a:xfrm>
+          <a:off x="0" y="0"/>
+          <a:ext cx="0" cy="0"/>
+          <a:chOff x="0" y="0"/>
+          <a:chExt cx="0" cy="0"/>
+        </a:xfrm>
+      </p:grpSpPr>
+      <p:sp>
+        <p:nvSpPr>
+          <p:cNvPr id="5" name="內容版面配置區 4"/>
+          <p:cNvSpPr>
+            <a:spLocks noGrp="1"/>
+          </p:cNvSpPr>
+          <p:nvPr>
+            <p:ph idx="1"/>
+          </p:nvPr>
+        </p:nvSpPr>
+        <p:spPr>
+          <a:xfrm>
+            <a:off x="0" y="2084851"/>
+            <a:ext cx="12192000" cy="2404863"/>
+          </a:xfrm>
+        </p:spPr>
+        <p:txBody>
+          <a:bodyPr anchor="ctr">
+            <a:normAutofit/>
+          </a:bodyPr>
+          <a:lstStyle/>
+          <a:p>
+            <a:pPr algn="ctr">
+              <a:buNone/>
+            </a:pPr>
+            <a:r>
+              <a:rPr lang="zh-TW" altLang="en-US" sz="6400" b="1" dirty="0">
+                <a:solidFill>
+                  <a:srgbClr val="660033"/>
+                </a:solidFill>
+                <a:latin typeface="微軟正黑體" pitchFamily="34" charset="-120"/>
+                <a:ea typeface="微軟正黑體" pitchFamily="34" charset="-120"/>
+              </a:rPr>
+              <a:t>我們在天上的父</a:t>
+            </a:r>
+            <a:endParaRPr lang="en-US" altLang="zh-TW" sz="6400" b="1" dirty="0">
+              <a:solidFill>
+                <a:srgbClr val="660033"/>
+              </a:solidFill>
+              <a:latin typeface="微軟正黑體" pitchFamily="34" charset="-120"/>
+              <a:ea typeface="微軟正黑體" pitchFamily="34" charset="-120"/>
+            </a:endParaRPr>
+          </a:p>
+          <a:p>
+            <a:pPr algn="ctr">
+              <a:buNone/>
+            </a:pPr>
+            <a:r>
+              <a:rPr lang="zh-TW" altLang="en-US" sz="6400" b="1" dirty="0">
+                <a:solidFill>
+                  <a:srgbClr val="660033"/>
+                </a:solidFill>
+                <a:latin typeface="微軟正黑體" pitchFamily="34" charset="-120"/>
+                <a:ea typeface="微軟正黑體" pitchFamily="34" charset="-120"/>
+              </a:rPr>
+              <a:t>願人都尊祢名為聖</a:t>
+            </a:r>
+            <a:endParaRPr lang="en-US" sz="6400" b="1" dirty="0">
+              <a:solidFill>
+                <a:srgbClr val="660033"/>
+              </a:solidFill>
+              <a:latin typeface="微軟正黑體" pitchFamily="34" charset="-120"/>
+              <a:ea typeface="微軟正黑體" pitchFamily="34" charset="-120"/>
+            </a:endParaRPr>
+          </a:p>
+        </p:txBody>
+      </p:sp>
+      <p:sp>
+        <p:nvSpPr>
+          <p:cNvPr id="2" name="TextBox 1"/>
+          <p:cNvSpPr txBox="1"/>
+          <p:nvPr/>
+        </p:nvSpPr>
+        <p:spPr>
+          <a:xfrm>
+            <a:off x="0" y="5158596"/>
+            <a:ext cx="12192000" cy="769441"/>
+          </a:xfrm>
+          <a:prstGeom prst="rect">
+            <a:avLst/>
+          </a:prstGeom>
+          <a:noFill/>
+        </p:spPr>
+        <p:txBody>
+          <a:bodyPr wrap="square" rtlCol="0">
+            <a:spAutoFit/>
+          </a:bodyPr>
+          <a:lstStyle/>
+          <a:p>
+            <a:pPr algn="ctr"/>
+            <a:r>
+              <a:rPr lang="en-US" sz="4400" b="1" dirty="0" smtClean="0">
+                <a:solidFill>
+                  <a:srgbClr val="660033"/>
+                </a:solidFill>
+              </a:rPr>
+              <a:t>( </a:t>
+            </a:r>
+            <a:r>
+              <a:rPr lang="en-US" altLang="zh-CN" sz="4400" b="1" dirty="0" smtClean="0">
+                <a:solidFill>
+                  <a:srgbClr val="660033"/>
+                </a:solidFill>
+              </a:rPr>
+              <a:t>Last</a:t>
+            </a:r>
+            <a:r>
+              <a:rPr lang="en-US" sz="4400" b="1" dirty="0" smtClean="0">
+                <a:solidFill>
+                  <a:srgbClr val="660033"/>
+                </a:solidFill>
+              </a:rPr>
+              <a:t> </a:t>
+            </a:r>
+            <a:r>
+              <a:rPr lang="en-US" sz="4400" b="1" dirty="0">
+                <a:solidFill>
+                  <a:srgbClr val="660033"/>
+                </a:solidFill>
+              </a:rPr>
+              <a:t>)</a:t>
+            </a:r>
+            <a:endParaRPr lang="vi-VN" sz="4400" b="1" dirty="0">
+              <a:solidFill>
+                <a:srgbClr val="660033"/>
+              </a:solidFill>
+            </a:endParaRPr>
+          </a:p>
+        </p:txBody>
+      </p:sp>
+    </p:spTree>
+    <p:extLst>
+      <p:ext uri="{BB962C8B-B14F-4D97-AF65-F5344CB8AC3E}">
+        <p14:creationId xmlns:p14="http://schemas.microsoft.com/office/powerpoint/2010/main" val="3578610875"/>
+      </p:ext>
+    </p:extLst>
   </p:cSld>
   <p:clrMapOvr>
     <a:masterClrMapping/>
@@ -3638,52 +4576,70 @@
       </p:grpSpPr>
       <p:sp>
         <p:nvSpPr>
-          <p:cNvPr id="2" name="Title 1"/>
-          <p:cNvSpPr>
-            <a:spLocks noGrp="1"/>
-          </p:cNvSpPr>
-          <p:nvPr>
-            <p:ph type="title"/>
-          </p:nvPr>
-        </p:nvSpPr>
-        <p:spPr/>
-        <p:txBody>
-          <a:bodyPr>
-            <a:noAutofit/>
+          <p:cNvPr id="5" name="內容版面配置區 4"/>
+          <p:cNvSpPr>
+            <a:spLocks noGrp="1"/>
+          </p:cNvSpPr>
+          <p:nvPr>
+            <p:ph idx="1"/>
+          </p:nvPr>
+        </p:nvSpPr>
+        <p:spPr>
+          <a:xfrm>
+            <a:off x="0" y="2084851"/>
+            <a:ext cx="12192000" cy="2404863"/>
+          </a:xfrm>
+        </p:spPr>
+        <p:txBody>
+          <a:bodyPr anchor="ctr">
+            <a:normAutofit/>
           </a:bodyPr>
           <a:lstStyle/>
           <a:p>
-            <a:r>
-              <a:rPr lang="zh-TW" altLang="en-US" sz="5000" b="1" dirty="0" smtClean="0">
+            <a:pPr algn="ctr">
+              <a:buNone/>
+            </a:pPr>
+            <a:r>
+              <a:rPr lang="zh-TW" altLang="en-US" sz="6400" b="1" dirty="0">
                 <a:solidFill>
                   <a:srgbClr val="660033"/>
                 </a:solidFill>
                 <a:latin typeface="微軟正黑體" pitchFamily="34" charset="-120"/>
                 <a:ea typeface="微軟正黑體" pitchFamily="34" charset="-120"/>
               </a:rPr>
-              <a:t>主</a:t>
-            </a:r>
-            <a:r>
-              <a:rPr lang="zh-TW" altLang="en-US" sz="5000" b="1" dirty="0">
+              <a:t>天父祢名是多麼美 </a:t>
+            </a:r>
+            <a:r>
+              <a:rPr lang="en-US" altLang="zh-TW" sz="6400" b="1" dirty="0" smtClean="0">
                 <a:solidFill>
                   <a:srgbClr val="660033"/>
                 </a:solidFill>
                 <a:latin typeface="微軟正黑體" pitchFamily="34" charset="-120"/>
                 <a:ea typeface="微軟正黑體" pitchFamily="34" charset="-120"/>
               </a:rPr>
-              <a:t>禱</a:t>
-            </a:r>
-            <a:r>
-              <a:rPr lang="zh-TW" altLang="en-US" sz="5000" b="1" dirty="0" smtClean="0">
+              <a:t>  </a:t>
+            </a:r>
+            <a:r>
+              <a:rPr lang="zh-TW" altLang="en-US" sz="6400" b="1" dirty="0" smtClean="0">
                 <a:solidFill>
                   <a:srgbClr val="660033"/>
                 </a:solidFill>
                 <a:latin typeface="微軟正黑體" pitchFamily="34" charset="-120"/>
                 <a:ea typeface="微軟正黑體" pitchFamily="34" charset="-120"/>
               </a:rPr>
-              <a:t>文</a:t>
-            </a:r>
-            <a:endParaRPr lang="en-US" sz="5000" b="1" dirty="0">
+              <a:t>榮</a:t>
+            </a:r>
+            <a:r>
+              <a:rPr lang="zh-TW" altLang="en-US" sz="6400" b="1" dirty="0">
+                <a:solidFill>
+                  <a:srgbClr val="660033"/>
+                </a:solidFill>
+                <a:latin typeface="微軟正黑體" pitchFamily="34" charset="-120"/>
+                <a:ea typeface="微軟正黑體" pitchFamily="34" charset="-120"/>
+              </a:rPr>
+              <a:t>耀遍全地</a:t>
+            </a:r>
+            <a:endParaRPr lang="en-US" sz="6400" b="1" dirty="0">
               <a:solidFill>
                 <a:srgbClr val="660033"/>
               </a:solidFill>
@@ -3691,39 +4647,21 @@
               <a:ea typeface="微軟正黑體" pitchFamily="34" charset="-120"/>
             </a:endParaRPr>
           </a:p>
-        </p:txBody>
-      </p:sp>
-      <p:sp>
-        <p:nvSpPr>
-          <p:cNvPr id="3" name="Content Placeholder 2"/>
-          <p:cNvSpPr>
-            <a:spLocks noGrp="1"/>
-          </p:cNvSpPr>
-          <p:nvPr>
-            <p:ph idx="1"/>
-          </p:nvPr>
-        </p:nvSpPr>
-        <p:spPr/>
-        <p:txBody>
-          <a:bodyPr>
-            <a:noAutofit/>
-          </a:bodyPr>
-          <a:lstStyle/>
           <a:p>
             <a:pPr algn="ctr">
               <a:buNone/>
             </a:pPr>
             <a:r>
-              <a:rPr lang="zh-TW" altLang="en-US" sz="5400" b="1" dirty="0">
+              <a:rPr lang="zh-TW" altLang="en-US" sz="6400" b="1" dirty="0">
                 <a:solidFill>
                   <a:srgbClr val="660033"/>
                 </a:solidFill>
                 <a:latin typeface="微軟正黑體" pitchFamily="34" charset="-120"/>
                 <a:ea typeface="微軟正黑體" pitchFamily="34" charset="-120"/>
               </a:rPr>
-              <a:t>恬靜 我沈默主座前 </a:t>
-            </a:r>
-            <a:endParaRPr lang="en-US" altLang="zh-TW" sz="5400" b="1" dirty="0">
+              <a:t>在禱告良辰 靜觀祢的美</a:t>
+            </a:r>
+            <a:endParaRPr lang="en-US" altLang="zh-TW" sz="6400" b="1" dirty="0">
               <a:solidFill>
                 <a:srgbClr val="660033"/>
               </a:solidFill>
@@ -3731,131 +4669,53 @@
               <a:ea typeface="微軟正黑體" pitchFamily="34" charset="-120"/>
             </a:endParaRPr>
           </a:p>
-          <a:p>
-            <a:pPr algn="ctr">
-              <a:buNone/>
-            </a:pPr>
-            <a:r>
-              <a:rPr lang="zh-TW" altLang="en-US" sz="5400" b="1" dirty="0">
-                <a:solidFill>
-                  <a:srgbClr val="660033"/>
-                </a:solidFill>
-                <a:latin typeface="微軟正黑體" pitchFamily="34" charset="-120"/>
-                <a:ea typeface="微軟正黑體" pitchFamily="34" charset="-120"/>
-              </a:rPr>
-              <a:t>毋用多片言</a:t>
-            </a:r>
-            <a:endParaRPr lang="en-US" altLang="zh-TW" sz="5400" b="1" dirty="0">
+        </p:txBody>
+      </p:sp>
+      <p:sp>
+        <p:nvSpPr>
+          <p:cNvPr id="2" name="TextBox 1"/>
+          <p:cNvSpPr txBox="1"/>
+          <p:nvPr/>
+        </p:nvSpPr>
+        <p:spPr>
+          <a:xfrm>
+            <a:off x="0" y="5158596"/>
+            <a:ext cx="12192000" cy="769441"/>
+          </a:xfrm>
+          <a:prstGeom prst="rect">
+            <a:avLst/>
+          </a:prstGeom>
+          <a:noFill/>
+        </p:spPr>
+        <p:txBody>
+          <a:bodyPr wrap="square" rtlCol="0">
+            <a:spAutoFit/>
+          </a:bodyPr>
+          <a:lstStyle/>
+          <a:p>
+            <a:pPr algn="ctr"/>
+            <a:r>
+              <a:rPr lang="en-US" sz="4400" b="1" dirty="0" smtClean="0">
+                <a:solidFill>
+                  <a:srgbClr val="660033"/>
+                </a:solidFill>
+              </a:rPr>
+              <a:t>( Verse 1 )</a:t>
+            </a:r>
+            <a:endParaRPr lang="vi-VN" sz="4400" b="1" dirty="0">
               <a:solidFill>
                 <a:srgbClr val="660033"/>
               </a:solidFill>
-              <a:latin typeface="微軟正黑體" pitchFamily="34" charset="-120"/>
-              <a:ea typeface="微軟正黑體" pitchFamily="34" charset="-120"/>
             </a:endParaRPr>
           </a:p>
-          <a:p>
-            <a:pPr algn="ctr">
-              <a:buNone/>
-            </a:pPr>
-            <a:r>
-              <a:rPr lang="zh-TW" altLang="en-US" sz="5400" b="1" dirty="0">
-                <a:solidFill>
-                  <a:srgbClr val="660033"/>
-                </a:solidFill>
-                <a:latin typeface="微軟正黑體" pitchFamily="34" charset="-120"/>
-                <a:ea typeface="微軟正黑體" pitchFamily="34" charset="-120"/>
-              </a:rPr>
-              <a:t>在禱告前 祢已清楚我需要</a:t>
-            </a:r>
-            <a:r>
-              <a:rPr lang="en-US" sz="5400" b="1" dirty="0">
-                <a:solidFill>
-                  <a:srgbClr val="660033"/>
-                </a:solidFill>
-                <a:latin typeface="微軟正黑體" pitchFamily="34" charset="-120"/>
-                <a:ea typeface="微軟正黑體" pitchFamily="34" charset="-120"/>
-              </a:rPr>
-              <a:t/>
-            </a:r>
-            <a:br>
-              <a:rPr lang="en-US" sz="5400" b="1" dirty="0">
-                <a:solidFill>
-                  <a:srgbClr val="660033"/>
-                </a:solidFill>
-                <a:latin typeface="微軟正黑體" pitchFamily="34" charset="-120"/>
-                <a:ea typeface="微軟正黑體" pitchFamily="34" charset="-120"/>
-              </a:rPr>
-            </a:br>
-            <a:r>
-              <a:rPr lang="en-US" sz="5400" b="1" dirty="0">
-                <a:solidFill>
-                  <a:srgbClr val="660033"/>
-                </a:solidFill>
-                <a:latin typeface="微軟正黑體" pitchFamily="34" charset="-120"/>
-                <a:ea typeface="微軟正黑體" pitchFamily="34" charset="-120"/>
-              </a:rPr>
-              <a:t>			</a:t>
-            </a:r>
-          </a:p>
-          <a:p>
-            <a:pPr algn="ctr">
-              <a:buNone/>
-            </a:pPr>
-            <a:r>
-              <a:rPr lang="en-US" sz="1600" b="1" dirty="0">
-                <a:solidFill>
-                  <a:srgbClr val="660033"/>
-                </a:solidFill>
-                <a:latin typeface="微軟正黑體" pitchFamily="34" charset="-120"/>
-                <a:ea typeface="微軟正黑體" pitchFamily="34" charset="-120"/>
-              </a:rPr>
-              <a:t>	</a:t>
-            </a:r>
-          </a:p>
-          <a:p>
-            <a:pPr algn="ctr">
-              <a:buNone/>
-            </a:pPr>
-            <a:r>
-              <a:rPr lang="en-US" sz="1600" b="1" dirty="0">
-                <a:solidFill>
-                  <a:srgbClr val="660033"/>
-                </a:solidFill>
-                <a:latin typeface="微軟正黑體" pitchFamily="34" charset="-120"/>
-                <a:ea typeface="微軟正黑體" pitchFamily="34" charset="-120"/>
-              </a:rPr>
-              <a:t>[Verse 1]</a:t>
-            </a:r>
-            <a:r>
-              <a:rPr lang="en-US" sz="5400" b="1" dirty="0">
-                <a:solidFill>
-                  <a:srgbClr val="660033"/>
-                </a:solidFill>
-                <a:latin typeface="微軟正黑體" pitchFamily="34" charset="-120"/>
-                <a:ea typeface="微軟正黑體" pitchFamily="34" charset="-120"/>
-              </a:rPr>
-              <a:t/>
-            </a:r>
-            <a:br>
-              <a:rPr lang="en-US" sz="5400" b="1" dirty="0">
-                <a:solidFill>
-                  <a:srgbClr val="660033"/>
-                </a:solidFill>
-                <a:latin typeface="微軟正黑體" pitchFamily="34" charset="-120"/>
-                <a:ea typeface="微軟正黑體" pitchFamily="34" charset="-120"/>
-              </a:rPr>
-            </a:br>
-            <a:endParaRPr lang="en-US" sz="5400" b="1" dirty="0">
-              <a:solidFill>
-                <a:srgbClr val="660033"/>
-              </a:solidFill>
-              <a:latin typeface="微軟正黑體" pitchFamily="34" charset="-120"/>
-              <a:ea typeface="微軟正黑體" pitchFamily="34" charset="-120"/>
-            </a:endParaRPr>
-          </a:p>
         </p:txBody>
       </p:sp>
     </p:spTree>
+    <p:extLst>
+      <p:ext uri="{BB962C8B-B14F-4D97-AF65-F5344CB8AC3E}">
+        <p14:creationId xmlns:p14="http://schemas.microsoft.com/office/powerpoint/2010/main" val="1835788098"/>
+      </p:ext>
+    </p:extLst>
   </p:cSld>
   <p:clrMapOvr>
     <a:masterClrMapping/>
@@ -3882,70 +4742,60 @@
       </p:grpSpPr>
       <p:sp>
         <p:nvSpPr>
-          <p:cNvPr id="2" name="Title 1"/>
-          <p:cNvSpPr>
-            <a:spLocks noGrp="1"/>
-          </p:cNvSpPr>
-          <p:nvPr>
-            <p:ph type="title"/>
-          </p:nvPr>
-        </p:nvSpPr>
-        <p:spPr/>
-        <p:txBody>
-          <a:bodyPr>
-            <a:noAutofit/>
+          <p:cNvPr id="5" name="內容版面配置區 4"/>
+          <p:cNvSpPr>
+            <a:spLocks noGrp="1"/>
+          </p:cNvSpPr>
+          <p:nvPr>
+            <p:ph idx="1"/>
+          </p:nvPr>
+        </p:nvSpPr>
+        <p:spPr>
+          <a:xfrm>
+            <a:off x="0" y="2084851"/>
+            <a:ext cx="12192000" cy="2404863"/>
+          </a:xfrm>
+        </p:spPr>
+        <p:txBody>
+          <a:bodyPr anchor="ctr">
+            <a:normAutofit/>
           </a:bodyPr>
           <a:lstStyle/>
           <a:p>
-            <a:r>
-              <a:rPr lang="en-US" altLang="zh-TW" sz="5000" b="1" dirty="0">
+            <a:pPr algn="ctr">
+              <a:buNone/>
+            </a:pPr>
+            <a:r>
+              <a:rPr lang="zh-TW" altLang="en-US" sz="6400" b="1" dirty="0">
                 <a:solidFill>
                   <a:srgbClr val="660033"/>
                 </a:solidFill>
                 <a:latin typeface="微軟正黑體" pitchFamily="34" charset="-120"/>
                 <a:ea typeface="微軟正黑體" pitchFamily="34" charset="-120"/>
               </a:rPr>
-              <a:t/>
-            </a:r>
-            <a:br>
-              <a:rPr lang="en-US" altLang="zh-TW" sz="5000" b="1" dirty="0">
+              <a:t>恬靜 我沈默主座前 </a:t>
+            </a:r>
+            <a:r>
+              <a:rPr lang="zh-TW" altLang="en-US" sz="6400" b="1" dirty="0" smtClean="0">
                 <a:solidFill>
                   <a:srgbClr val="660033"/>
                 </a:solidFill>
                 <a:latin typeface="微軟正黑體" pitchFamily="34" charset="-120"/>
                 <a:ea typeface="微軟正黑體" pitchFamily="34" charset="-120"/>
               </a:rPr>
-            </a:br>
-            <a:r>
-              <a:rPr lang="zh-TW" altLang="en-US" sz="5000" b="1" dirty="0">
+              <a:t> 毋</a:t>
+            </a:r>
+            <a:r>
+              <a:rPr lang="zh-TW" altLang="en-US" sz="6400" b="1" dirty="0">
                 <a:solidFill>
                   <a:srgbClr val="660033"/>
                 </a:solidFill>
                 <a:latin typeface="微軟正黑體" pitchFamily="34" charset="-120"/>
                 <a:ea typeface="微軟正黑體" pitchFamily="34" charset="-120"/>
               </a:rPr>
-              <a:t>主禱文</a:t>
-            </a:r>
-            <a:r>
-              <a:rPr lang="en-US" sz="5000" b="1" dirty="0">
-                <a:solidFill>
-                  <a:srgbClr val="660033"/>
-                </a:solidFill>
-                <a:latin typeface="微軟正黑體" pitchFamily="34" charset="-120"/>
-                <a:ea typeface="微軟正黑體" pitchFamily="34" charset="-120"/>
-              </a:rPr>
-              <a:t/>
-            </a:r>
-            <a:br>
-              <a:rPr lang="en-US" sz="5000" b="1" dirty="0">
-                <a:solidFill>
-                  <a:srgbClr val="660033"/>
-                </a:solidFill>
-                <a:latin typeface="微軟正黑體" pitchFamily="34" charset="-120"/>
-                <a:ea typeface="微軟正黑體" pitchFamily="34" charset="-120"/>
-              </a:rPr>
-            </a:br>
-            <a:endParaRPr lang="en-US" sz="5000" b="1" dirty="0">
+              <a:t>用多片言</a:t>
+            </a:r>
+            <a:endParaRPr lang="en-US" altLang="zh-TW" sz="6400" b="1" dirty="0">
               <a:solidFill>
                 <a:srgbClr val="660033"/>
               </a:solidFill>
@@ -3953,44 +4803,51 @@
               <a:ea typeface="微軟正黑體" pitchFamily="34" charset="-120"/>
             </a:endParaRPr>
           </a:p>
-        </p:txBody>
-      </p:sp>
-      <p:sp>
-        <p:nvSpPr>
-          <p:cNvPr id="3" name="Content Placeholder 2"/>
-          <p:cNvSpPr>
-            <a:spLocks noGrp="1"/>
-          </p:cNvSpPr>
-          <p:nvPr>
-            <p:ph idx="1"/>
-          </p:nvPr>
-        </p:nvSpPr>
-        <p:spPr>
-          <a:xfrm>
-            <a:off x="1981200" y="1600200"/>
-            <a:ext cx="8229600" cy="4900634"/>
-          </a:xfrm>
-        </p:spPr>
-        <p:txBody>
-          <a:bodyPr>
-            <a:normAutofit lnSpcReduction="10000"/>
-          </a:bodyPr>
-          <a:lstStyle/>
           <a:p>
             <a:pPr algn="ctr">
               <a:buNone/>
             </a:pPr>
             <a:r>
-              <a:rPr lang="zh-TW" altLang="en-US" sz="5400" b="1" dirty="0">
+              <a:rPr lang="zh-TW" altLang="en-US" sz="6400" b="1" dirty="0">
                 <a:solidFill>
                   <a:srgbClr val="660033"/>
                 </a:solidFill>
                 <a:latin typeface="微軟正黑體" pitchFamily="34" charset="-120"/>
                 <a:ea typeface="微軟正黑體" pitchFamily="34" charset="-120"/>
               </a:rPr>
-              <a:t>求賜我信心的眼睛</a:t>
-            </a:r>
-            <a:endParaRPr lang="en-US" sz="5400" b="1" dirty="0">
+              <a:t>在禱告前 </a:t>
+            </a:r>
+            <a:r>
+              <a:rPr lang="zh-TW" altLang="en-US" sz="6400" b="1" dirty="0" smtClean="0">
+                <a:solidFill>
+                  <a:srgbClr val="660033"/>
+                </a:solidFill>
+                <a:latin typeface="微軟正黑體" pitchFamily="34" charset="-120"/>
+                <a:ea typeface="微軟正黑體" pitchFamily="34" charset="-120"/>
+              </a:rPr>
+              <a:t> 祢</a:t>
+            </a:r>
+            <a:r>
+              <a:rPr lang="zh-TW" altLang="en-US" sz="6400" b="1" dirty="0">
+                <a:solidFill>
+                  <a:srgbClr val="660033"/>
+                </a:solidFill>
+                <a:latin typeface="微軟正黑體" pitchFamily="34" charset="-120"/>
+                <a:ea typeface="微軟正黑體" pitchFamily="34" charset="-120"/>
+              </a:rPr>
+              <a:t>已清楚我需</a:t>
+            </a:r>
+            <a:r>
+              <a:rPr lang="zh-TW" altLang="en-US" sz="6400" b="1" dirty="0" smtClean="0">
+                <a:solidFill>
+                  <a:srgbClr val="660033"/>
+                </a:solidFill>
+                <a:latin typeface="微軟正黑體" pitchFamily="34" charset="-120"/>
+                <a:ea typeface="微軟正黑體" pitchFamily="34" charset="-120"/>
+              </a:rPr>
+              <a:t>要</a:t>
+            </a:r>
+            <a:endParaRPr lang="en-US" altLang="zh-TW" sz="6400" b="1" dirty="0">
               <a:solidFill>
                 <a:srgbClr val="660033"/>
               </a:solidFill>
@@ -3998,109 +4855,53 @@
               <a:ea typeface="微軟正黑體" pitchFamily="34" charset="-120"/>
             </a:endParaRPr>
           </a:p>
-          <a:p>
-            <a:pPr algn="ctr">
-              <a:buNone/>
-            </a:pPr>
-            <a:r>
-              <a:rPr lang="zh-TW" altLang="en-US" sz="5400" b="1" dirty="0">
-                <a:solidFill>
-                  <a:srgbClr val="660033"/>
-                </a:solidFill>
-                <a:latin typeface="微軟正黑體" pitchFamily="34" charset="-120"/>
-                <a:ea typeface="微軟正黑體" pitchFamily="34" charset="-120"/>
-              </a:rPr>
-              <a:t>風暴裡仍舊恬靜</a:t>
-            </a:r>
-            <a:endParaRPr lang="en-US" sz="5400" b="1" dirty="0">
+        </p:txBody>
+      </p:sp>
+      <p:sp>
+        <p:nvSpPr>
+          <p:cNvPr id="2" name="TextBox 1"/>
+          <p:cNvSpPr txBox="1"/>
+          <p:nvPr/>
+        </p:nvSpPr>
+        <p:spPr>
+          <a:xfrm>
+            <a:off x="0" y="5158596"/>
+            <a:ext cx="12192000" cy="769441"/>
+          </a:xfrm>
+          <a:prstGeom prst="rect">
+            <a:avLst/>
+          </a:prstGeom>
+          <a:noFill/>
+        </p:spPr>
+        <p:txBody>
+          <a:bodyPr wrap="square" rtlCol="0">
+            <a:spAutoFit/>
+          </a:bodyPr>
+          <a:lstStyle/>
+          <a:p>
+            <a:pPr algn="ctr"/>
+            <a:r>
+              <a:rPr lang="en-US" sz="4400" b="1" dirty="0" smtClean="0">
+                <a:solidFill>
+                  <a:srgbClr val="660033"/>
+                </a:solidFill>
+              </a:rPr>
+              <a:t>( Verse 1 )</a:t>
+            </a:r>
+            <a:endParaRPr lang="vi-VN" sz="4400" b="1" dirty="0">
               <a:solidFill>
                 <a:srgbClr val="660033"/>
               </a:solidFill>
-              <a:latin typeface="微軟正黑體" pitchFamily="34" charset="-120"/>
-              <a:ea typeface="微軟正黑體" pitchFamily="34" charset="-120"/>
             </a:endParaRPr>
           </a:p>
-          <a:p>
-            <a:pPr algn="ctr">
-              <a:buNone/>
-            </a:pPr>
-            <a:r>
-              <a:rPr lang="zh-TW" altLang="en-US" sz="5400" b="1" dirty="0">
-                <a:solidFill>
-                  <a:srgbClr val="660033"/>
-                </a:solidFill>
-                <a:latin typeface="微軟正黑體" pitchFamily="34" charset="-120"/>
-                <a:ea typeface="微軟正黑體" pitchFamily="34" charset="-120"/>
-              </a:rPr>
-              <a:t>全獻我順服的心靈</a:t>
-            </a:r>
-            <a:endParaRPr lang="en-US" sz="5400" b="1" dirty="0">
-              <a:solidFill>
-                <a:srgbClr val="660033"/>
-              </a:solidFill>
-              <a:latin typeface="微軟正黑體" pitchFamily="34" charset="-120"/>
-              <a:ea typeface="微軟正黑體" pitchFamily="34" charset="-120"/>
-            </a:endParaRPr>
-          </a:p>
-          <a:p>
-            <a:pPr algn="ctr">
-              <a:buNone/>
-            </a:pPr>
-            <a:r>
-              <a:rPr lang="zh-TW" altLang="en-US" sz="5400" b="1" dirty="0">
-                <a:solidFill>
-                  <a:srgbClr val="660033"/>
-                </a:solidFill>
-                <a:latin typeface="微軟正黑體" pitchFamily="34" charset="-120"/>
-                <a:ea typeface="微軟正黑體" pitchFamily="34" charset="-120"/>
-              </a:rPr>
-              <a:t>由祢全權來帶領</a:t>
-            </a:r>
-            <a:r>
-              <a:rPr lang="en-US" sz="4800" b="1" dirty="0">
-                <a:solidFill>
-                  <a:srgbClr val="660033"/>
-                </a:solidFill>
-                <a:latin typeface="微軟正黑體" pitchFamily="34" charset="-120"/>
-                <a:ea typeface="微軟正黑體" pitchFamily="34" charset="-120"/>
-              </a:rPr>
-              <a:t/>
-            </a:r>
-            <a:br>
-              <a:rPr lang="en-US" sz="4800" b="1" dirty="0">
-                <a:solidFill>
-                  <a:srgbClr val="660033"/>
-                </a:solidFill>
-                <a:latin typeface="微軟正黑體" pitchFamily="34" charset="-120"/>
-                <a:ea typeface="微軟正黑體" pitchFamily="34" charset="-120"/>
-              </a:rPr>
-            </a:br>
-            <a:endParaRPr lang="en-US" sz="4800" b="1" dirty="0">
-              <a:solidFill>
-                <a:srgbClr val="660033"/>
-              </a:solidFill>
-              <a:latin typeface="微軟正黑體" pitchFamily="34" charset="-120"/>
-              <a:ea typeface="微軟正黑體" pitchFamily="34" charset="-120"/>
-            </a:endParaRPr>
-          </a:p>
-          <a:p>
-            <a:pPr algn="ctr">
-              <a:buNone/>
-            </a:pPr>
-            <a:r>
-              <a:rPr lang="en-US" sz="1800" b="1" dirty="0">
-                <a:solidFill>
-                  <a:srgbClr val="660033"/>
-                </a:solidFill>
-                <a:latin typeface="微軟正黑體" pitchFamily="34" charset="-120"/>
-                <a:ea typeface="微軟正黑體" pitchFamily="34" charset="-120"/>
-              </a:rPr>
-              <a:t>[Pre-chorus]</a:t>
-            </a:r>
-          </a:p>
         </p:txBody>
       </p:sp>
     </p:spTree>
+    <p:extLst>
+      <p:ext uri="{BB962C8B-B14F-4D97-AF65-F5344CB8AC3E}">
+        <p14:creationId xmlns:p14="http://schemas.microsoft.com/office/powerpoint/2010/main" val="2875265411"/>
+      </p:ext>
+    </p:extLst>
   </p:cSld>
   <p:clrMapOvr>
     <a:masterClrMapping/>
@@ -4127,70 +4928,40 @@
       </p:grpSpPr>
       <p:sp>
         <p:nvSpPr>
-          <p:cNvPr id="2" name="Title 1"/>
-          <p:cNvSpPr>
-            <a:spLocks noGrp="1"/>
-          </p:cNvSpPr>
-          <p:nvPr>
-            <p:ph type="title"/>
-          </p:nvPr>
-        </p:nvSpPr>
-        <p:spPr/>
-        <p:txBody>
-          <a:bodyPr>
-            <a:noAutofit/>
+          <p:cNvPr id="5" name="內容版面配置區 4"/>
+          <p:cNvSpPr>
+            <a:spLocks noGrp="1"/>
+          </p:cNvSpPr>
+          <p:nvPr>
+            <p:ph idx="1"/>
+          </p:nvPr>
+        </p:nvSpPr>
+        <p:spPr>
+          <a:xfrm>
+            <a:off x="0" y="2084851"/>
+            <a:ext cx="12192000" cy="2404863"/>
+          </a:xfrm>
+        </p:spPr>
+        <p:txBody>
+          <a:bodyPr anchor="ctr">
+            <a:normAutofit/>
           </a:bodyPr>
           <a:lstStyle/>
           <a:p>
-            <a:r>
-              <a:rPr lang="en-US" altLang="zh-TW" sz="5000" b="1" dirty="0">
+            <a:pPr algn="ctr">
+              <a:buNone/>
+            </a:pPr>
+            <a:r>
+              <a:rPr lang="zh-TW" altLang="en-US" sz="6400" b="1" dirty="0">
                 <a:solidFill>
                   <a:srgbClr val="660033"/>
                 </a:solidFill>
                 <a:latin typeface="微軟正黑體" pitchFamily="34" charset="-120"/>
                 <a:ea typeface="微軟正黑體" pitchFamily="34" charset="-120"/>
               </a:rPr>
-              <a:t/>
-            </a:r>
-            <a:br>
-              <a:rPr lang="en-US" altLang="zh-TW" sz="5000" b="1" dirty="0">
-                <a:solidFill>
-                  <a:srgbClr val="660033"/>
-                </a:solidFill>
-                <a:latin typeface="微軟正黑體" pitchFamily="34" charset="-120"/>
-                <a:ea typeface="微軟正黑體" pitchFamily="34" charset="-120"/>
-              </a:rPr>
-            </a:br>
-            <a:r>
-              <a:rPr lang="zh-TW" altLang="en-US" sz="5000" b="1" dirty="0">
-                <a:solidFill>
-                  <a:srgbClr val="660033"/>
-                </a:solidFill>
-                <a:latin typeface="微軟正黑體" pitchFamily="34" charset="-120"/>
-                <a:ea typeface="微軟正黑體" pitchFamily="34" charset="-120"/>
-              </a:rPr>
-              <a:t>主禱文</a:t>
-            </a:r>
-            <a:r>
-              <a:rPr lang="en-US" sz="5000" b="1" dirty="0">
-                <a:solidFill>
-                  <a:srgbClr val="660033"/>
-                </a:solidFill>
-                <a:latin typeface="微軟正黑體" pitchFamily="34" charset="-120"/>
-                <a:ea typeface="微軟正黑體" pitchFamily="34" charset="-120"/>
-              </a:rPr>
-              <a:t/>
-            </a:r>
-            <a:br>
-              <a:rPr lang="en-US" sz="5000" b="1" dirty="0">
-                <a:solidFill>
-                  <a:srgbClr val="660033"/>
-                </a:solidFill>
-                <a:latin typeface="微軟正黑體" pitchFamily="34" charset="-120"/>
-                <a:ea typeface="微軟正黑體" pitchFamily="34" charset="-120"/>
-              </a:rPr>
-            </a:br>
-            <a:endParaRPr lang="en-US" sz="5000" b="1" dirty="0">
+              <a:t>求賜我信心的眼睛</a:t>
+            </a:r>
+            <a:endParaRPr lang="en-US" sz="6400" b="1" dirty="0">
               <a:solidFill>
                 <a:srgbClr val="660033"/>
               </a:solidFill>
@@ -4198,39 +4969,21 @@
               <a:ea typeface="微軟正黑體" pitchFamily="34" charset="-120"/>
             </a:endParaRPr>
           </a:p>
-        </p:txBody>
-      </p:sp>
-      <p:sp>
-        <p:nvSpPr>
-          <p:cNvPr id="3" name="Content Placeholder 2"/>
-          <p:cNvSpPr>
-            <a:spLocks noGrp="1"/>
-          </p:cNvSpPr>
-          <p:nvPr>
-            <p:ph idx="1"/>
-          </p:nvPr>
-        </p:nvSpPr>
-        <p:spPr/>
-        <p:txBody>
-          <a:bodyPr>
-            <a:noAutofit/>
-          </a:bodyPr>
-          <a:lstStyle/>
           <a:p>
             <a:pPr algn="ctr">
               <a:buNone/>
             </a:pPr>
             <a:r>
-              <a:rPr lang="zh-TW" altLang="en-US" sz="5400" b="1" dirty="0">
+              <a:rPr lang="zh-TW" altLang="en-US" sz="6400" b="1" dirty="0">
                 <a:solidFill>
                   <a:srgbClr val="660033"/>
                 </a:solidFill>
                 <a:latin typeface="微軟正黑體" pitchFamily="34" charset="-120"/>
                 <a:ea typeface="微軟正黑體" pitchFamily="34" charset="-120"/>
               </a:rPr>
-              <a:t>願人都尊祢名為聖</a:t>
-            </a:r>
-            <a:endParaRPr lang="en-US" sz="5400" b="1" dirty="0">
+              <a:t>風暴裡仍舊恬靜</a:t>
+            </a:r>
+            <a:endParaRPr lang="en-US" sz="6400" b="1" dirty="0">
               <a:solidFill>
                 <a:srgbClr val="660033"/>
               </a:solidFill>
@@ -4238,152 +4991,61 @@
               <a:ea typeface="微軟正黑體" pitchFamily="34" charset="-120"/>
             </a:endParaRPr>
           </a:p>
-          <a:p>
-            <a:pPr algn="ctr">
-              <a:buNone/>
-            </a:pPr>
-            <a:r>
-              <a:rPr lang="zh-TW" altLang="en-US" sz="5400" b="1" dirty="0">
-                <a:solidFill>
-                  <a:srgbClr val="660033"/>
-                </a:solidFill>
-                <a:latin typeface="微軟正黑體" pitchFamily="34" charset="-120"/>
-                <a:ea typeface="微軟正黑體" pitchFamily="34" charset="-120"/>
-              </a:rPr>
-              <a:t>願祢的國降臨</a:t>
-            </a:r>
-            <a:endParaRPr lang="en-US" sz="5400" b="1" dirty="0">
+        </p:txBody>
+      </p:sp>
+      <p:sp>
+        <p:nvSpPr>
+          <p:cNvPr id="2" name="TextBox 1"/>
+          <p:cNvSpPr txBox="1"/>
+          <p:nvPr/>
+        </p:nvSpPr>
+        <p:spPr>
+          <a:xfrm>
+            <a:off x="0" y="5158596"/>
+            <a:ext cx="12192000" cy="769441"/>
+          </a:xfrm>
+          <a:prstGeom prst="rect">
+            <a:avLst/>
+          </a:prstGeom>
+          <a:noFill/>
+        </p:spPr>
+        <p:txBody>
+          <a:bodyPr wrap="square" rtlCol="0">
+            <a:spAutoFit/>
+          </a:bodyPr>
+          <a:lstStyle/>
+          <a:p>
+            <a:pPr algn="ctr"/>
+            <a:r>
+              <a:rPr lang="en-US" sz="4400" b="1" dirty="0" smtClean="0">
+                <a:solidFill>
+                  <a:srgbClr val="660033"/>
+                </a:solidFill>
+              </a:rPr>
+              <a:t>( Pre-chorus </a:t>
+            </a:r>
+            <a:r>
+              <a:rPr lang="en-US" sz="4400" b="1" dirty="0">
+                <a:solidFill>
+                  <a:srgbClr val="660033"/>
+                </a:solidFill>
+              </a:rPr>
+              <a:t>)</a:t>
+            </a:r>
+            <a:endParaRPr lang="vi-VN" sz="4400" b="1" dirty="0">
               <a:solidFill>
                 <a:srgbClr val="660033"/>
               </a:solidFill>
-              <a:latin typeface="微軟正黑體" pitchFamily="34" charset="-120"/>
-              <a:ea typeface="微軟正黑體" pitchFamily="34" charset="-120"/>
             </a:endParaRPr>
           </a:p>
-          <a:p>
-            <a:pPr algn="ctr">
-              <a:buNone/>
-            </a:pPr>
-            <a:r>
-              <a:rPr lang="zh-TW" altLang="en-US" sz="5400" b="1" dirty="0">
-                <a:solidFill>
-                  <a:srgbClr val="660033"/>
-                </a:solidFill>
-                <a:latin typeface="微軟正黑體" pitchFamily="34" charset="-120"/>
-                <a:ea typeface="微軟正黑體" pitchFamily="34" charset="-120"/>
-              </a:rPr>
-              <a:t>也願祢旨意行在地上</a:t>
-            </a:r>
-            <a:endParaRPr lang="en-US" sz="5400" b="1" dirty="0">
-              <a:solidFill>
-                <a:srgbClr val="660033"/>
-              </a:solidFill>
-              <a:latin typeface="微軟正黑體" pitchFamily="34" charset="-120"/>
-              <a:ea typeface="微軟正黑體" pitchFamily="34" charset="-120"/>
-            </a:endParaRPr>
-          </a:p>
-          <a:p>
-            <a:pPr algn="ctr">
-              <a:buNone/>
-            </a:pPr>
-            <a:r>
-              <a:rPr lang="zh-TW" altLang="en-US" sz="5400" b="1" dirty="0">
-                <a:solidFill>
-                  <a:srgbClr val="660033"/>
-                </a:solidFill>
-                <a:latin typeface="微軟正黑體" pitchFamily="34" charset="-120"/>
-                <a:ea typeface="微軟正黑體" pitchFamily="34" charset="-120"/>
-              </a:rPr>
-              <a:t>如同行在天上</a:t>
-            </a:r>
-            <a:endParaRPr lang="en-US" altLang="zh-TW" sz="5400" b="1" dirty="0">
-              <a:solidFill>
-                <a:srgbClr val="660033"/>
-              </a:solidFill>
-              <a:latin typeface="微軟正黑體" pitchFamily="34" charset="-120"/>
-              <a:ea typeface="微軟正黑體" pitchFamily="34" charset="-120"/>
-            </a:endParaRPr>
-          </a:p>
-          <a:p>
-            <a:pPr algn="ctr">
-              <a:buNone/>
-            </a:pPr>
-            <a:endParaRPr lang="en-US" altLang="zh-TW" sz="2800" b="1" dirty="0">
-              <a:solidFill>
-                <a:srgbClr val="660033"/>
-              </a:solidFill>
-              <a:latin typeface="微軟正黑體" pitchFamily="34" charset="-120"/>
-              <a:ea typeface="微軟正黑體" pitchFamily="34" charset="-120"/>
-            </a:endParaRPr>
-          </a:p>
-          <a:p>
-            <a:pPr algn="ctr">
-              <a:buNone/>
-            </a:pPr>
-            <a:r>
-              <a:rPr lang="en-US" altLang="zh-TW" sz="2000" b="1" dirty="0">
-                <a:solidFill>
-                  <a:srgbClr val="660033"/>
-                </a:solidFill>
-                <a:latin typeface="微軟正黑體" pitchFamily="34" charset="-120"/>
-                <a:ea typeface="微軟正黑體" pitchFamily="34" charset="-120"/>
-              </a:rPr>
-              <a:t>[Chorus]</a:t>
-            </a:r>
-          </a:p>
-          <a:p>
-            <a:pPr algn="ctr">
-              <a:buNone/>
-            </a:pPr>
-            <a:r>
-              <a:rPr lang="en-US" sz="5400" b="1" dirty="0">
-                <a:solidFill>
-                  <a:srgbClr val="660033"/>
-                </a:solidFill>
-                <a:latin typeface="微軟正黑體" pitchFamily="34" charset="-120"/>
-                <a:ea typeface="微軟正黑體" pitchFamily="34" charset="-120"/>
-              </a:rPr>
-              <a:t/>
-            </a:r>
-            <a:br>
-              <a:rPr lang="en-US" sz="5400" b="1" dirty="0">
-                <a:solidFill>
-                  <a:srgbClr val="660033"/>
-                </a:solidFill>
-                <a:latin typeface="微軟正黑體" pitchFamily="34" charset="-120"/>
-                <a:ea typeface="微軟正黑體" pitchFamily="34" charset="-120"/>
-              </a:rPr>
-            </a:br>
-            <a:r>
-              <a:rPr lang="en-US" sz="1600" b="1" dirty="0">
-                <a:solidFill>
-                  <a:srgbClr val="660033"/>
-                </a:solidFill>
-                <a:latin typeface="微軟正黑體" pitchFamily="34" charset="-120"/>
-                <a:ea typeface="微軟正黑體" pitchFamily="34" charset="-120"/>
-              </a:rPr>
-              <a:t/>
-            </a:r>
-            <a:br>
-              <a:rPr lang="en-US" sz="1600" b="1" dirty="0">
-                <a:solidFill>
-                  <a:srgbClr val="660033"/>
-                </a:solidFill>
-                <a:latin typeface="微軟正黑體" pitchFamily="34" charset="-120"/>
-                <a:ea typeface="微軟正黑體" pitchFamily="34" charset="-120"/>
-              </a:rPr>
-            </a:br>
-            <a:endParaRPr lang="en-US" sz="1600" b="1" dirty="0">
-              <a:solidFill>
-                <a:srgbClr val="660033"/>
-              </a:solidFill>
-              <a:latin typeface="微軟正黑體" pitchFamily="34" charset="-120"/>
-              <a:ea typeface="微軟正黑體" pitchFamily="34" charset="-120"/>
-            </a:endParaRPr>
-          </a:p>
         </p:txBody>
       </p:sp>
     </p:spTree>
+    <p:extLst>
+      <p:ext uri="{BB962C8B-B14F-4D97-AF65-F5344CB8AC3E}">
+        <p14:creationId xmlns:p14="http://schemas.microsoft.com/office/powerpoint/2010/main" val="156078492"/>
+      </p:ext>
+    </p:extLst>
   </p:cSld>
   <p:clrMapOvr>
     <a:masterClrMapping/>
@@ -4410,70 +5072,40 @@
       </p:grpSpPr>
       <p:sp>
         <p:nvSpPr>
-          <p:cNvPr id="2" name="Title 1"/>
-          <p:cNvSpPr>
-            <a:spLocks noGrp="1"/>
-          </p:cNvSpPr>
-          <p:nvPr>
-            <p:ph type="title"/>
-          </p:nvPr>
-        </p:nvSpPr>
-        <p:spPr/>
-        <p:txBody>
-          <a:bodyPr>
-            <a:noAutofit/>
+          <p:cNvPr id="5" name="內容版面配置區 4"/>
+          <p:cNvSpPr>
+            <a:spLocks noGrp="1"/>
+          </p:cNvSpPr>
+          <p:nvPr>
+            <p:ph idx="1"/>
+          </p:nvPr>
+        </p:nvSpPr>
+        <p:spPr>
+          <a:xfrm>
+            <a:off x="0" y="2084851"/>
+            <a:ext cx="12192000" cy="2404863"/>
+          </a:xfrm>
+        </p:spPr>
+        <p:txBody>
+          <a:bodyPr anchor="ctr">
+            <a:normAutofit/>
           </a:bodyPr>
           <a:lstStyle/>
           <a:p>
-            <a:r>
-              <a:rPr lang="en-US" altLang="zh-TW" sz="5000" b="1" dirty="0">
+            <a:pPr algn="ctr">
+              <a:buNone/>
+            </a:pPr>
+            <a:r>
+              <a:rPr lang="zh-TW" altLang="en-US" sz="6400" b="1" dirty="0">
                 <a:solidFill>
                   <a:srgbClr val="660033"/>
                 </a:solidFill>
                 <a:latin typeface="微軟正黑體" pitchFamily="34" charset="-120"/>
                 <a:ea typeface="微軟正黑體" pitchFamily="34" charset="-120"/>
               </a:rPr>
-              <a:t/>
-            </a:r>
-            <a:br>
-              <a:rPr lang="en-US" altLang="zh-TW" sz="5000" b="1" dirty="0">
-                <a:solidFill>
-                  <a:srgbClr val="660033"/>
-                </a:solidFill>
-                <a:latin typeface="微軟正黑體" pitchFamily="34" charset="-120"/>
-                <a:ea typeface="微軟正黑體" pitchFamily="34" charset="-120"/>
-              </a:rPr>
-            </a:br>
-            <a:r>
-              <a:rPr lang="zh-TW" altLang="en-US" sz="5000" b="1" dirty="0">
-                <a:solidFill>
-                  <a:srgbClr val="660033"/>
-                </a:solidFill>
-                <a:latin typeface="微軟正黑體" pitchFamily="34" charset="-120"/>
-                <a:ea typeface="微軟正黑體" pitchFamily="34" charset="-120"/>
-              </a:rPr>
-              <a:t>主禱文</a:t>
-            </a:r>
-            <a:r>
-              <a:rPr lang="en-US" sz="5000" b="1" dirty="0">
-                <a:solidFill>
-                  <a:srgbClr val="660033"/>
-                </a:solidFill>
-                <a:latin typeface="微軟正黑體" pitchFamily="34" charset="-120"/>
-                <a:ea typeface="微軟正黑體" pitchFamily="34" charset="-120"/>
-              </a:rPr>
-              <a:t/>
-            </a:r>
-            <a:br>
-              <a:rPr lang="en-US" sz="5000" b="1" dirty="0">
-                <a:solidFill>
-                  <a:srgbClr val="660033"/>
-                </a:solidFill>
-                <a:latin typeface="微軟正黑體" pitchFamily="34" charset="-120"/>
-                <a:ea typeface="微軟正黑體" pitchFamily="34" charset="-120"/>
-              </a:rPr>
-            </a:br>
-            <a:endParaRPr lang="en-US" sz="5000" b="1" dirty="0">
+              <a:t>全獻我順服的心靈</a:t>
+            </a:r>
+            <a:endParaRPr lang="en-US" sz="6400" b="1" dirty="0">
               <a:solidFill>
                 <a:srgbClr val="660033"/>
               </a:solidFill>
@@ -4481,39 +5113,21 @@
               <a:ea typeface="微軟正黑體" pitchFamily="34" charset="-120"/>
             </a:endParaRPr>
           </a:p>
-        </p:txBody>
-      </p:sp>
-      <p:sp>
-        <p:nvSpPr>
-          <p:cNvPr id="3" name="Content Placeholder 2"/>
-          <p:cNvSpPr>
-            <a:spLocks noGrp="1"/>
-          </p:cNvSpPr>
-          <p:nvPr>
-            <p:ph idx="1"/>
-          </p:nvPr>
-        </p:nvSpPr>
-        <p:spPr/>
-        <p:txBody>
-          <a:bodyPr>
-            <a:noAutofit/>
-          </a:bodyPr>
-          <a:lstStyle/>
           <a:p>
             <a:pPr algn="ctr">
               <a:buNone/>
             </a:pPr>
             <a:r>
-              <a:rPr lang="zh-TW" altLang="en-US" sz="5400" b="1" dirty="0">
+              <a:rPr lang="zh-TW" altLang="en-US" sz="6400" b="1" dirty="0">
                 <a:solidFill>
                   <a:srgbClr val="660033"/>
                 </a:solidFill>
                 <a:latin typeface="微軟正黑體" pitchFamily="34" charset="-120"/>
                 <a:ea typeface="微軟正黑體" pitchFamily="34" charset="-120"/>
               </a:rPr>
-              <a:t>我們當天所需要的食物</a:t>
-            </a:r>
-            <a:endParaRPr lang="en-US" sz="5400" b="1" dirty="0">
+              <a:t>由祢全權來帶領</a:t>
+            </a:r>
+            <a:endParaRPr lang="en-US" sz="6400" b="1" dirty="0">
               <a:solidFill>
                 <a:srgbClr val="660033"/>
               </a:solidFill>
@@ -4521,166 +5135,61 @@
               <a:ea typeface="微軟正黑體" pitchFamily="34" charset="-120"/>
             </a:endParaRPr>
           </a:p>
-          <a:p>
-            <a:pPr algn="ctr">
-              <a:buNone/>
-            </a:pPr>
-            <a:r>
-              <a:rPr lang="zh-TW" altLang="en-US" sz="5400" b="1" dirty="0">
-                <a:solidFill>
-                  <a:srgbClr val="660033"/>
-                </a:solidFill>
-                <a:latin typeface="微軟正黑體" pitchFamily="34" charset="-120"/>
-                <a:ea typeface="微軟正黑體" pitchFamily="34" charset="-120"/>
-              </a:rPr>
-              <a:t>求祢賜給我們</a:t>
-            </a:r>
-            <a:endParaRPr lang="en-US" sz="5400" b="1" dirty="0">
+        </p:txBody>
+      </p:sp>
+      <p:sp>
+        <p:nvSpPr>
+          <p:cNvPr id="2" name="TextBox 1"/>
+          <p:cNvSpPr txBox="1"/>
+          <p:nvPr/>
+        </p:nvSpPr>
+        <p:spPr>
+          <a:xfrm>
+            <a:off x="0" y="5158596"/>
+            <a:ext cx="12192000" cy="769441"/>
+          </a:xfrm>
+          <a:prstGeom prst="rect">
+            <a:avLst/>
+          </a:prstGeom>
+          <a:noFill/>
+        </p:spPr>
+        <p:txBody>
+          <a:bodyPr wrap="square" rtlCol="0">
+            <a:spAutoFit/>
+          </a:bodyPr>
+          <a:lstStyle/>
+          <a:p>
+            <a:pPr algn="ctr"/>
+            <a:r>
+              <a:rPr lang="en-US" sz="4400" b="1" dirty="0" smtClean="0">
+                <a:solidFill>
+                  <a:srgbClr val="660033"/>
+                </a:solidFill>
+              </a:rPr>
+              <a:t>( Pre-chorus </a:t>
+            </a:r>
+            <a:r>
+              <a:rPr lang="en-US" sz="4400" b="1" dirty="0">
+                <a:solidFill>
+                  <a:srgbClr val="660033"/>
+                </a:solidFill>
+              </a:rPr>
+              <a:t>)</a:t>
+            </a:r>
+            <a:endParaRPr lang="vi-VN" sz="4400" b="1" dirty="0">
               <a:solidFill>
                 <a:srgbClr val="660033"/>
               </a:solidFill>
-              <a:latin typeface="微軟正黑體" pitchFamily="34" charset="-120"/>
-              <a:ea typeface="微軟正黑體" pitchFamily="34" charset="-120"/>
             </a:endParaRPr>
           </a:p>
-          <a:p>
-            <a:pPr algn="ctr">
-              <a:buNone/>
-            </a:pPr>
-            <a:r>
-              <a:rPr lang="zh-TW" altLang="en-US" sz="5400" b="1" dirty="0">
-                <a:solidFill>
-                  <a:srgbClr val="660033"/>
-                </a:solidFill>
-                <a:latin typeface="微軟正黑體" pitchFamily="34" charset="-120"/>
-                <a:ea typeface="微軟正黑體" pitchFamily="34" charset="-120"/>
-              </a:rPr>
-              <a:t>免我們的債</a:t>
-            </a:r>
-            <a:endParaRPr lang="en-US" sz="5400" b="1" dirty="0">
-              <a:solidFill>
-                <a:srgbClr val="660033"/>
-              </a:solidFill>
-              <a:latin typeface="微軟正黑體" pitchFamily="34" charset="-120"/>
-              <a:ea typeface="微軟正黑體" pitchFamily="34" charset="-120"/>
-            </a:endParaRPr>
-          </a:p>
-          <a:p>
-            <a:pPr algn="ctr">
-              <a:buNone/>
-            </a:pPr>
-            <a:r>
-              <a:rPr lang="zh-TW" altLang="en-US" sz="5400" b="1" dirty="0">
-                <a:solidFill>
-                  <a:srgbClr val="660033"/>
-                </a:solidFill>
-                <a:latin typeface="微軟正黑體" pitchFamily="34" charset="-120"/>
-                <a:ea typeface="微軟正黑體" pitchFamily="34" charset="-120"/>
-              </a:rPr>
-              <a:t>如同我們免去人的債</a:t>
-            </a:r>
-            <a:endParaRPr lang="en-US" altLang="zh-TW" sz="5400" b="1" dirty="0">
-              <a:solidFill>
-                <a:srgbClr val="660033"/>
-              </a:solidFill>
-              <a:latin typeface="微軟正黑體" pitchFamily="34" charset="-120"/>
-              <a:ea typeface="微軟正黑體" pitchFamily="34" charset="-120"/>
-            </a:endParaRPr>
-          </a:p>
-          <a:p>
-            <a:pPr algn="ctr">
-              <a:buNone/>
-            </a:pPr>
-            <a:endParaRPr lang="en-US" sz="2800" b="1" dirty="0">
-              <a:solidFill>
-                <a:srgbClr val="660033"/>
-              </a:solidFill>
-              <a:latin typeface="微軟正黑體" pitchFamily="34" charset="-120"/>
-              <a:ea typeface="微軟正黑體" pitchFamily="34" charset="-120"/>
-            </a:endParaRPr>
-          </a:p>
-          <a:p>
-            <a:pPr algn="ctr">
-              <a:buNone/>
-            </a:pPr>
-            <a:r>
-              <a:rPr lang="en-US" sz="2800" b="1" dirty="0">
-                <a:solidFill>
-                  <a:srgbClr val="660033"/>
-                </a:solidFill>
-                <a:latin typeface="微軟正黑體" pitchFamily="34" charset="-120"/>
-                <a:ea typeface="微軟正黑體" pitchFamily="34" charset="-120"/>
-              </a:rPr>
-              <a:t>[Chorus]</a:t>
-            </a:r>
-            <a:r>
-              <a:rPr lang="en-US" sz="5400" b="1" dirty="0">
-                <a:solidFill>
-                  <a:srgbClr val="660033"/>
-                </a:solidFill>
-                <a:latin typeface="微軟正黑體" pitchFamily="34" charset="-120"/>
-                <a:ea typeface="微軟正黑體" pitchFamily="34" charset="-120"/>
-              </a:rPr>
-              <a:t/>
-            </a:r>
-            <a:br>
-              <a:rPr lang="en-US" sz="5400" b="1" dirty="0">
-                <a:solidFill>
-                  <a:srgbClr val="660033"/>
-                </a:solidFill>
-                <a:latin typeface="微軟正黑體" pitchFamily="34" charset="-120"/>
-                <a:ea typeface="微軟正黑體" pitchFamily="34" charset="-120"/>
-              </a:rPr>
-            </a:br>
-            <a:r>
-              <a:rPr lang="en-US" sz="5400" b="1" dirty="0">
-                <a:solidFill>
-                  <a:srgbClr val="660033"/>
-                </a:solidFill>
-                <a:latin typeface="微軟正黑體" pitchFamily="34" charset="-120"/>
-                <a:ea typeface="微軟正黑體" pitchFamily="34" charset="-120"/>
-              </a:rPr>
-              <a:t/>
-            </a:r>
-            <a:br>
-              <a:rPr lang="en-US" sz="5400" b="1" dirty="0">
-                <a:solidFill>
-                  <a:srgbClr val="660033"/>
-                </a:solidFill>
-                <a:latin typeface="微軟正黑體" pitchFamily="34" charset="-120"/>
-                <a:ea typeface="微軟正黑體" pitchFamily="34" charset="-120"/>
-              </a:rPr>
-            </a:br>
-            <a:r>
-              <a:rPr lang="en-US" sz="1600" b="1" dirty="0">
-                <a:solidFill>
-                  <a:srgbClr val="660033"/>
-                </a:solidFill>
-                <a:latin typeface="微軟正黑體" pitchFamily="34" charset="-120"/>
-                <a:ea typeface="微軟正黑體" pitchFamily="34" charset="-120"/>
-              </a:rPr>
-              <a:t/>
-            </a:r>
-            <a:br>
-              <a:rPr lang="en-US" sz="1600" b="1" dirty="0">
-                <a:solidFill>
-                  <a:srgbClr val="660033"/>
-                </a:solidFill>
-                <a:latin typeface="微軟正黑體" pitchFamily="34" charset="-120"/>
-                <a:ea typeface="微軟正黑體" pitchFamily="34" charset="-120"/>
-              </a:rPr>
-            </a:br>
-            <a:endParaRPr lang="en-US" sz="1600" b="1" dirty="0">
-              <a:solidFill>
-                <a:srgbClr val="660033"/>
-              </a:solidFill>
-              <a:latin typeface="微軟正黑體" pitchFamily="34" charset="-120"/>
-              <a:ea typeface="微軟正黑體" pitchFamily="34" charset="-120"/>
-            </a:endParaRPr>
-          </a:p>
         </p:txBody>
       </p:sp>
     </p:spTree>
+    <p:extLst>
+      <p:ext uri="{BB962C8B-B14F-4D97-AF65-F5344CB8AC3E}">
+        <p14:creationId xmlns:p14="http://schemas.microsoft.com/office/powerpoint/2010/main" val="2914524278"/>
+      </p:ext>
+    </p:extLst>
   </p:cSld>
   <p:clrMapOvr>
     <a:masterClrMapping/>
@@ -4707,70 +5216,40 @@
       </p:grpSpPr>
       <p:sp>
         <p:nvSpPr>
-          <p:cNvPr id="2" name="Title 1"/>
-          <p:cNvSpPr>
-            <a:spLocks noGrp="1"/>
-          </p:cNvSpPr>
-          <p:nvPr>
-            <p:ph type="title"/>
-          </p:nvPr>
-        </p:nvSpPr>
-        <p:spPr/>
-        <p:txBody>
-          <a:bodyPr>
-            <a:noAutofit/>
+          <p:cNvPr id="5" name="內容版面配置區 4"/>
+          <p:cNvSpPr>
+            <a:spLocks noGrp="1"/>
+          </p:cNvSpPr>
+          <p:nvPr>
+            <p:ph idx="1"/>
+          </p:nvPr>
+        </p:nvSpPr>
+        <p:spPr>
+          <a:xfrm>
+            <a:off x="0" y="2084851"/>
+            <a:ext cx="12192000" cy="2404863"/>
+          </a:xfrm>
+        </p:spPr>
+        <p:txBody>
+          <a:bodyPr anchor="ctr">
+            <a:normAutofit/>
           </a:bodyPr>
           <a:lstStyle/>
           <a:p>
-            <a:r>
-              <a:rPr lang="en-US" altLang="zh-TW" sz="5000" b="1" dirty="0">
+            <a:pPr algn="ctr">
+              <a:buNone/>
+            </a:pPr>
+            <a:r>
+              <a:rPr lang="zh-TW" altLang="en-US" sz="6400" b="1" dirty="0">
                 <a:solidFill>
                   <a:srgbClr val="660033"/>
                 </a:solidFill>
                 <a:latin typeface="微軟正黑體" pitchFamily="34" charset="-120"/>
                 <a:ea typeface="微軟正黑體" pitchFamily="34" charset="-120"/>
               </a:rPr>
-              <a:t/>
-            </a:r>
-            <a:br>
-              <a:rPr lang="en-US" altLang="zh-TW" sz="5000" b="1" dirty="0">
-                <a:solidFill>
-                  <a:srgbClr val="660033"/>
-                </a:solidFill>
-                <a:latin typeface="微軟正黑體" pitchFamily="34" charset="-120"/>
-                <a:ea typeface="微軟正黑體" pitchFamily="34" charset="-120"/>
-              </a:rPr>
-            </a:br>
-            <a:r>
-              <a:rPr lang="zh-TW" altLang="en-US" sz="5000" b="1" dirty="0">
-                <a:solidFill>
-                  <a:srgbClr val="660033"/>
-                </a:solidFill>
-                <a:latin typeface="微軟正黑體" pitchFamily="34" charset="-120"/>
-                <a:ea typeface="微軟正黑體" pitchFamily="34" charset="-120"/>
-              </a:rPr>
-              <a:t>主禱文</a:t>
-            </a:r>
-            <a:r>
-              <a:rPr lang="en-US" sz="5000" b="1" dirty="0">
-                <a:solidFill>
-                  <a:srgbClr val="660033"/>
-                </a:solidFill>
-                <a:latin typeface="微軟正黑體" pitchFamily="34" charset="-120"/>
-                <a:ea typeface="微軟正黑體" pitchFamily="34" charset="-120"/>
-              </a:rPr>
-              <a:t/>
-            </a:r>
-            <a:br>
-              <a:rPr lang="en-US" sz="5000" b="1" dirty="0">
-                <a:solidFill>
-                  <a:srgbClr val="660033"/>
-                </a:solidFill>
-                <a:latin typeface="微軟正黑體" pitchFamily="34" charset="-120"/>
-                <a:ea typeface="微軟正黑體" pitchFamily="34" charset="-120"/>
-              </a:rPr>
-            </a:br>
-            <a:endParaRPr lang="en-US" sz="5000" b="1" dirty="0">
+              <a:t>願人都尊祢名為聖</a:t>
+            </a:r>
+            <a:endParaRPr lang="en-US" sz="6400" b="1" dirty="0">
               <a:solidFill>
                 <a:srgbClr val="660033"/>
               </a:solidFill>
@@ -4778,74 +5257,21 @@
               <a:ea typeface="微軟正黑體" pitchFamily="34" charset="-120"/>
             </a:endParaRPr>
           </a:p>
-        </p:txBody>
-      </p:sp>
-      <p:sp>
-        <p:nvSpPr>
-          <p:cNvPr id="3" name="Content Placeholder 2"/>
-          <p:cNvSpPr>
-            <a:spLocks noGrp="1"/>
-          </p:cNvSpPr>
-          <p:nvPr>
-            <p:ph idx="1"/>
-          </p:nvPr>
-        </p:nvSpPr>
-        <p:spPr>
-          <a:xfrm>
-            <a:off x="609600" y="1600201"/>
-            <a:ext cx="10972800" cy="5257799"/>
-          </a:xfrm>
-        </p:spPr>
-        <p:txBody>
-          <a:bodyPr>
-            <a:normAutofit/>
-          </a:bodyPr>
-          <a:lstStyle/>
           <a:p>
             <a:pPr algn="ctr">
               <a:buNone/>
             </a:pPr>
             <a:r>
-              <a:rPr lang="zh-TW" altLang="en-US" sz="5800" b="1" dirty="0" smtClean="0">
+              <a:rPr lang="zh-TW" altLang="en-US" sz="6400" b="1" dirty="0">
                 <a:solidFill>
                   <a:srgbClr val="660033"/>
                 </a:solidFill>
                 <a:latin typeface="微軟正黑體" pitchFamily="34" charset="-120"/>
                 <a:ea typeface="微軟正黑體" pitchFamily="34" charset="-120"/>
               </a:rPr>
-              <a:t>今</a:t>
-            </a:r>
-            <a:r>
-              <a:rPr lang="zh-TW" altLang="en-US" sz="5800" b="1" dirty="0">
-                <a:solidFill>
-                  <a:srgbClr val="660033"/>
-                </a:solidFill>
-                <a:latin typeface="微軟正黑體" pitchFamily="34" charset="-120"/>
-                <a:ea typeface="微軟正黑體" pitchFamily="34" charset="-120"/>
-              </a:rPr>
-              <a:t>日 </a:t>
-            </a:r>
-            <a:r>
-              <a:rPr lang="zh-TW" altLang="en-US" sz="5800" b="1" dirty="0" smtClean="0">
-                <a:solidFill>
-                  <a:srgbClr val="660033"/>
-                </a:solidFill>
-                <a:latin typeface="微軟正黑體" pitchFamily="34" charset="-120"/>
-                <a:ea typeface="微軟正黑體" pitchFamily="34" charset="-120"/>
-              </a:rPr>
-              <a:t> 我</a:t>
-            </a:r>
-            <a:r>
-              <a:rPr lang="zh-TW" altLang="en-US" sz="5800" b="1" dirty="0">
-                <a:solidFill>
-                  <a:srgbClr val="660033"/>
-                </a:solidFill>
-                <a:latin typeface="微軟正黑體" pitchFamily="34" charset="-120"/>
-                <a:ea typeface="微軟正黑體" pitchFamily="34" charset="-120"/>
-              </a:rPr>
-              <a:t>求問主的國 </a:t>
-            </a:r>
-            <a:endParaRPr lang="en-US" altLang="zh-TW" sz="5800" b="1" dirty="0" smtClean="0">
+              <a:t>願祢的國降臨</a:t>
+            </a:r>
+            <a:endParaRPr lang="en-US" sz="6400" b="1" dirty="0">
               <a:solidFill>
                 <a:srgbClr val="660033"/>
               </a:solidFill>
@@ -4853,137 +5279,61 @@
               <a:ea typeface="微軟正黑體" pitchFamily="34" charset="-120"/>
             </a:endParaRPr>
           </a:p>
-          <a:p>
-            <a:pPr algn="ctr">
-              <a:buNone/>
-            </a:pPr>
-            <a:r>
-              <a:rPr lang="zh-TW" altLang="en-US" sz="5800" b="1" dirty="0" smtClean="0">
-                <a:solidFill>
-                  <a:srgbClr val="660033"/>
-                </a:solidFill>
-                <a:latin typeface="微軟正黑體" pitchFamily="34" charset="-120"/>
-                <a:ea typeface="微軟正黑體" pitchFamily="34" charset="-120"/>
-              </a:rPr>
-              <a:t>求</a:t>
-            </a:r>
-            <a:r>
-              <a:rPr lang="zh-TW" altLang="en-US" sz="5800" b="1" dirty="0">
-                <a:solidFill>
-                  <a:srgbClr val="660033"/>
-                </a:solidFill>
-                <a:latin typeface="微軟正黑體" pitchFamily="34" charset="-120"/>
-                <a:ea typeface="微軟正黑體" pitchFamily="34" charset="-120"/>
-              </a:rPr>
-              <a:t>問主的義</a:t>
-            </a:r>
-            <a:endParaRPr lang="en-US" sz="5800" b="1" dirty="0">
+        </p:txBody>
+      </p:sp>
+      <p:sp>
+        <p:nvSpPr>
+          <p:cNvPr id="2" name="TextBox 1"/>
+          <p:cNvSpPr txBox="1"/>
+          <p:nvPr/>
+        </p:nvSpPr>
+        <p:spPr>
+          <a:xfrm>
+            <a:off x="0" y="5158596"/>
+            <a:ext cx="12192000" cy="769441"/>
+          </a:xfrm>
+          <a:prstGeom prst="rect">
+            <a:avLst/>
+          </a:prstGeom>
+          <a:noFill/>
+        </p:spPr>
+        <p:txBody>
+          <a:bodyPr wrap="square" rtlCol="0">
+            <a:spAutoFit/>
+          </a:bodyPr>
+          <a:lstStyle/>
+          <a:p>
+            <a:pPr algn="ctr"/>
+            <a:r>
+              <a:rPr lang="en-US" sz="4400" b="1" dirty="0" smtClean="0">
+                <a:solidFill>
+                  <a:srgbClr val="660033"/>
+                </a:solidFill>
+              </a:rPr>
+              <a:t>( Chorus </a:t>
+            </a:r>
+            <a:r>
+              <a:rPr lang="en-US" sz="4400" b="1" dirty="0">
+                <a:solidFill>
+                  <a:srgbClr val="660033"/>
+                </a:solidFill>
+              </a:rPr>
+              <a:t>)</a:t>
+            </a:r>
+            <a:endParaRPr lang="vi-VN" sz="4400" b="1" dirty="0">
               <a:solidFill>
                 <a:srgbClr val="660033"/>
               </a:solidFill>
-              <a:latin typeface="微軟正黑體" pitchFamily="34" charset="-120"/>
-              <a:ea typeface="微軟正黑體" pitchFamily="34" charset="-120"/>
             </a:endParaRPr>
           </a:p>
-          <a:p>
-            <a:pPr algn="ctr">
-              <a:buNone/>
-            </a:pPr>
-            <a:r>
-              <a:rPr lang="zh-TW" altLang="en-US" sz="5800" b="1" dirty="0">
-                <a:solidFill>
-                  <a:srgbClr val="660033"/>
-                </a:solidFill>
-                <a:latin typeface="微軟正黑體" pitchFamily="34" charset="-120"/>
-                <a:ea typeface="微軟正黑體" pitchFamily="34" charset="-120"/>
-              </a:rPr>
-              <a:t>王的旨</a:t>
-            </a:r>
-            <a:r>
-              <a:rPr lang="zh-TW" altLang="en-US" sz="5800" b="1">
-                <a:solidFill>
-                  <a:srgbClr val="660033"/>
-                </a:solidFill>
-                <a:latin typeface="微軟正黑體" pitchFamily="34" charset="-120"/>
-                <a:ea typeface="微軟正黑體" pitchFamily="34" charset="-120"/>
-              </a:rPr>
-              <a:t>意 </a:t>
-            </a:r>
-            <a:r>
-              <a:rPr lang="zh-TW" altLang="en-US" sz="5800" b="1" smtClean="0">
-                <a:solidFill>
-                  <a:srgbClr val="660033"/>
-                </a:solidFill>
-                <a:latin typeface="微軟正黑體" pitchFamily="34" charset="-120"/>
-                <a:ea typeface="微軟正黑體" pitchFamily="34" charset="-120"/>
-              </a:rPr>
-              <a:t> 如</a:t>
-            </a:r>
-            <a:r>
-              <a:rPr lang="zh-TW" altLang="en-US" sz="5800" b="1" dirty="0">
-                <a:solidFill>
-                  <a:srgbClr val="660033"/>
-                </a:solidFill>
-                <a:latin typeface="微軟正黑體" pitchFamily="34" charset="-120"/>
-                <a:ea typeface="微軟正黑體" pitchFamily="34" charset="-120"/>
-              </a:rPr>
-              <a:t>陽光遍地彰顯</a:t>
-            </a:r>
-            <a:endParaRPr lang="en-US" altLang="zh-TW" sz="5800" b="1" dirty="0">
-              <a:solidFill>
-                <a:srgbClr val="660033"/>
-              </a:solidFill>
-              <a:latin typeface="微軟正黑體" pitchFamily="34" charset="-120"/>
-              <a:ea typeface="微軟正黑體" pitchFamily="34" charset="-120"/>
-            </a:endParaRPr>
-          </a:p>
-          <a:p>
-            <a:pPr algn="ctr">
-              <a:buNone/>
-            </a:pPr>
-            <a:endParaRPr lang="en-US" sz="4400" b="1" dirty="0">
-              <a:solidFill>
-                <a:srgbClr val="660033"/>
-              </a:solidFill>
-              <a:latin typeface="微軟正黑體" pitchFamily="34" charset="-120"/>
-              <a:ea typeface="微軟正黑體" pitchFamily="34" charset="-120"/>
-            </a:endParaRPr>
-          </a:p>
-          <a:p>
-            <a:pPr algn="ctr">
-              <a:buNone/>
-            </a:pPr>
-            <a:r>
-              <a:rPr lang="en-US" sz="2000" b="1" dirty="0">
-                <a:solidFill>
-                  <a:srgbClr val="660033"/>
-                </a:solidFill>
-                <a:latin typeface="微軟正黑體" pitchFamily="34" charset="-120"/>
-                <a:ea typeface="微軟正黑體" pitchFamily="34" charset="-120"/>
-              </a:rPr>
-              <a:t>[Verse 2</a:t>
-            </a:r>
-            <a:r>
-              <a:rPr lang="en-US" sz="2000" b="1" dirty="0" smtClean="0">
-                <a:solidFill>
-                  <a:srgbClr val="660033"/>
-                </a:solidFill>
-                <a:latin typeface="微軟正黑體" pitchFamily="34" charset="-120"/>
-                <a:ea typeface="微軟正黑體" pitchFamily="34" charset="-120"/>
-              </a:rPr>
-              <a:t>]</a:t>
-            </a:r>
-            <a:endParaRPr lang="en-US" sz="4400" b="1" dirty="0">
-              <a:solidFill>
-                <a:srgbClr val="660033"/>
-              </a:solidFill>
-              <a:latin typeface="微軟正黑體" pitchFamily="34" charset="-120"/>
-              <a:ea typeface="微軟正黑體" pitchFamily="34" charset="-120"/>
-            </a:endParaRPr>
-          </a:p>
         </p:txBody>
       </p:sp>
     </p:spTree>
+    <p:extLst>
+      <p:ext uri="{BB962C8B-B14F-4D97-AF65-F5344CB8AC3E}">
+        <p14:creationId xmlns:p14="http://schemas.microsoft.com/office/powerpoint/2010/main" val="810043140"/>
+      </p:ext>
+    </p:extLst>
   </p:cSld>
   <p:clrMapOvr>
     <a:masterClrMapping/>
@@ -5010,70 +5360,40 @@
       </p:grpSpPr>
       <p:sp>
         <p:nvSpPr>
-          <p:cNvPr id="2" name="Title 1"/>
-          <p:cNvSpPr>
-            <a:spLocks noGrp="1"/>
-          </p:cNvSpPr>
-          <p:nvPr>
-            <p:ph type="title"/>
-          </p:nvPr>
-        </p:nvSpPr>
-        <p:spPr/>
-        <p:txBody>
-          <a:bodyPr>
-            <a:noAutofit/>
+          <p:cNvPr id="5" name="內容版面配置區 4"/>
+          <p:cNvSpPr>
+            <a:spLocks noGrp="1"/>
+          </p:cNvSpPr>
+          <p:nvPr>
+            <p:ph idx="1"/>
+          </p:nvPr>
+        </p:nvSpPr>
+        <p:spPr>
+          <a:xfrm>
+            <a:off x="0" y="2084851"/>
+            <a:ext cx="12192000" cy="2404863"/>
+          </a:xfrm>
+        </p:spPr>
+        <p:txBody>
+          <a:bodyPr anchor="ctr">
+            <a:normAutofit/>
           </a:bodyPr>
           <a:lstStyle/>
           <a:p>
-            <a:r>
-              <a:rPr lang="en-US" altLang="zh-TW" sz="5000" b="1" dirty="0">
+            <a:pPr algn="ctr">
+              <a:buNone/>
+            </a:pPr>
+            <a:r>
+              <a:rPr lang="zh-TW" altLang="en-US" sz="6400" b="1" dirty="0">
                 <a:solidFill>
                   <a:srgbClr val="660033"/>
                 </a:solidFill>
                 <a:latin typeface="微軟正黑體" pitchFamily="34" charset="-120"/>
                 <a:ea typeface="微軟正黑體" pitchFamily="34" charset="-120"/>
               </a:rPr>
-              <a:t/>
-            </a:r>
-            <a:br>
-              <a:rPr lang="en-US" altLang="zh-TW" sz="5000" b="1" dirty="0">
-                <a:solidFill>
-                  <a:srgbClr val="660033"/>
-                </a:solidFill>
-                <a:latin typeface="微軟正黑體" pitchFamily="34" charset="-120"/>
-                <a:ea typeface="微軟正黑體" pitchFamily="34" charset="-120"/>
-              </a:rPr>
-            </a:br>
-            <a:r>
-              <a:rPr lang="zh-TW" altLang="en-US" sz="5000" b="1" dirty="0">
-                <a:solidFill>
-                  <a:srgbClr val="660033"/>
-                </a:solidFill>
-                <a:latin typeface="微軟正黑體" pitchFamily="34" charset="-120"/>
-                <a:ea typeface="微軟正黑體" pitchFamily="34" charset="-120"/>
-              </a:rPr>
-              <a:t>主禱文</a:t>
-            </a:r>
-            <a:r>
-              <a:rPr lang="en-US" sz="5000" b="1" dirty="0">
-                <a:solidFill>
-                  <a:srgbClr val="660033"/>
-                </a:solidFill>
-                <a:latin typeface="微軟正黑體" pitchFamily="34" charset="-120"/>
-                <a:ea typeface="微軟正黑體" pitchFamily="34" charset="-120"/>
-              </a:rPr>
-              <a:t/>
-            </a:r>
-            <a:br>
-              <a:rPr lang="en-US" sz="5000" b="1" dirty="0">
-                <a:solidFill>
-                  <a:srgbClr val="660033"/>
-                </a:solidFill>
-                <a:latin typeface="微軟正黑體" pitchFamily="34" charset="-120"/>
-                <a:ea typeface="微軟正黑體" pitchFamily="34" charset="-120"/>
-              </a:rPr>
-            </a:br>
-            <a:endParaRPr lang="en-US" sz="5000" b="1" dirty="0">
+              <a:t>也願祢旨意行在地上</a:t>
+            </a:r>
+            <a:endParaRPr lang="en-US" sz="6400" b="1" dirty="0">
               <a:solidFill>
                 <a:srgbClr val="660033"/>
               </a:solidFill>
@@ -5081,39 +5401,21 @@
               <a:ea typeface="微軟正黑體" pitchFamily="34" charset="-120"/>
             </a:endParaRPr>
           </a:p>
-        </p:txBody>
-      </p:sp>
-      <p:sp>
-        <p:nvSpPr>
-          <p:cNvPr id="3" name="Content Placeholder 2"/>
-          <p:cNvSpPr>
-            <a:spLocks noGrp="1"/>
-          </p:cNvSpPr>
-          <p:nvPr>
-            <p:ph idx="1"/>
-          </p:nvPr>
-        </p:nvSpPr>
-        <p:spPr/>
-        <p:txBody>
-          <a:bodyPr>
-            <a:noAutofit/>
-          </a:bodyPr>
-          <a:lstStyle/>
           <a:p>
             <a:pPr algn="ctr">
               <a:buNone/>
             </a:pPr>
             <a:r>
-              <a:rPr lang="zh-TW" altLang="en-US" sz="5400" b="1" dirty="0">
+              <a:rPr lang="zh-TW" altLang="en-US" sz="6400" b="1" dirty="0">
                 <a:solidFill>
                   <a:srgbClr val="660033"/>
                 </a:solidFill>
                 <a:latin typeface="微軟正黑體" pitchFamily="34" charset="-120"/>
                 <a:ea typeface="微軟正黑體" pitchFamily="34" charset="-120"/>
               </a:rPr>
-              <a:t>願人都尊祢名為聖</a:t>
-            </a:r>
-            <a:endParaRPr lang="en-US" sz="5400" b="1" dirty="0">
+              <a:t>如同行在天上</a:t>
+            </a:r>
+            <a:endParaRPr lang="en-US" altLang="zh-TW" sz="6400" b="1" dirty="0">
               <a:solidFill>
                 <a:srgbClr val="660033"/>
               </a:solidFill>
@@ -5121,152 +5423,61 @@
               <a:ea typeface="微軟正黑體" pitchFamily="34" charset="-120"/>
             </a:endParaRPr>
           </a:p>
-          <a:p>
-            <a:pPr algn="ctr">
-              <a:buNone/>
-            </a:pPr>
-            <a:r>
-              <a:rPr lang="zh-TW" altLang="en-US" sz="5400" b="1" dirty="0">
-                <a:solidFill>
-                  <a:srgbClr val="660033"/>
-                </a:solidFill>
-                <a:latin typeface="微軟正黑體" pitchFamily="34" charset="-120"/>
-                <a:ea typeface="微軟正黑體" pitchFamily="34" charset="-120"/>
-              </a:rPr>
-              <a:t>願祢的國降臨</a:t>
-            </a:r>
-            <a:endParaRPr lang="en-US" sz="5400" b="1" dirty="0">
+        </p:txBody>
+      </p:sp>
+      <p:sp>
+        <p:nvSpPr>
+          <p:cNvPr id="2" name="TextBox 1"/>
+          <p:cNvSpPr txBox="1"/>
+          <p:nvPr/>
+        </p:nvSpPr>
+        <p:spPr>
+          <a:xfrm>
+            <a:off x="0" y="5158596"/>
+            <a:ext cx="12192000" cy="769441"/>
+          </a:xfrm>
+          <a:prstGeom prst="rect">
+            <a:avLst/>
+          </a:prstGeom>
+          <a:noFill/>
+        </p:spPr>
+        <p:txBody>
+          <a:bodyPr wrap="square" rtlCol="0">
+            <a:spAutoFit/>
+          </a:bodyPr>
+          <a:lstStyle/>
+          <a:p>
+            <a:pPr algn="ctr"/>
+            <a:r>
+              <a:rPr lang="en-US" sz="4400" b="1" dirty="0" smtClean="0">
+                <a:solidFill>
+                  <a:srgbClr val="660033"/>
+                </a:solidFill>
+              </a:rPr>
+              <a:t>( Chorus </a:t>
+            </a:r>
+            <a:r>
+              <a:rPr lang="en-US" sz="4400" b="1" dirty="0">
+                <a:solidFill>
+                  <a:srgbClr val="660033"/>
+                </a:solidFill>
+              </a:rPr>
+              <a:t>)</a:t>
+            </a:r>
+            <a:endParaRPr lang="vi-VN" sz="4400" b="1" dirty="0">
               <a:solidFill>
                 <a:srgbClr val="660033"/>
               </a:solidFill>
-              <a:latin typeface="微軟正黑體" pitchFamily="34" charset="-120"/>
-              <a:ea typeface="微軟正黑體" pitchFamily="34" charset="-120"/>
             </a:endParaRPr>
           </a:p>
-          <a:p>
-            <a:pPr algn="ctr">
-              <a:buNone/>
-            </a:pPr>
-            <a:r>
-              <a:rPr lang="zh-TW" altLang="en-US" sz="5400" b="1" dirty="0">
-                <a:solidFill>
-                  <a:srgbClr val="660033"/>
-                </a:solidFill>
-                <a:latin typeface="微軟正黑體" pitchFamily="34" charset="-120"/>
-                <a:ea typeface="微軟正黑體" pitchFamily="34" charset="-120"/>
-              </a:rPr>
-              <a:t>也願祢旨意行在地上</a:t>
-            </a:r>
-            <a:endParaRPr lang="en-US" sz="5400" b="1" dirty="0">
-              <a:solidFill>
-                <a:srgbClr val="660033"/>
-              </a:solidFill>
-              <a:latin typeface="微軟正黑體" pitchFamily="34" charset="-120"/>
-              <a:ea typeface="微軟正黑體" pitchFamily="34" charset="-120"/>
-            </a:endParaRPr>
-          </a:p>
-          <a:p>
-            <a:pPr algn="ctr">
-              <a:buNone/>
-            </a:pPr>
-            <a:r>
-              <a:rPr lang="zh-TW" altLang="en-US" sz="5400" b="1" dirty="0">
-                <a:solidFill>
-                  <a:srgbClr val="660033"/>
-                </a:solidFill>
-                <a:latin typeface="微軟正黑體" pitchFamily="34" charset="-120"/>
-                <a:ea typeface="微軟正黑體" pitchFamily="34" charset="-120"/>
-              </a:rPr>
-              <a:t>如同行在天上</a:t>
-            </a:r>
-            <a:endParaRPr lang="en-US" altLang="zh-TW" sz="5400" b="1" dirty="0">
-              <a:solidFill>
-                <a:srgbClr val="660033"/>
-              </a:solidFill>
-              <a:latin typeface="微軟正黑體" pitchFamily="34" charset="-120"/>
-              <a:ea typeface="微軟正黑體" pitchFamily="34" charset="-120"/>
-            </a:endParaRPr>
-          </a:p>
-          <a:p>
-            <a:pPr algn="ctr">
-              <a:buNone/>
-            </a:pPr>
-            <a:endParaRPr lang="en-US" altLang="zh-TW" sz="2800" b="1" dirty="0">
-              <a:solidFill>
-                <a:srgbClr val="660033"/>
-              </a:solidFill>
-              <a:latin typeface="微軟正黑體" pitchFamily="34" charset="-120"/>
-              <a:ea typeface="微軟正黑體" pitchFamily="34" charset="-120"/>
-            </a:endParaRPr>
-          </a:p>
-          <a:p>
-            <a:pPr algn="ctr">
-              <a:buNone/>
-            </a:pPr>
-            <a:r>
-              <a:rPr lang="en-US" altLang="zh-TW" sz="2000" b="1" dirty="0">
-                <a:solidFill>
-                  <a:srgbClr val="660033"/>
-                </a:solidFill>
-                <a:latin typeface="微軟正黑體" pitchFamily="34" charset="-120"/>
-                <a:ea typeface="微軟正黑體" pitchFamily="34" charset="-120"/>
-              </a:rPr>
-              <a:t>[Chorus]</a:t>
-            </a:r>
-          </a:p>
-          <a:p>
-            <a:pPr algn="ctr">
-              <a:buNone/>
-            </a:pPr>
-            <a:r>
-              <a:rPr lang="en-US" sz="5400" b="1" dirty="0">
-                <a:solidFill>
-                  <a:srgbClr val="660033"/>
-                </a:solidFill>
-                <a:latin typeface="微軟正黑體" pitchFamily="34" charset="-120"/>
-                <a:ea typeface="微軟正黑體" pitchFamily="34" charset="-120"/>
-              </a:rPr>
-              <a:t/>
-            </a:r>
-            <a:br>
-              <a:rPr lang="en-US" sz="5400" b="1" dirty="0">
-                <a:solidFill>
-                  <a:srgbClr val="660033"/>
-                </a:solidFill>
-                <a:latin typeface="微軟正黑體" pitchFamily="34" charset="-120"/>
-                <a:ea typeface="微軟正黑體" pitchFamily="34" charset="-120"/>
-              </a:rPr>
-            </a:br>
-            <a:r>
-              <a:rPr lang="en-US" sz="1600" dirty="0">
-                <a:solidFill>
-                  <a:srgbClr val="660033"/>
-                </a:solidFill>
-                <a:latin typeface="微軟正黑體" pitchFamily="34" charset="-120"/>
-                <a:ea typeface="微軟正黑體" pitchFamily="34" charset="-120"/>
-              </a:rPr>
-              <a:t/>
-            </a:r>
-            <a:br>
-              <a:rPr lang="en-US" sz="1600" dirty="0">
-                <a:solidFill>
-                  <a:srgbClr val="660033"/>
-                </a:solidFill>
-                <a:latin typeface="微軟正黑體" pitchFamily="34" charset="-120"/>
-                <a:ea typeface="微軟正黑體" pitchFamily="34" charset="-120"/>
-              </a:rPr>
-            </a:br>
-            <a:endParaRPr lang="en-US" sz="1600" dirty="0">
-              <a:solidFill>
-                <a:srgbClr val="660033"/>
-              </a:solidFill>
-              <a:latin typeface="微軟正黑體" pitchFamily="34" charset="-120"/>
-              <a:ea typeface="微軟正黑體" pitchFamily="34" charset="-120"/>
-            </a:endParaRPr>
-          </a:p>
         </p:txBody>
       </p:sp>
     </p:spTree>
+    <p:extLst>
+      <p:ext uri="{BB962C8B-B14F-4D97-AF65-F5344CB8AC3E}">
+        <p14:creationId xmlns:p14="http://schemas.microsoft.com/office/powerpoint/2010/main" val="3849487678"/>
+      </p:ext>
+    </p:extLst>
   </p:cSld>
   <p:clrMapOvr>
     <a:masterClrMapping/>
@@ -5293,70 +5504,40 @@
       </p:grpSpPr>
       <p:sp>
         <p:nvSpPr>
-          <p:cNvPr id="2" name="Title 1"/>
-          <p:cNvSpPr>
-            <a:spLocks noGrp="1"/>
-          </p:cNvSpPr>
-          <p:nvPr>
-            <p:ph type="title"/>
-          </p:nvPr>
-        </p:nvSpPr>
-        <p:spPr/>
-        <p:txBody>
-          <a:bodyPr>
-            <a:noAutofit/>
+          <p:cNvPr id="5" name="內容版面配置區 4"/>
+          <p:cNvSpPr>
+            <a:spLocks noGrp="1"/>
+          </p:cNvSpPr>
+          <p:nvPr>
+            <p:ph idx="1"/>
+          </p:nvPr>
+        </p:nvSpPr>
+        <p:spPr>
+          <a:xfrm>
+            <a:off x="0" y="2084851"/>
+            <a:ext cx="12192000" cy="2404863"/>
+          </a:xfrm>
+        </p:spPr>
+        <p:txBody>
+          <a:bodyPr anchor="ctr">
+            <a:normAutofit/>
           </a:bodyPr>
           <a:lstStyle/>
           <a:p>
-            <a:r>
-              <a:rPr lang="en-US" altLang="zh-TW" sz="5000" b="1" dirty="0">
+            <a:pPr algn="ctr">
+              <a:buNone/>
+            </a:pPr>
+            <a:r>
+              <a:rPr lang="zh-TW" altLang="en-US" sz="6400" b="1" dirty="0">
                 <a:solidFill>
                   <a:srgbClr val="660033"/>
                 </a:solidFill>
                 <a:latin typeface="微軟正黑體" pitchFamily="34" charset="-120"/>
                 <a:ea typeface="微軟正黑體" pitchFamily="34" charset="-120"/>
               </a:rPr>
-              <a:t/>
-            </a:r>
-            <a:br>
-              <a:rPr lang="en-US" altLang="zh-TW" sz="5000" b="1" dirty="0">
-                <a:solidFill>
-                  <a:srgbClr val="660033"/>
-                </a:solidFill>
-                <a:latin typeface="微軟正黑體" pitchFamily="34" charset="-120"/>
-                <a:ea typeface="微軟正黑體" pitchFamily="34" charset="-120"/>
-              </a:rPr>
-            </a:br>
-            <a:r>
-              <a:rPr lang="zh-TW" altLang="en-US" sz="5000" b="1" dirty="0">
-                <a:solidFill>
-                  <a:srgbClr val="660033"/>
-                </a:solidFill>
-                <a:latin typeface="微軟正黑體" pitchFamily="34" charset="-120"/>
-                <a:ea typeface="微軟正黑體" pitchFamily="34" charset="-120"/>
-              </a:rPr>
-              <a:t>主禱文</a:t>
-            </a:r>
-            <a:r>
-              <a:rPr lang="en-US" sz="5000" b="1" dirty="0">
-                <a:solidFill>
-                  <a:srgbClr val="660033"/>
-                </a:solidFill>
-                <a:latin typeface="微軟正黑體" pitchFamily="34" charset="-120"/>
-                <a:ea typeface="微軟正黑體" pitchFamily="34" charset="-120"/>
-              </a:rPr>
-              <a:t/>
-            </a:r>
-            <a:br>
-              <a:rPr lang="en-US" sz="5000" b="1" dirty="0">
-                <a:solidFill>
-                  <a:srgbClr val="660033"/>
-                </a:solidFill>
-                <a:latin typeface="微軟正黑體" pitchFamily="34" charset="-120"/>
-                <a:ea typeface="微軟正黑體" pitchFamily="34" charset="-120"/>
-              </a:rPr>
-            </a:br>
-            <a:endParaRPr lang="en-US" sz="5000" b="1" dirty="0">
+              <a:t>我們當天所需要的食物</a:t>
+            </a:r>
+            <a:endParaRPr lang="en-US" sz="6400" b="1" dirty="0">
               <a:solidFill>
                 <a:srgbClr val="660033"/>
               </a:solidFill>
@@ -5364,39 +5545,21 @@
               <a:ea typeface="微軟正黑體" pitchFamily="34" charset="-120"/>
             </a:endParaRPr>
           </a:p>
-        </p:txBody>
-      </p:sp>
-      <p:sp>
-        <p:nvSpPr>
-          <p:cNvPr id="3" name="Content Placeholder 2"/>
-          <p:cNvSpPr>
-            <a:spLocks noGrp="1"/>
-          </p:cNvSpPr>
-          <p:nvPr>
-            <p:ph idx="1"/>
-          </p:nvPr>
-        </p:nvSpPr>
-        <p:spPr/>
-        <p:txBody>
-          <a:bodyPr>
-            <a:noAutofit/>
-          </a:bodyPr>
-          <a:lstStyle/>
           <a:p>
             <a:pPr algn="ctr">
               <a:buNone/>
             </a:pPr>
             <a:r>
-              <a:rPr lang="zh-TW" altLang="en-US" sz="5400" b="1" dirty="0">
+              <a:rPr lang="zh-TW" altLang="en-US" sz="6400" b="1" dirty="0">
                 <a:solidFill>
                   <a:srgbClr val="660033"/>
                 </a:solidFill>
                 <a:latin typeface="微軟正黑體" pitchFamily="34" charset="-120"/>
                 <a:ea typeface="微軟正黑體" pitchFamily="34" charset="-120"/>
               </a:rPr>
-              <a:t>我們當天所需要的食物</a:t>
-            </a:r>
-            <a:endParaRPr lang="en-US" sz="5400" b="1" dirty="0">
+              <a:t>求祢賜給我們</a:t>
+            </a:r>
+            <a:endParaRPr lang="en-US" sz="6400" b="1" dirty="0">
               <a:solidFill>
                 <a:srgbClr val="660033"/>
               </a:solidFill>
@@ -5404,166 +5567,61 @@
               <a:ea typeface="微軟正黑體" pitchFamily="34" charset="-120"/>
             </a:endParaRPr>
           </a:p>
-          <a:p>
-            <a:pPr algn="ctr">
-              <a:buNone/>
-            </a:pPr>
-            <a:r>
-              <a:rPr lang="zh-TW" altLang="en-US" sz="5400" b="1" dirty="0">
-                <a:solidFill>
-                  <a:srgbClr val="660033"/>
-                </a:solidFill>
-                <a:latin typeface="微軟正黑體" pitchFamily="34" charset="-120"/>
-                <a:ea typeface="微軟正黑體" pitchFamily="34" charset="-120"/>
-              </a:rPr>
-              <a:t>求祢賜給我們</a:t>
-            </a:r>
-            <a:endParaRPr lang="en-US" sz="5400" b="1" dirty="0">
+        </p:txBody>
+      </p:sp>
+      <p:sp>
+        <p:nvSpPr>
+          <p:cNvPr id="2" name="TextBox 1"/>
+          <p:cNvSpPr txBox="1"/>
+          <p:nvPr/>
+        </p:nvSpPr>
+        <p:spPr>
+          <a:xfrm>
+            <a:off x="0" y="5158596"/>
+            <a:ext cx="12192000" cy="769441"/>
+          </a:xfrm>
+          <a:prstGeom prst="rect">
+            <a:avLst/>
+          </a:prstGeom>
+          <a:noFill/>
+        </p:spPr>
+        <p:txBody>
+          <a:bodyPr wrap="square" rtlCol="0">
+            <a:spAutoFit/>
+          </a:bodyPr>
+          <a:lstStyle/>
+          <a:p>
+            <a:pPr algn="ctr"/>
+            <a:r>
+              <a:rPr lang="en-US" sz="4400" b="1" dirty="0" smtClean="0">
+                <a:solidFill>
+                  <a:srgbClr val="660033"/>
+                </a:solidFill>
+              </a:rPr>
+              <a:t>( Chorus </a:t>
+            </a:r>
+            <a:r>
+              <a:rPr lang="en-US" sz="4400" b="1" dirty="0">
+                <a:solidFill>
+                  <a:srgbClr val="660033"/>
+                </a:solidFill>
+              </a:rPr>
+              <a:t>)</a:t>
+            </a:r>
+            <a:endParaRPr lang="vi-VN" sz="4400" b="1" dirty="0">
               <a:solidFill>
                 <a:srgbClr val="660033"/>
               </a:solidFill>
-              <a:latin typeface="微軟正黑體" pitchFamily="34" charset="-120"/>
-              <a:ea typeface="微軟正黑體" pitchFamily="34" charset="-120"/>
             </a:endParaRPr>
           </a:p>
-          <a:p>
-            <a:pPr algn="ctr">
-              <a:buNone/>
-            </a:pPr>
-            <a:r>
-              <a:rPr lang="zh-TW" altLang="en-US" sz="5400" b="1" dirty="0">
-                <a:solidFill>
-                  <a:srgbClr val="660033"/>
-                </a:solidFill>
-                <a:latin typeface="微軟正黑體" pitchFamily="34" charset="-120"/>
-                <a:ea typeface="微軟正黑體" pitchFamily="34" charset="-120"/>
-              </a:rPr>
-              <a:t>免我們的債</a:t>
-            </a:r>
-            <a:endParaRPr lang="en-US" sz="5400" b="1" dirty="0">
-              <a:solidFill>
-                <a:srgbClr val="660033"/>
-              </a:solidFill>
-              <a:latin typeface="微軟正黑體" pitchFamily="34" charset="-120"/>
-              <a:ea typeface="微軟正黑體" pitchFamily="34" charset="-120"/>
-            </a:endParaRPr>
-          </a:p>
-          <a:p>
-            <a:pPr algn="ctr">
-              <a:buNone/>
-            </a:pPr>
-            <a:r>
-              <a:rPr lang="zh-TW" altLang="en-US" sz="5400" b="1" dirty="0">
-                <a:solidFill>
-                  <a:srgbClr val="660033"/>
-                </a:solidFill>
-                <a:latin typeface="微軟正黑體" pitchFamily="34" charset="-120"/>
-                <a:ea typeface="微軟正黑體" pitchFamily="34" charset="-120"/>
-              </a:rPr>
-              <a:t>如同我們免去人的債</a:t>
-            </a:r>
-            <a:endParaRPr lang="en-US" altLang="zh-TW" sz="5400" b="1" dirty="0">
-              <a:solidFill>
-                <a:srgbClr val="660033"/>
-              </a:solidFill>
-              <a:latin typeface="微軟正黑體" pitchFamily="34" charset="-120"/>
-              <a:ea typeface="微軟正黑體" pitchFamily="34" charset="-120"/>
-            </a:endParaRPr>
-          </a:p>
-          <a:p>
-            <a:pPr algn="ctr">
-              <a:buNone/>
-            </a:pPr>
-            <a:endParaRPr lang="en-US" sz="2800" b="1" dirty="0">
-              <a:solidFill>
-                <a:srgbClr val="660033"/>
-              </a:solidFill>
-              <a:latin typeface="微軟正黑體" pitchFamily="34" charset="-120"/>
-              <a:ea typeface="微軟正黑體" pitchFamily="34" charset="-120"/>
-            </a:endParaRPr>
-          </a:p>
-          <a:p>
-            <a:pPr algn="ctr">
-              <a:buNone/>
-            </a:pPr>
-            <a:r>
-              <a:rPr lang="en-US" sz="2800" b="1" dirty="0">
-                <a:solidFill>
-                  <a:srgbClr val="660033"/>
-                </a:solidFill>
-                <a:latin typeface="微軟正黑體" pitchFamily="34" charset="-120"/>
-                <a:ea typeface="微軟正黑體" pitchFamily="34" charset="-120"/>
-              </a:rPr>
-              <a:t>[Chorus]</a:t>
-            </a:r>
-            <a:r>
-              <a:rPr lang="en-US" sz="5400" b="1" dirty="0">
-                <a:solidFill>
-                  <a:srgbClr val="660033"/>
-                </a:solidFill>
-                <a:latin typeface="微軟正黑體" pitchFamily="34" charset="-120"/>
-                <a:ea typeface="微軟正黑體" pitchFamily="34" charset="-120"/>
-              </a:rPr>
-              <a:t/>
-            </a:r>
-            <a:br>
-              <a:rPr lang="en-US" sz="5400" b="1" dirty="0">
-                <a:solidFill>
-                  <a:srgbClr val="660033"/>
-                </a:solidFill>
-                <a:latin typeface="微軟正黑體" pitchFamily="34" charset="-120"/>
-                <a:ea typeface="微軟正黑體" pitchFamily="34" charset="-120"/>
-              </a:rPr>
-            </a:br>
-            <a:r>
-              <a:rPr lang="en-US" sz="5400" b="1" dirty="0">
-                <a:solidFill>
-                  <a:srgbClr val="660033"/>
-                </a:solidFill>
-                <a:latin typeface="微軟正黑體" pitchFamily="34" charset="-120"/>
-                <a:ea typeface="微軟正黑體" pitchFamily="34" charset="-120"/>
-              </a:rPr>
-              <a:t/>
-            </a:r>
-            <a:br>
-              <a:rPr lang="en-US" sz="5400" b="1" dirty="0">
-                <a:solidFill>
-                  <a:srgbClr val="660033"/>
-                </a:solidFill>
-                <a:latin typeface="微軟正黑體" pitchFamily="34" charset="-120"/>
-                <a:ea typeface="微軟正黑體" pitchFamily="34" charset="-120"/>
-              </a:rPr>
-            </a:br>
-            <a:r>
-              <a:rPr lang="en-US" sz="1600" dirty="0">
-                <a:solidFill>
-                  <a:srgbClr val="660033"/>
-                </a:solidFill>
-                <a:latin typeface="微軟正黑體" pitchFamily="34" charset="-120"/>
-                <a:ea typeface="微軟正黑體" pitchFamily="34" charset="-120"/>
-              </a:rPr>
-              <a:t/>
-            </a:r>
-            <a:br>
-              <a:rPr lang="en-US" sz="1600" dirty="0">
-                <a:solidFill>
-                  <a:srgbClr val="660033"/>
-                </a:solidFill>
-                <a:latin typeface="微軟正黑體" pitchFamily="34" charset="-120"/>
-                <a:ea typeface="微軟正黑體" pitchFamily="34" charset="-120"/>
-              </a:rPr>
-            </a:br>
-            <a:endParaRPr lang="en-US" sz="1600" dirty="0">
-              <a:solidFill>
-                <a:srgbClr val="660033"/>
-              </a:solidFill>
-              <a:latin typeface="微軟正黑體" pitchFamily="34" charset="-120"/>
-              <a:ea typeface="微軟正黑體" pitchFamily="34" charset="-120"/>
-            </a:endParaRPr>
-          </a:p>
         </p:txBody>
       </p:sp>
     </p:spTree>
+    <p:extLst>
+      <p:ext uri="{BB962C8B-B14F-4D97-AF65-F5344CB8AC3E}">
+        <p14:creationId xmlns:p14="http://schemas.microsoft.com/office/powerpoint/2010/main" val="3491907523"/>
+      </p:ext>
+    </p:extLst>
   </p:cSld>
   <p:clrMapOvr>
     <a:masterClrMapping/>
@@ -5590,70 +5648,40 @@
       </p:grpSpPr>
       <p:sp>
         <p:nvSpPr>
-          <p:cNvPr id="2" name="Title 1"/>
-          <p:cNvSpPr>
-            <a:spLocks noGrp="1"/>
-          </p:cNvSpPr>
-          <p:nvPr>
-            <p:ph type="title"/>
-          </p:nvPr>
-        </p:nvSpPr>
-        <p:spPr/>
-        <p:txBody>
-          <a:bodyPr>
-            <a:noAutofit/>
+          <p:cNvPr id="5" name="內容版面配置區 4"/>
+          <p:cNvSpPr>
+            <a:spLocks noGrp="1"/>
+          </p:cNvSpPr>
+          <p:nvPr>
+            <p:ph idx="1"/>
+          </p:nvPr>
+        </p:nvSpPr>
+        <p:spPr>
+          <a:xfrm>
+            <a:off x="0" y="2084851"/>
+            <a:ext cx="12192000" cy="2404863"/>
+          </a:xfrm>
+        </p:spPr>
+        <p:txBody>
+          <a:bodyPr anchor="ctr">
+            <a:normAutofit/>
           </a:bodyPr>
           <a:lstStyle/>
           <a:p>
-            <a:r>
-              <a:rPr lang="en-US" altLang="zh-TW" sz="5000" b="1" dirty="0">
+            <a:pPr algn="ctr">
+              <a:buNone/>
+            </a:pPr>
+            <a:r>
+              <a:rPr lang="zh-TW" altLang="en-US" sz="6400" b="1" dirty="0">
                 <a:solidFill>
                   <a:srgbClr val="660033"/>
                 </a:solidFill>
                 <a:latin typeface="微軟正黑體" pitchFamily="34" charset="-120"/>
                 <a:ea typeface="微軟正黑體" pitchFamily="34" charset="-120"/>
               </a:rPr>
-              <a:t/>
-            </a:r>
-            <a:br>
-              <a:rPr lang="en-US" altLang="zh-TW" sz="5000" b="1" dirty="0">
-                <a:solidFill>
-                  <a:srgbClr val="660033"/>
-                </a:solidFill>
-                <a:latin typeface="微軟正黑體" pitchFamily="34" charset="-120"/>
-                <a:ea typeface="微軟正黑體" pitchFamily="34" charset="-120"/>
-              </a:rPr>
-            </a:br>
-            <a:r>
-              <a:rPr lang="zh-TW" altLang="en-US" sz="5000" b="1" dirty="0">
-                <a:solidFill>
-                  <a:srgbClr val="660033"/>
-                </a:solidFill>
-                <a:latin typeface="微軟正黑體" pitchFamily="34" charset="-120"/>
-                <a:ea typeface="微軟正黑體" pitchFamily="34" charset="-120"/>
-              </a:rPr>
-              <a:t>主禱文</a:t>
-            </a:r>
-            <a:r>
-              <a:rPr lang="en-US" sz="5000" b="1" dirty="0">
-                <a:solidFill>
-                  <a:srgbClr val="660033"/>
-                </a:solidFill>
-                <a:latin typeface="微軟正黑體" pitchFamily="34" charset="-120"/>
-                <a:ea typeface="微軟正黑體" pitchFamily="34" charset="-120"/>
-              </a:rPr>
-              <a:t/>
-            </a:r>
-            <a:br>
-              <a:rPr lang="en-US" sz="5000" b="1" dirty="0">
-                <a:solidFill>
-                  <a:srgbClr val="660033"/>
-                </a:solidFill>
-                <a:latin typeface="微軟正黑體" pitchFamily="34" charset="-120"/>
-                <a:ea typeface="微軟正黑體" pitchFamily="34" charset="-120"/>
-              </a:rPr>
-            </a:br>
-            <a:endParaRPr lang="en-US" sz="5000" b="1" dirty="0">
+              <a:t>免我們的債</a:t>
+            </a:r>
+            <a:endParaRPr lang="en-US" sz="6400" b="1" dirty="0">
               <a:solidFill>
                 <a:srgbClr val="660033"/>
               </a:solidFill>
@@ -5661,39 +5689,21 @@
               <a:ea typeface="微軟正黑體" pitchFamily="34" charset="-120"/>
             </a:endParaRPr>
           </a:p>
-        </p:txBody>
-      </p:sp>
-      <p:sp>
-        <p:nvSpPr>
-          <p:cNvPr id="3" name="Content Placeholder 2"/>
-          <p:cNvSpPr>
-            <a:spLocks noGrp="1"/>
-          </p:cNvSpPr>
-          <p:nvPr>
-            <p:ph idx="1"/>
-          </p:nvPr>
-        </p:nvSpPr>
-        <p:spPr/>
-        <p:txBody>
-          <a:bodyPr>
-            <a:noAutofit/>
-          </a:bodyPr>
-          <a:lstStyle/>
           <a:p>
             <a:pPr algn="ctr">
               <a:buNone/>
             </a:pPr>
             <a:r>
-              <a:rPr lang="zh-TW" altLang="en-US" sz="5400" b="1" dirty="0">
+              <a:rPr lang="zh-TW" altLang="en-US" sz="6400" b="1" dirty="0">
                 <a:solidFill>
                   <a:srgbClr val="660033"/>
                 </a:solidFill>
                 <a:latin typeface="微軟正黑體" pitchFamily="34" charset="-120"/>
                 <a:ea typeface="微軟正黑體" pitchFamily="34" charset="-120"/>
               </a:rPr>
-              <a:t>不叫我們遇見試探 </a:t>
-            </a:r>
-            <a:endParaRPr lang="en-US" altLang="zh-TW" sz="5400" b="1" dirty="0">
+              <a:t>如同我們免去人的債</a:t>
+            </a:r>
+            <a:endParaRPr lang="en-US" altLang="zh-TW" sz="6400" b="1" dirty="0">
               <a:solidFill>
                 <a:srgbClr val="660033"/>
               </a:solidFill>
@@ -5701,202 +5711,70 @@
               <a:ea typeface="微軟正黑體" pitchFamily="34" charset="-120"/>
             </a:endParaRPr>
           </a:p>
-          <a:p>
-            <a:pPr algn="ctr">
-              <a:buNone/>
-            </a:pPr>
-            <a:r>
-              <a:rPr lang="zh-TW" altLang="en-US" sz="5400" b="1" dirty="0">
-                <a:solidFill>
-                  <a:srgbClr val="660033"/>
-                </a:solidFill>
-                <a:latin typeface="微軟正黑體" pitchFamily="34" charset="-120"/>
-                <a:ea typeface="微軟正黑體" pitchFamily="34" charset="-120"/>
-              </a:rPr>
-              <a:t>救我們脫離凶惡</a:t>
-            </a:r>
-            <a:endParaRPr lang="en-US" altLang="zh-TW" sz="5400" b="1" dirty="0">
+        </p:txBody>
+      </p:sp>
+      <p:sp>
+        <p:nvSpPr>
+          <p:cNvPr id="2" name="TextBox 1"/>
+          <p:cNvSpPr txBox="1"/>
+          <p:nvPr/>
+        </p:nvSpPr>
+        <p:spPr>
+          <a:xfrm>
+            <a:off x="0" y="5158596"/>
+            <a:ext cx="12192000" cy="769441"/>
+          </a:xfrm>
+          <a:prstGeom prst="rect">
+            <a:avLst/>
+          </a:prstGeom>
+          <a:noFill/>
+        </p:spPr>
+        <p:txBody>
+          <a:bodyPr wrap="square" rtlCol="0">
+            <a:spAutoFit/>
+          </a:bodyPr>
+          <a:lstStyle/>
+          <a:p>
+            <a:pPr algn="ctr"/>
+            <a:r>
+              <a:rPr lang="en-US" sz="4400" b="1" dirty="0" smtClean="0">
+                <a:solidFill>
+                  <a:srgbClr val="660033"/>
+                </a:solidFill>
+              </a:rPr>
+              <a:t>( Chorus </a:t>
+            </a:r>
+            <a:r>
+              <a:rPr lang="en-US" sz="4400" b="1" dirty="0">
+                <a:solidFill>
+                  <a:srgbClr val="660033"/>
+                </a:solidFill>
+              </a:rPr>
+              <a:t>)</a:t>
+            </a:r>
+            <a:endParaRPr lang="vi-VN" sz="4400" b="1" dirty="0">
               <a:solidFill>
                 <a:srgbClr val="660033"/>
               </a:solidFill>
-              <a:latin typeface="微軟正黑體" pitchFamily="34" charset="-120"/>
-              <a:ea typeface="微軟正黑體" pitchFamily="34" charset="-120"/>
             </a:endParaRPr>
           </a:p>
-          <a:p>
-            <a:pPr algn="ctr">
-              <a:buNone/>
-            </a:pPr>
-            <a:r>
-              <a:rPr lang="zh-TW" altLang="en-US" sz="5400" b="1" dirty="0">
-                <a:solidFill>
-                  <a:srgbClr val="660033"/>
-                </a:solidFill>
-                <a:latin typeface="微軟正黑體" pitchFamily="34" charset="-120"/>
-                <a:ea typeface="微軟正黑體" pitchFamily="34" charset="-120"/>
-              </a:rPr>
-              <a:t>因國度權柄榮耀 </a:t>
-            </a:r>
-            <a:endParaRPr lang="en-US" altLang="zh-TW" sz="5400" b="1" dirty="0">
-              <a:solidFill>
-                <a:srgbClr val="660033"/>
-              </a:solidFill>
-              <a:latin typeface="微軟正黑體" pitchFamily="34" charset="-120"/>
-              <a:ea typeface="微軟正黑體" pitchFamily="34" charset="-120"/>
-            </a:endParaRPr>
-          </a:p>
-          <a:p>
-            <a:pPr algn="ctr">
-              <a:buNone/>
-            </a:pPr>
-            <a:r>
-              <a:rPr lang="zh-TW" altLang="en-US" sz="5400" b="1" dirty="0">
-                <a:solidFill>
-                  <a:srgbClr val="660033"/>
-                </a:solidFill>
-                <a:latin typeface="微軟正黑體" pitchFamily="34" charset="-120"/>
-                <a:ea typeface="微軟正黑體" pitchFamily="34" charset="-120"/>
-              </a:rPr>
-              <a:t>全屬祢直到永遠</a:t>
-            </a:r>
-            <a:endParaRPr lang="en-US" altLang="zh-TW" sz="5400" b="1" dirty="0">
-              <a:solidFill>
-                <a:srgbClr val="660033"/>
-              </a:solidFill>
-              <a:latin typeface="微軟正黑體" pitchFamily="34" charset="-120"/>
-              <a:ea typeface="微軟正黑體" pitchFamily="34" charset="-120"/>
-            </a:endParaRPr>
-          </a:p>
-          <a:p>
-            <a:pPr algn="ctr">
-              <a:buNone/>
-            </a:pPr>
-            <a:endParaRPr lang="en-US" sz="2800" b="1" dirty="0">
-              <a:solidFill>
-                <a:srgbClr val="660033"/>
-              </a:solidFill>
-              <a:latin typeface="微軟正黑體" pitchFamily="34" charset="-120"/>
-              <a:ea typeface="微軟正黑體" pitchFamily="34" charset="-120"/>
-            </a:endParaRPr>
-          </a:p>
-          <a:p>
-            <a:pPr algn="ctr">
-              <a:buNone/>
-            </a:pPr>
-            <a:r>
-              <a:rPr lang="en-US" sz="2800" b="1" dirty="0">
-                <a:solidFill>
-                  <a:srgbClr val="660033"/>
-                </a:solidFill>
-                <a:latin typeface="微軟正黑體" pitchFamily="34" charset="-120"/>
-                <a:ea typeface="微軟正黑體" pitchFamily="34" charset="-120"/>
-              </a:rPr>
-              <a:t>[</a:t>
-            </a:r>
-            <a:r>
-              <a:rPr lang="en-US" altLang="zh-CN" sz="2800" b="1" dirty="0">
-                <a:solidFill>
-                  <a:srgbClr val="660033"/>
-                </a:solidFill>
-                <a:latin typeface="微軟正黑體" pitchFamily="34" charset="-120"/>
-                <a:ea typeface="微軟正黑體" pitchFamily="34" charset="-120"/>
-              </a:rPr>
-              <a:t>Bridge</a:t>
-            </a:r>
-            <a:r>
-              <a:rPr lang="en-US" sz="2800" b="1" dirty="0">
-                <a:solidFill>
-                  <a:srgbClr val="660033"/>
-                </a:solidFill>
-                <a:latin typeface="微軟正黑體" pitchFamily="34" charset="-120"/>
-                <a:ea typeface="微軟正黑體" pitchFamily="34" charset="-120"/>
-              </a:rPr>
-              <a:t>]</a:t>
-            </a:r>
-            <a:r>
-              <a:rPr lang="en-US" sz="5400" b="1" dirty="0">
-                <a:solidFill>
-                  <a:srgbClr val="660033"/>
-                </a:solidFill>
-                <a:latin typeface="微軟正黑體" pitchFamily="34" charset="-120"/>
-                <a:ea typeface="微軟正黑體" pitchFamily="34" charset="-120"/>
-              </a:rPr>
-              <a:t/>
-            </a:r>
-            <a:br>
-              <a:rPr lang="en-US" sz="5400" b="1" dirty="0">
-                <a:solidFill>
-                  <a:srgbClr val="660033"/>
-                </a:solidFill>
-                <a:latin typeface="微軟正黑體" pitchFamily="34" charset="-120"/>
-                <a:ea typeface="微軟正黑體" pitchFamily="34" charset="-120"/>
-              </a:rPr>
-            </a:br>
-            <a:r>
-              <a:rPr lang="en-US" sz="5400" b="1" dirty="0">
-                <a:solidFill>
-                  <a:srgbClr val="660033"/>
-                </a:solidFill>
-                <a:latin typeface="微軟正黑體" pitchFamily="34" charset="-120"/>
-                <a:ea typeface="微軟正黑體" pitchFamily="34" charset="-120"/>
-              </a:rPr>
-              <a:t/>
-            </a:r>
-            <a:br>
-              <a:rPr lang="en-US" sz="5400" b="1" dirty="0">
-                <a:solidFill>
-                  <a:srgbClr val="660033"/>
-                </a:solidFill>
-                <a:latin typeface="微軟正黑體" pitchFamily="34" charset="-120"/>
-                <a:ea typeface="微軟正黑體" pitchFamily="34" charset="-120"/>
-              </a:rPr>
-            </a:br>
-            <a:r>
-              <a:rPr lang="en-US" sz="1600" b="1" dirty="0">
-                <a:solidFill>
-                  <a:srgbClr val="660033"/>
-                </a:solidFill>
-                <a:latin typeface="微軟正黑體" pitchFamily="34" charset="-120"/>
-                <a:ea typeface="微軟正黑體" pitchFamily="34" charset="-120"/>
-              </a:rPr>
-              <a:t/>
-            </a:r>
-            <a:br>
-              <a:rPr lang="en-US" sz="1600" b="1" dirty="0">
-                <a:solidFill>
-                  <a:srgbClr val="660033"/>
-                </a:solidFill>
-                <a:latin typeface="微軟正黑體" pitchFamily="34" charset="-120"/>
-                <a:ea typeface="微軟正黑體" pitchFamily="34" charset="-120"/>
-              </a:rPr>
-            </a:br>
-            <a:endParaRPr lang="en-US" sz="1600" b="1" dirty="0">
-              <a:solidFill>
-                <a:srgbClr val="660033"/>
-              </a:solidFill>
-              <a:latin typeface="微軟正黑體" pitchFamily="34" charset="-120"/>
-              <a:ea typeface="微軟正黑體" pitchFamily="34" charset="-120"/>
-            </a:endParaRPr>
-          </a:p>
         </p:txBody>
       </p:sp>
     </p:spTree>
+    <p:extLst>
+      <p:ext uri="{BB962C8B-B14F-4D97-AF65-F5344CB8AC3E}">
+        <p14:creationId xmlns:p14="http://schemas.microsoft.com/office/powerpoint/2010/main" val="1807387626"/>
+      </p:ext>
+    </p:extLst>
   </p:cSld>
   <p:clrMapOvr>
     <a:masterClrMapping/>
   </p:clrMapOvr>
-  <p:timing>
-    <p:tnLst>
-      <p:par>
-        <p:cTn id="1" dur="indefinite" restart="never" nodeType="tmRoot"/>
-      </p:par>
-    </p:tnLst>
-  </p:timing>
 </p:sld>
 </file>
 
 <file path=ppt/theme/theme1.xml><?xml version="1.0" encoding="utf-8"?>
-<a:theme xmlns:a="http://schemas.openxmlformats.org/drawingml/2006/main" name="佈景主題11">
+<a:theme xmlns:a="http://schemas.openxmlformats.org/drawingml/2006/main" name="Theme1">
   <a:themeElements>
     <a:clrScheme name="Office">
       <a:dk1>
@@ -6175,5 +6053,10 @@
   </a:themeElements>
   <a:objectDefaults/>
   <a:extraClrSchemeLst/>
+  <a:extLst>
+    <a:ext uri="{05A4C25C-085E-4340-85A3-A5531E510DB2}">
+      <thm15:themeFamily xmlns:thm15="http://schemas.microsoft.com/office/thememl/2012/main" name="Theme1" id="{1A8DE197-990E-4893-BF04-3823FBB50F9A}" vid="{430B7048-5A04-4BDB-939A-C7E865DB887B}"/>
+    </a:ext>
+  </a:extLst>
 </a:theme>
 </file>